--- a/Dart-Slides/DartProgramlamaDili_01.pptx
+++ b/Dart-Slides/DartProgramlamaDili_01.pptx
@@ -7,60 +7,59 @@
   <p:sldIdLst>
     <p:sldId id="354" r:id="rId2"/>
     <p:sldId id="427" r:id="rId3"/>
-    <p:sldId id="430" r:id="rId4"/>
-    <p:sldId id="259" r:id="rId5"/>
-    <p:sldId id="275" r:id="rId6"/>
-    <p:sldId id="265" r:id="rId7"/>
-    <p:sldId id="266" r:id="rId8"/>
-    <p:sldId id="267" r:id="rId9"/>
-    <p:sldId id="258" r:id="rId10"/>
-    <p:sldId id="268" r:id="rId11"/>
-    <p:sldId id="269" r:id="rId12"/>
-    <p:sldId id="270" r:id="rId13"/>
-    <p:sldId id="271" r:id="rId14"/>
-    <p:sldId id="260" r:id="rId15"/>
-    <p:sldId id="261" r:id="rId16"/>
-    <p:sldId id="262" r:id="rId17"/>
-    <p:sldId id="263" r:id="rId18"/>
-    <p:sldId id="264" r:id="rId19"/>
-    <p:sldId id="272" r:id="rId20"/>
-    <p:sldId id="273" r:id="rId21"/>
-    <p:sldId id="274" r:id="rId22"/>
-    <p:sldId id="277" r:id="rId23"/>
-    <p:sldId id="278" r:id="rId24"/>
-    <p:sldId id="279" r:id="rId25"/>
-    <p:sldId id="280" r:id="rId26"/>
-    <p:sldId id="281" r:id="rId27"/>
-    <p:sldId id="282" r:id="rId28"/>
-    <p:sldId id="283" r:id="rId29"/>
-    <p:sldId id="284" r:id="rId30"/>
-    <p:sldId id="285" r:id="rId31"/>
-    <p:sldId id="286" r:id="rId32"/>
-    <p:sldId id="288" r:id="rId33"/>
-    <p:sldId id="289" r:id="rId34"/>
-    <p:sldId id="290" r:id="rId35"/>
-    <p:sldId id="291" r:id="rId36"/>
-    <p:sldId id="292" r:id="rId37"/>
-    <p:sldId id="293" r:id="rId38"/>
-    <p:sldId id="294" r:id="rId39"/>
-    <p:sldId id="295" r:id="rId40"/>
-    <p:sldId id="296" r:id="rId41"/>
-    <p:sldId id="297" r:id="rId42"/>
-    <p:sldId id="298" r:id="rId43"/>
-    <p:sldId id="299" r:id="rId44"/>
-    <p:sldId id="300" r:id="rId45"/>
-    <p:sldId id="302" r:id="rId46"/>
-    <p:sldId id="303" r:id="rId47"/>
-    <p:sldId id="304" r:id="rId48"/>
-    <p:sldId id="305" r:id="rId49"/>
-    <p:sldId id="307" r:id="rId50"/>
-    <p:sldId id="314" r:id="rId51"/>
-    <p:sldId id="315" r:id="rId52"/>
-    <p:sldId id="316" r:id="rId53"/>
-    <p:sldId id="317" r:id="rId54"/>
-    <p:sldId id="318" r:id="rId55"/>
-    <p:sldId id="319" r:id="rId56"/>
-    <p:sldId id="428" r:id="rId57"/>
+    <p:sldId id="259" r:id="rId4"/>
+    <p:sldId id="275" r:id="rId5"/>
+    <p:sldId id="265" r:id="rId6"/>
+    <p:sldId id="266" r:id="rId7"/>
+    <p:sldId id="267" r:id="rId8"/>
+    <p:sldId id="258" r:id="rId9"/>
+    <p:sldId id="268" r:id="rId10"/>
+    <p:sldId id="269" r:id="rId11"/>
+    <p:sldId id="270" r:id="rId12"/>
+    <p:sldId id="271" r:id="rId13"/>
+    <p:sldId id="260" r:id="rId14"/>
+    <p:sldId id="261" r:id="rId15"/>
+    <p:sldId id="262" r:id="rId16"/>
+    <p:sldId id="263" r:id="rId17"/>
+    <p:sldId id="264" r:id="rId18"/>
+    <p:sldId id="272" r:id="rId19"/>
+    <p:sldId id="273" r:id="rId20"/>
+    <p:sldId id="274" r:id="rId21"/>
+    <p:sldId id="277" r:id="rId22"/>
+    <p:sldId id="278" r:id="rId23"/>
+    <p:sldId id="279" r:id="rId24"/>
+    <p:sldId id="280" r:id="rId25"/>
+    <p:sldId id="281" r:id="rId26"/>
+    <p:sldId id="282" r:id="rId27"/>
+    <p:sldId id="283" r:id="rId28"/>
+    <p:sldId id="284" r:id="rId29"/>
+    <p:sldId id="285" r:id="rId30"/>
+    <p:sldId id="286" r:id="rId31"/>
+    <p:sldId id="288" r:id="rId32"/>
+    <p:sldId id="289" r:id="rId33"/>
+    <p:sldId id="290" r:id="rId34"/>
+    <p:sldId id="291" r:id="rId35"/>
+    <p:sldId id="292" r:id="rId36"/>
+    <p:sldId id="293" r:id="rId37"/>
+    <p:sldId id="294" r:id="rId38"/>
+    <p:sldId id="295" r:id="rId39"/>
+    <p:sldId id="296" r:id="rId40"/>
+    <p:sldId id="297" r:id="rId41"/>
+    <p:sldId id="298" r:id="rId42"/>
+    <p:sldId id="299" r:id="rId43"/>
+    <p:sldId id="300" r:id="rId44"/>
+    <p:sldId id="302" r:id="rId45"/>
+    <p:sldId id="303" r:id="rId46"/>
+    <p:sldId id="304" r:id="rId47"/>
+    <p:sldId id="305" r:id="rId48"/>
+    <p:sldId id="307" r:id="rId49"/>
+    <p:sldId id="314" r:id="rId50"/>
+    <p:sldId id="315" r:id="rId51"/>
+    <p:sldId id="316" r:id="rId52"/>
+    <p:sldId id="317" r:id="rId53"/>
+    <p:sldId id="318" r:id="rId54"/>
+    <p:sldId id="319" r:id="rId55"/>
+    <p:sldId id="428" r:id="rId56"/>
   </p:sldIdLst>
   <p:sldSz cx="12192000" cy="6858000"/>
   <p:notesSz cx="6858000" cy="9144000"/>
@@ -4156,87 +4155,54 @@
           <a:p>
             <a:pPr algn="just"/>
             <a:r>
+              <a:rPr lang="tr-TR" b="1" dirty="0"/>
+              <a:t>2. </a:t>
+            </a:r>
+            <a:r>
+              <a:rPr lang="tr-TR" b="1" dirty="0" err="1"/>
+              <a:t>Const</a:t>
+            </a:r>
+            <a:r>
+              <a:rPr lang="tr-TR" b="1" dirty="0"/>
+              <a:t> ve Tip ile</a:t>
+            </a:r>
+          </a:p>
+          <a:p>
+            <a:pPr algn="just"/>
+            <a:endParaRPr lang="tr-TR" dirty="0"/>
+          </a:p>
+          <a:p>
+            <a:pPr algn="just"/>
+            <a:endParaRPr lang="tr-TR" dirty="0"/>
+          </a:p>
+          <a:p>
+            <a:pPr algn="just"/>
+            <a:endParaRPr lang="tr-TR" dirty="0"/>
+          </a:p>
+          <a:p>
+            <a:pPr algn="just"/>
+            <a:r>
+              <a:rPr lang="tr-TR" dirty="0" err="1"/>
+              <a:t>sayi'nin</a:t>
+            </a:r>
+            <a:r>
               <a:rPr lang="tr-TR" dirty="0"/>
-              <a:t>Sabitler bir kere tanımlandıktan sonra değiştirilemeyen verilerdir.</a:t>
-            </a:r>
-          </a:p>
-          <a:p>
-            <a:pPr algn="just"/>
-            <a:r>
-              <a:rPr lang="tr-TR" b="1" dirty="0" err="1"/>
-              <a:t>const</a:t>
+              <a:t> </a:t>
+            </a:r>
+            <a:r>
+              <a:rPr lang="tr-TR" dirty="0" err="1"/>
+              <a:t>integer</a:t>
             </a:r>
             <a:r>
               <a:rPr lang="tr-TR" dirty="0"/>
-              <a:t> terimi ile kullanılırlar.</a:t>
-            </a:r>
-          </a:p>
-          <a:p>
-            <a:pPr algn="just"/>
-            <a:r>
-              <a:rPr lang="tr-TR" dirty="0"/>
-              <a:t>İki adet tanımlama yöntemi vardır.</a:t>
-            </a:r>
-          </a:p>
-          <a:p>
-            <a:pPr algn="just"/>
-            <a:r>
-              <a:rPr lang="tr-TR" b="1" dirty="0"/>
-              <a:t>1. Sadece </a:t>
-            </a:r>
-            <a:r>
-              <a:rPr lang="tr-TR" b="1" dirty="0" err="1"/>
-              <a:t>const</a:t>
-            </a:r>
-            <a:r>
-              <a:rPr lang="tr-TR" b="1" dirty="0"/>
-              <a:t> ile</a:t>
-            </a:r>
-          </a:p>
-          <a:p>
-            <a:pPr algn="just"/>
-            <a:endParaRPr lang="tr-TR" b="1" dirty="0"/>
-          </a:p>
-          <a:p>
-            <a:pPr algn="just"/>
-            <a:endParaRPr lang="tr-TR" b="1" dirty="0"/>
-          </a:p>
-          <a:p>
-            <a:pPr algn="just"/>
-            <a:endParaRPr lang="tr-TR" b="1" dirty="0"/>
-          </a:p>
-          <a:p>
-            <a:pPr algn="just"/>
-            <a:r>
-              <a:rPr lang="tr-TR" dirty="0" err="1"/>
-              <a:t>piSayisi'nın</a:t>
-            </a:r>
-            <a:r>
-              <a:rPr lang="tr-TR" dirty="0"/>
-              <a:t> tipini belirtmedik sadece </a:t>
-            </a:r>
-            <a:r>
-              <a:rPr lang="tr-TR" dirty="0" err="1"/>
-              <a:t>const</a:t>
-            </a:r>
-            <a:r>
-              <a:rPr lang="tr-TR" dirty="0"/>
-              <a:t> terimini kullandık.</a:t>
-            </a:r>
-          </a:p>
-          <a:p>
-            <a:pPr algn="just"/>
-            <a:endParaRPr lang="tr-TR" b="1" dirty="0"/>
-          </a:p>
-          <a:p>
-            <a:pPr algn="just"/>
-            <a:endParaRPr lang="tr-TR" b="1" dirty="0"/>
+              <a:t> tipinde bir sabit olduğunu belirttik.</a:t>
+            </a:r>
           </a:p>
         </p:txBody>
       </p:sp>
       <p:pic>
         <p:nvPicPr>
-          <p:cNvPr id="5" name="Resim 4"/>
+          <p:cNvPr id="4" name="Resim 3"/>
           <p:cNvPicPr>
             <a:picLocks noChangeAspect="1"/>
           </p:cNvPicPr>
@@ -4250,8 +4216,8 @@
         </p:blipFill>
         <p:spPr>
           <a:xfrm>
-            <a:off x="3945732" y="3649356"/>
-            <a:ext cx="4591896" cy="860980"/>
+            <a:off x="3508744" y="2105247"/>
+            <a:ext cx="4626171" cy="805680"/>
           </a:xfrm>
           <a:prstGeom prst="rect">
             <a:avLst/>
@@ -4260,10 +4226,10 @@
       </p:pic>
       <p:pic>
         <p:nvPicPr>
-          <p:cNvPr id="6" name="Picture 6" descr="Building Basic Backend Servers with Dart's Core Library - Dart Tutorial  Part 4 — Steemit">
+          <p:cNvPr id="5" name="Picture 6" descr="Building Basic Backend Servers with Dart's Core Library - Dart Tutorial  Part 4 — Steemit">
             <a:extLst>
               <a:ext uri="{FF2B5EF4-FFF2-40B4-BE49-F238E27FC236}">
-                <a16:creationId xmlns:a16="http://schemas.microsoft.com/office/drawing/2014/main" id="{BE623D2A-2AEC-4F2B-95F3-0E9F425D9FD7}"/>
+                <a16:creationId xmlns:a16="http://schemas.microsoft.com/office/drawing/2014/main" id="{13581083-451D-4013-B41E-32DAF5AA8ADD}"/>
               </a:ext>
             </a:extLst>
           </p:cNvPr>
@@ -4308,7 +4274,7 @@
     </p:spTree>
     <p:extLst>
       <p:ext uri="{BB962C8B-B14F-4D97-AF65-F5344CB8AC3E}">
-        <p14:creationId xmlns:p14="http://schemas.microsoft.com/office/powerpoint/2010/main" val="2645092961"/>
+        <p14:creationId xmlns:p14="http://schemas.microsoft.com/office/powerpoint/2010/main" val="859191736"/>
       </p:ext>
     </p:extLst>
   </p:cSld>
@@ -4357,7 +4323,7 @@
           <a:p>
             <a:r>
               <a:rPr lang="tr-TR" b="1" dirty="0"/>
-              <a:t>Sabitler</a:t>
+              <a:t>Tür Dönüşümü</a:t>
             </a:r>
           </a:p>
         </p:txBody>
@@ -4374,57 +4340,92 @@
         </p:nvSpPr>
         <p:spPr>
           <a:xfrm>
-            <a:off x="838200" y="1354015"/>
-            <a:ext cx="10515600" cy="4822948"/>
-          </a:xfrm>
-        </p:spPr>
-        <p:txBody>
-          <a:bodyPr/>
-          <a:lstStyle/>
-          <a:p>
-            <a:pPr algn="just"/>
+            <a:off x="838201" y="1354015"/>
+            <a:ext cx="7029450" cy="4822948"/>
+          </a:xfrm>
+        </p:spPr>
+        <p:txBody>
+          <a:bodyPr>
+            <a:normAutofit/>
+          </a:bodyPr>
+          <a:lstStyle/>
+          <a:p>
+            <a:pPr algn="just"/>
+            <a:r>
+              <a:rPr lang="tr-TR" dirty="0"/>
+              <a:t>Dart üzerinde veri tiplerini birbirine dönüştürebiliriz.</a:t>
+            </a:r>
+          </a:p>
+          <a:p>
+            <a:pPr algn="just"/>
+            <a:r>
+              <a:rPr lang="tr-TR" b="1" dirty="0" err="1"/>
+              <a:t>toString</a:t>
+            </a:r>
             <a:r>
               <a:rPr lang="tr-TR" b="1" dirty="0"/>
-              <a:t>2. </a:t>
-            </a:r>
+              <a:t>() : </a:t>
+            </a:r>
+            <a:r>
+              <a:rPr lang="tr-TR" dirty="0" err="1"/>
+              <a:t>String'e</a:t>
+            </a:r>
+            <a:r>
+              <a:rPr lang="tr-TR" dirty="0"/>
+              <a:t> dönüştürme</a:t>
+            </a:r>
+          </a:p>
+          <a:p>
+            <a:pPr algn="just"/>
             <a:r>
               <a:rPr lang="tr-TR" b="1" dirty="0" err="1"/>
-              <a:t>Const</a:t>
+              <a:t>toInt</a:t>
             </a:r>
             <a:r>
               <a:rPr lang="tr-TR" b="1" dirty="0"/>
-              <a:t> ve Tip ile</a:t>
-            </a:r>
-          </a:p>
-          <a:p>
-            <a:pPr algn="just"/>
-            <a:endParaRPr lang="tr-TR" dirty="0"/>
-          </a:p>
-          <a:p>
-            <a:pPr algn="just"/>
-            <a:endParaRPr lang="tr-TR" dirty="0"/>
-          </a:p>
-          <a:p>
-            <a:pPr algn="just"/>
-            <a:endParaRPr lang="tr-TR" dirty="0"/>
-          </a:p>
-          <a:p>
-            <a:pPr algn="just"/>
+              <a:t>() : </a:t>
+            </a:r>
             <a:r>
               <a:rPr lang="tr-TR" dirty="0" err="1"/>
-              <a:t>sayi'nin</a:t>
+              <a:t>Integer'a</a:t>
             </a:r>
             <a:r>
               <a:rPr lang="tr-TR" dirty="0"/>
-              <a:t> </a:t>
+              <a:t> dönüştürme</a:t>
+            </a:r>
+          </a:p>
+          <a:p>
+            <a:pPr algn="just"/>
+            <a:r>
+              <a:rPr lang="tr-TR" b="1" dirty="0" err="1"/>
+              <a:t>toDouble</a:t>
+            </a:r>
+            <a:r>
+              <a:rPr lang="tr-TR" b="1" dirty="0"/>
+              <a:t>() : </a:t>
             </a:r>
             <a:r>
               <a:rPr lang="tr-TR" dirty="0" err="1"/>
-              <a:t>integer</a:t>
+              <a:t>Double'a</a:t>
             </a:r>
             <a:r>
               <a:rPr lang="tr-TR" dirty="0"/>
-              <a:t> tipinde bir sabit olduğunu belirttik.</a:t>
+              <a:t> dönüştürme  </a:t>
+            </a:r>
+          </a:p>
+          <a:p>
+            <a:pPr algn="just"/>
+            <a:r>
+              <a:rPr lang="tr-TR" dirty="0"/>
+              <a:t>Bir değişkenin veya sabitin veri tipini öğrenmek için </a:t>
+            </a:r>
+            <a:r>
+              <a:rPr lang="tr-TR" b="1" dirty="0" err="1"/>
+              <a:t>runtimeType</a:t>
+            </a:r>
+            <a:r>
+              <a:rPr lang="tr-TR" dirty="0"/>
+              <a:t> fonksiyonunu kullanabiliriz.</a:t>
             </a:r>
           </a:p>
         </p:txBody>
@@ -4445,8 +4446,8 @@
         </p:blipFill>
         <p:spPr>
           <a:xfrm>
-            <a:off x="3508744" y="2105247"/>
-            <a:ext cx="4626171" cy="805680"/>
+            <a:off x="7974419" y="1354014"/>
+            <a:ext cx="4049641" cy="1495511"/>
           </a:xfrm>
           <a:prstGeom prst="rect">
             <a:avLst/>
@@ -4455,10 +4456,34 @@
       </p:pic>
       <p:pic>
         <p:nvPicPr>
-          <p:cNvPr id="5" name="Picture 6" descr="Building Basic Backend Servers with Dart's Core Library - Dart Tutorial  Part 4 — Steemit">
+          <p:cNvPr id="5" name="Resim 4"/>
+          <p:cNvPicPr>
+            <a:picLocks noChangeAspect="1"/>
+          </p:cNvPicPr>
+          <p:nvPr/>
+        </p:nvPicPr>
+        <p:blipFill>
+          <a:blip r:embed="rId3"/>
+          <a:stretch>
+            <a:fillRect/>
+          </a:stretch>
+        </p:blipFill>
+        <p:spPr>
+          <a:xfrm>
+            <a:off x="7974419" y="2990201"/>
+            <a:ext cx="3988152" cy="1624207"/>
+          </a:xfrm>
+          <a:prstGeom prst="rect">
+            <a:avLst/>
+          </a:prstGeom>
+        </p:spPr>
+      </p:pic>
+      <p:pic>
+        <p:nvPicPr>
+          <p:cNvPr id="6" name="Picture 6" descr="Building Basic Backend Servers with Dart's Core Library - Dart Tutorial  Part 4 — Steemit">
             <a:extLst>
               <a:ext uri="{FF2B5EF4-FFF2-40B4-BE49-F238E27FC236}">
-                <a16:creationId xmlns:a16="http://schemas.microsoft.com/office/drawing/2014/main" id="{13581083-451D-4013-B41E-32DAF5AA8ADD}"/>
+                <a16:creationId xmlns:a16="http://schemas.microsoft.com/office/drawing/2014/main" id="{98A3238A-2EA7-4AC7-BC7B-C814AD3C1613}"/>
               </a:ext>
             </a:extLst>
           </p:cNvPr>
@@ -4468,7 +4493,7 @@
           <p:nvPr/>
         </p:nvPicPr>
         <p:blipFill>
-          <a:blip r:embed="rId3">
+          <a:blip r:embed="rId4">
             <a:extLst>
               <a:ext uri="{28A0092B-C50C-407E-A947-70E740481C1C}">
                 <a14:useLocalDpi xmlns:a14="http://schemas.microsoft.com/office/drawing/2010/main" val="0"/>
@@ -4503,7 +4528,7 @@
     </p:spTree>
     <p:extLst>
       <p:ext uri="{BB962C8B-B14F-4D97-AF65-F5344CB8AC3E}">
-        <p14:creationId xmlns:p14="http://schemas.microsoft.com/office/powerpoint/2010/main" val="859191736"/>
+        <p14:creationId xmlns:p14="http://schemas.microsoft.com/office/powerpoint/2010/main" val="1344709095"/>
       </p:ext>
     </p:extLst>
   </p:cSld>
@@ -4552,7 +4577,7 @@
           <a:p>
             <a:r>
               <a:rPr lang="tr-TR" b="1" dirty="0"/>
-              <a:t>Tür Dönüşümü</a:t>
+              <a:t>Veri Tipleri</a:t>
             </a:r>
           </a:p>
         </p:txBody>
@@ -4569,150 +4594,87 @@
         </p:nvSpPr>
         <p:spPr>
           <a:xfrm>
-            <a:off x="838201" y="1354015"/>
-            <a:ext cx="7029450" cy="4822948"/>
-          </a:xfrm>
-        </p:spPr>
-        <p:txBody>
-          <a:bodyPr>
-            <a:normAutofit/>
-          </a:bodyPr>
+            <a:off x="838200" y="1354015"/>
+            <a:ext cx="10515600" cy="4822948"/>
+          </a:xfrm>
+        </p:spPr>
+        <p:txBody>
+          <a:bodyPr/>
           <a:lstStyle/>
           <a:p>
             <a:pPr algn="just"/>
             <a:r>
               <a:rPr lang="tr-TR" dirty="0"/>
-              <a:t>Dart üzerinde veri tiplerini birbirine dönüştürebiliriz.</a:t>
-            </a:r>
-          </a:p>
-          <a:p>
-            <a:pPr algn="just"/>
-            <a:r>
-              <a:rPr lang="tr-TR" b="1" dirty="0" err="1"/>
-              <a:t>toString</a:t>
-            </a:r>
-            <a:r>
-              <a:rPr lang="tr-TR" b="1" dirty="0"/>
-              <a:t>() : </a:t>
-            </a:r>
+              <a:t>Dart programlama dilinden 5 ana veri tipi vardır.</a:t>
+            </a:r>
+          </a:p>
+          <a:p>
+            <a:pPr algn="just"/>
+            <a:endParaRPr lang="tr-TR" dirty="0"/>
+          </a:p>
+          <a:p>
+            <a:pPr marL="971550" lvl="1" indent="-514350" algn="just">
+              <a:buFont typeface="+mj-lt"/>
+              <a:buAutoNum type="arabicPeriod"/>
+            </a:pPr>
             <a:r>
               <a:rPr lang="tr-TR" dirty="0" err="1"/>
-              <a:t>String'e</a:t>
-            </a:r>
-            <a:r>
-              <a:rPr lang="tr-TR" dirty="0"/>
-              <a:t> dönüştürme</a:t>
-            </a:r>
-          </a:p>
-          <a:p>
-            <a:pPr algn="just"/>
-            <a:r>
-              <a:rPr lang="tr-TR" b="1" dirty="0" err="1"/>
-              <a:t>toInt</a:t>
-            </a:r>
-            <a:r>
-              <a:rPr lang="tr-TR" b="1" dirty="0"/>
-              <a:t>() : </a:t>
-            </a:r>
+              <a:t>Number</a:t>
+            </a:r>
+            <a:endParaRPr lang="tr-TR" dirty="0"/>
+          </a:p>
+          <a:p>
+            <a:pPr marL="971550" lvl="1" indent="-514350" algn="just">
+              <a:buFont typeface="+mj-lt"/>
+              <a:buAutoNum type="arabicPeriod"/>
+            </a:pPr>
             <a:r>
               <a:rPr lang="tr-TR" dirty="0" err="1"/>
-              <a:t>Integer'a</a:t>
-            </a:r>
-            <a:r>
-              <a:rPr lang="tr-TR" dirty="0"/>
-              <a:t> dönüştürme</a:t>
-            </a:r>
-          </a:p>
-          <a:p>
-            <a:pPr algn="just"/>
-            <a:r>
-              <a:rPr lang="tr-TR" b="1" dirty="0" err="1"/>
-              <a:t>toDouble</a:t>
-            </a:r>
-            <a:r>
-              <a:rPr lang="tr-TR" b="1" dirty="0"/>
-              <a:t>() : </a:t>
-            </a:r>
+              <a:t>String</a:t>
+            </a:r>
+            <a:endParaRPr lang="tr-TR" dirty="0"/>
+          </a:p>
+          <a:p>
+            <a:pPr marL="971550" lvl="1" indent="-514350" algn="just">
+              <a:buFont typeface="+mj-lt"/>
+              <a:buAutoNum type="arabicPeriod"/>
+            </a:pPr>
             <a:r>
               <a:rPr lang="tr-TR" dirty="0" err="1"/>
-              <a:t>Double'a</a:t>
-            </a:r>
-            <a:r>
-              <a:rPr lang="tr-TR" dirty="0"/>
-              <a:t> dönüştürme  </a:t>
-            </a:r>
-          </a:p>
-          <a:p>
-            <a:pPr algn="just"/>
-            <a:r>
-              <a:rPr lang="tr-TR" dirty="0"/>
-              <a:t>Bir değişkenin veya sabitin veri tipini öğrenmek için </a:t>
-            </a:r>
-            <a:r>
-              <a:rPr lang="tr-TR" b="1" dirty="0" err="1"/>
-              <a:t>runtimeType</a:t>
-            </a:r>
-            <a:r>
-              <a:rPr lang="tr-TR" dirty="0"/>
-              <a:t> fonksiyonunu kullanabiliriz.</a:t>
-            </a:r>
+              <a:t>Boolean</a:t>
+            </a:r>
+            <a:endParaRPr lang="tr-TR" dirty="0"/>
+          </a:p>
+          <a:p>
+            <a:pPr marL="971550" lvl="1" indent="-514350" algn="just">
+              <a:buFont typeface="+mj-lt"/>
+              <a:buAutoNum type="arabicPeriod"/>
+            </a:pPr>
+            <a:r>
+              <a:rPr lang="tr-TR" dirty="0" err="1"/>
+              <a:t>List</a:t>
+            </a:r>
+            <a:endParaRPr lang="tr-TR" dirty="0"/>
+          </a:p>
+          <a:p>
+            <a:pPr marL="971550" lvl="1" indent="-514350" algn="just">
+              <a:buFont typeface="+mj-lt"/>
+              <a:buAutoNum type="arabicPeriod"/>
+            </a:pPr>
+            <a:r>
+              <a:rPr lang="tr-TR" dirty="0" err="1"/>
+              <a:t>Map</a:t>
+            </a:r>
+            <a:endParaRPr lang="tr-TR" dirty="0"/>
           </a:p>
         </p:txBody>
       </p:sp>
       <p:pic>
         <p:nvPicPr>
-          <p:cNvPr id="4" name="Resim 3"/>
-          <p:cNvPicPr>
-            <a:picLocks noChangeAspect="1"/>
-          </p:cNvPicPr>
-          <p:nvPr/>
-        </p:nvPicPr>
-        <p:blipFill>
-          <a:blip r:embed="rId2"/>
-          <a:stretch>
-            <a:fillRect/>
-          </a:stretch>
-        </p:blipFill>
-        <p:spPr>
-          <a:xfrm>
-            <a:off x="7974419" y="1354014"/>
-            <a:ext cx="4049641" cy="1495511"/>
-          </a:xfrm>
-          <a:prstGeom prst="rect">
-            <a:avLst/>
-          </a:prstGeom>
-        </p:spPr>
-      </p:pic>
-      <p:pic>
-        <p:nvPicPr>
-          <p:cNvPr id="5" name="Resim 4"/>
-          <p:cNvPicPr>
-            <a:picLocks noChangeAspect="1"/>
-          </p:cNvPicPr>
-          <p:nvPr/>
-        </p:nvPicPr>
-        <p:blipFill>
-          <a:blip r:embed="rId3"/>
-          <a:stretch>
-            <a:fillRect/>
-          </a:stretch>
-        </p:blipFill>
-        <p:spPr>
-          <a:xfrm>
-            <a:off x="7974419" y="2990201"/>
-            <a:ext cx="3988152" cy="1624207"/>
-          </a:xfrm>
-          <a:prstGeom prst="rect">
-            <a:avLst/>
-          </a:prstGeom>
-        </p:spPr>
-      </p:pic>
-      <p:pic>
-        <p:nvPicPr>
-          <p:cNvPr id="6" name="Picture 6" descr="Building Basic Backend Servers with Dart's Core Library - Dart Tutorial  Part 4 — Steemit">
+          <p:cNvPr id="4" name="Picture 6" descr="Building Basic Backend Servers with Dart's Core Library - Dart Tutorial  Part 4 — Steemit">
             <a:extLst>
               <a:ext uri="{FF2B5EF4-FFF2-40B4-BE49-F238E27FC236}">
-                <a16:creationId xmlns:a16="http://schemas.microsoft.com/office/drawing/2014/main" id="{98A3238A-2EA7-4AC7-BC7B-C814AD3C1613}"/>
+                <a16:creationId xmlns:a16="http://schemas.microsoft.com/office/drawing/2014/main" id="{82CF6A9F-F77E-41F2-B9DB-2E4B22F6CE4E}"/>
               </a:ext>
             </a:extLst>
           </p:cNvPr>
@@ -4722,7 +4684,7 @@
           <p:nvPr/>
         </p:nvPicPr>
         <p:blipFill>
-          <a:blip r:embed="rId4">
+          <a:blip r:embed="rId2">
             <a:extLst>
               <a:ext uri="{28A0092B-C50C-407E-A947-70E740481C1C}">
                 <a14:useLocalDpi xmlns:a14="http://schemas.microsoft.com/office/drawing/2010/main" val="0"/>
@@ -4757,7 +4719,7 @@
     </p:spTree>
     <p:extLst>
       <p:ext uri="{BB962C8B-B14F-4D97-AF65-F5344CB8AC3E}">
-        <p14:creationId xmlns:p14="http://schemas.microsoft.com/office/powerpoint/2010/main" val="1344709095"/>
+        <p14:creationId xmlns:p14="http://schemas.microsoft.com/office/powerpoint/2010/main" val="3011740954"/>
       </p:ext>
     </p:extLst>
   </p:cSld>
@@ -4806,8 +4768,13 @@
           <a:p>
             <a:r>
               <a:rPr lang="tr-TR" b="1" dirty="0"/>
-              <a:t>Veri Tipleri</a:t>
-            </a:r>
+              <a:t>Veri Tipleri - </a:t>
+            </a:r>
+            <a:r>
+              <a:rPr lang="tr-TR" b="1" dirty="0" err="1"/>
+              <a:t>Number</a:t>
+            </a:r>
+            <a:endParaRPr lang="tr-TR" b="1" dirty="0"/>
           </a:p>
         </p:txBody>
       </p:sp>
@@ -4833,77 +4800,95 @@
           <a:p>
             <a:pPr algn="just"/>
             <a:r>
+              <a:rPr lang="tr-TR" b="1" dirty="0" err="1"/>
+              <a:t>Number</a:t>
+            </a:r>
+            <a:r>
               <a:rPr lang="tr-TR" dirty="0"/>
-              <a:t>Dart programlama dilinden 5 ana veri tipi vardır.</a:t>
-            </a:r>
-          </a:p>
-          <a:p>
-            <a:pPr algn="just"/>
-            <a:endParaRPr lang="tr-TR" dirty="0"/>
-          </a:p>
-          <a:p>
-            <a:pPr marL="971550" lvl="1" indent="-514350" algn="just">
-              <a:buFont typeface="+mj-lt"/>
-              <a:buAutoNum type="arabicPeriod"/>
-            </a:pPr>
-            <a:r>
-              <a:rPr lang="tr-TR" dirty="0" err="1"/>
-              <a:t>Number</a:t>
-            </a:r>
-            <a:endParaRPr lang="tr-TR" dirty="0"/>
-          </a:p>
-          <a:p>
-            <a:pPr marL="971550" lvl="1" indent="-514350" algn="just">
-              <a:buFont typeface="+mj-lt"/>
-              <a:buAutoNum type="arabicPeriod"/>
-            </a:pPr>
-            <a:r>
-              <a:rPr lang="tr-TR" dirty="0" err="1"/>
-              <a:t>String</a:t>
-            </a:r>
-            <a:endParaRPr lang="tr-TR" dirty="0"/>
-          </a:p>
-          <a:p>
-            <a:pPr marL="971550" lvl="1" indent="-514350" algn="just">
-              <a:buFont typeface="+mj-lt"/>
-              <a:buAutoNum type="arabicPeriod"/>
-            </a:pPr>
-            <a:r>
-              <a:rPr lang="tr-TR" dirty="0" err="1"/>
-              <a:t>Boolean</a:t>
-            </a:r>
-            <a:endParaRPr lang="tr-TR" dirty="0"/>
-          </a:p>
-          <a:p>
-            <a:pPr marL="971550" lvl="1" indent="-514350" algn="just">
-              <a:buFont typeface="+mj-lt"/>
-              <a:buAutoNum type="arabicPeriod"/>
-            </a:pPr>
-            <a:r>
-              <a:rPr lang="tr-TR" dirty="0" err="1"/>
-              <a:t>List</a:t>
-            </a:r>
-            <a:endParaRPr lang="tr-TR" dirty="0"/>
-          </a:p>
-          <a:p>
-            <a:pPr marL="971550" lvl="1" indent="-514350" algn="just">
-              <a:buFont typeface="+mj-lt"/>
-              <a:buAutoNum type="arabicPeriod"/>
-            </a:pPr>
-            <a:r>
-              <a:rPr lang="tr-TR" dirty="0" err="1"/>
-              <a:t>Map</a:t>
-            </a:r>
-            <a:endParaRPr lang="tr-TR" dirty="0"/>
+              <a:t> ana tipi </a:t>
+            </a:r>
+            <a:r>
+              <a:rPr lang="tr-TR" b="1" dirty="0"/>
+              <a:t>numerik</a:t>
+            </a:r>
+            <a:r>
+              <a:rPr lang="tr-TR" dirty="0"/>
+              <a:t> değişkenleri hafızada tutmak içindir. </a:t>
+            </a:r>
+          </a:p>
+          <a:p>
+            <a:pPr algn="just"/>
+            <a:r>
+              <a:rPr lang="tr-TR" dirty="0"/>
+              <a:t>İkiye ayrılır:</a:t>
+            </a:r>
+          </a:p>
+          <a:p>
+            <a:pPr algn="just"/>
+            <a:r>
+              <a:rPr lang="tr-TR" b="1" dirty="0"/>
+              <a:t>1.1 </a:t>
+            </a:r>
+            <a:r>
+              <a:rPr lang="tr-TR" b="1" dirty="0" err="1"/>
+              <a:t>Integer</a:t>
+            </a:r>
+            <a:endParaRPr lang="tr-TR" b="1" dirty="0"/>
+          </a:p>
+          <a:p>
+            <a:pPr algn="just"/>
+            <a:r>
+              <a:rPr lang="tr-TR" b="1" dirty="0"/>
+              <a:t>Tam sayılar </a:t>
+            </a:r>
+            <a:r>
+              <a:rPr lang="tr-TR" dirty="0"/>
+              <a:t>için kullanılan tiptir. </a:t>
+            </a:r>
+          </a:p>
+          <a:p>
+            <a:pPr algn="just"/>
+            <a:r>
+              <a:rPr lang="tr-TR" b="1" dirty="0" err="1"/>
+              <a:t>int</a:t>
+            </a:r>
+            <a:r>
+              <a:rPr lang="tr-TR" dirty="0"/>
+              <a:t> terimi ile kullanılır.</a:t>
+            </a:r>
           </a:p>
         </p:txBody>
       </p:sp>
       <p:pic>
         <p:nvPicPr>
-          <p:cNvPr id="4" name="Picture 6" descr="Building Basic Backend Servers with Dart's Core Library - Dart Tutorial  Part 4 — Steemit">
+          <p:cNvPr id="5" name="Resim 4"/>
+          <p:cNvPicPr>
+            <a:picLocks noChangeAspect="1"/>
+          </p:cNvPicPr>
+          <p:nvPr/>
+        </p:nvPicPr>
+        <p:blipFill>
+          <a:blip r:embed="rId2"/>
+          <a:stretch>
+            <a:fillRect/>
+          </a:stretch>
+        </p:blipFill>
+        <p:spPr>
+          <a:xfrm>
+            <a:off x="4406278" y="4153459"/>
+            <a:ext cx="3379444" cy="969513"/>
+          </a:xfrm>
+          <a:prstGeom prst="rect">
+            <a:avLst/>
+          </a:prstGeom>
+        </p:spPr>
+      </p:pic>
+      <p:pic>
+        <p:nvPicPr>
+          <p:cNvPr id="6" name="Picture 6" descr="Building Basic Backend Servers with Dart's Core Library - Dart Tutorial  Part 4 — Steemit">
             <a:extLst>
               <a:ext uri="{FF2B5EF4-FFF2-40B4-BE49-F238E27FC236}">
-                <a16:creationId xmlns:a16="http://schemas.microsoft.com/office/drawing/2014/main" id="{82CF6A9F-F77E-41F2-B9DB-2E4B22F6CE4E}"/>
+                <a16:creationId xmlns:a16="http://schemas.microsoft.com/office/drawing/2014/main" id="{4892FE81-0F06-47B1-B75B-821FD8F9C29B}"/>
               </a:ext>
             </a:extLst>
           </p:cNvPr>
@@ -4913,7 +4898,7 @@
           <p:nvPr/>
         </p:nvPicPr>
         <p:blipFill>
-          <a:blip r:embed="rId2">
+          <a:blip r:embed="rId3">
             <a:extLst>
               <a:ext uri="{28A0092B-C50C-407E-A947-70E740481C1C}">
                 <a14:useLocalDpi xmlns:a14="http://schemas.microsoft.com/office/drawing/2010/main" val="0"/>
@@ -4948,7 +4933,7 @@
     </p:spTree>
     <p:extLst>
       <p:ext uri="{BB962C8B-B14F-4D97-AF65-F5344CB8AC3E}">
-        <p14:creationId xmlns:p14="http://schemas.microsoft.com/office/powerpoint/2010/main" val="3011740954"/>
+        <p14:creationId xmlns:p14="http://schemas.microsoft.com/office/powerpoint/2010/main" val="71442322"/>
       </p:ext>
     </p:extLst>
   </p:cSld>
@@ -5029,62 +5014,44 @@
           <a:p>
             <a:pPr algn="just"/>
             <a:r>
+              <a:rPr lang="tr-TR" b="1" dirty="0"/>
+              <a:t>1.2 </a:t>
+            </a:r>
+            <a:r>
               <a:rPr lang="tr-TR" b="1" dirty="0" err="1"/>
-              <a:t>Number</a:t>
+              <a:t>Double</a:t>
+            </a:r>
+            <a:endParaRPr lang="tr-TR" b="1" dirty="0"/>
+          </a:p>
+          <a:p>
+            <a:pPr algn="just"/>
+            <a:r>
+              <a:rPr lang="tr-TR" b="1" dirty="0"/>
+              <a:t>Küsuratlı</a:t>
             </a:r>
             <a:r>
               <a:rPr lang="tr-TR" dirty="0"/>
-              <a:t> ana tipi </a:t>
-            </a:r>
-            <a:r>
-              <a:rPr lang="tr-TR" b="1" dirty="0"/>
-              <a:t>numerik</a:t>
-            </a:r>
-            <a:r>
-              <a:rPr lang="tr-TR" dirty="0"/>
-              <a:t> değişkenleri hafızada tutmak içindir. </a:t>
-            </a:r>
-          </a:p>
-          <a:p>
-            <a:pPr algn="just"/>
-            <a:r>
-              <a:rPr lang="tr-TR" dirty="0"/>
-              <a:t>İkiye ayrılır:</a:t>
-            </a:r>
-          </a:p>
-          <a:p>
-            <a:pPr algn="just"/>
-            <a:r>
-              <a:rPr lang="tr-TR" b="1" dirty="0"/>
-              <a:t>1.1 </a:t>
-            </a:r>
+              <a:t> sayılar için kullanılan tiptir. </a:t>
+            </a:r>
+          </a:p>
+          <a:p>
+            <a:pPr algn="just"/>
             <a:r>
               <a:rPr lang="tr-TR" b="1" dirty="0" err="1"/>
-              <a:t>Integer</a:t>
-            </a:r>
-            <a:endParaRPr lang="tr-TR" b="1" dirty="0"/>
-          </a:p>
-          <a:p>
-            <a:pPr algn="just"/>
-            <a:r>
-              <a:rPr lang="tr-TR" b="1" dirty="0"/>
-              <a:t>Tam sayılar </a:t>
-            </a:r>
-            <a:r>
-              <a:rPr lang="tr-TR" dirty="0"/>
-              <a:t>için kullanılan tiptir. </a:t>
-            </a:r>
-          </a:p>
-          <a:p>
-            <a:pPr algn="just"/>
-            <a:r>
-              <a:rPr lang="tr-TR" b="1" dirty="0" err="1"/>
-              <a:t>int</a:t>
+              <a:t>double</a:t>
             </a:r>
             <a:r>
               <a:rPr lang="tr-TR" dirty="0"/>
               <a:t> terimi ile kullanılır.</a:t>
             </a:r>
+          </a:p>
+          <a:p>
+            <a:pPr algn="just"/>
+            <a:endParaRPr lang="tr-TR" dirty="0"/>
+          </a:p>
+          <a:p>
+            <a:pPr algn="just"/>
+            <a:endParaRPr lang="tr-TR" dirty="0"/>
           </a:p>
         </p:txBody>
       </p:sp>
@@ -5104,8 +5071,8 @@
         </p:blipFill>
         <p:spPr>
           <a:xfrm>
-            <a:off x="4406278" y="4153459"/>
-            <a:ext cx="3379444" cy="969513"/>
+            <a:off x="3309471" y="3351145"/>
+            <a:ext cx="5573057" cy="1182164"/>
           </a:xfrm>
           <a:prstGeom prst="rect">
             <a:avLst/>
@@ -5117,7 +5084,7 @@
           <p:cNvPr id="6" name="Picture 6" descr="Building Basic Backend Servers with Dart's Core Library - Dart Tutorial  Part 4 — Steemit">
             <a:extLst>
               <a:ext uri="{FF2B5EF4-FFF2-40B4-BE49-F238E27FC236}">
-                <a16:creationId xmlns:a16="http://schemas.microsoft.com/office/drawing/2014/main" id="{4892FE81-0F06-47B1-B75B-821FD8F9C29B}"/>
+                <a16:creationId xmlns:a16="http://schemas.microsoft.com/office/drawing/2014/main" id="{D33607FE-810B-49F2-B447-FA76C798DD40}"/>
               </a:ext>
             </a:extLst>
           </p:cNvPr>
@@ -5162,7 +5129,7 @@
     </p:spTree>
     <p:extLst>
       <p:ext uri="{BB962C8B-B14F-4D97-AF65-F5344CB8AC3E}">
-        <p14:creationId xmlns:p14="http://schemas.microsoft.com/office/powerpoint/2010/main" val="71442322"/>
+        <p14:creationId xmlns:p14="http://schemas.microsoft.com/office/powerpoint/2010/main" val="1637881527"/>
       </p:ext>
     </p:extLst>
   </p:cSld>
@@ -5215,7 +5182,7 @@
             </a:r>
             <a:r>
               <a:rPr lang="tr-TR" b="1" dirty="0" err="1"/>
-              <a:t>Number</a:t>
+              <a:t>String</a:t>
             </a:r>
             <a:endParaRPr lang="tr-TR" b="1" dirty="0"/>
           </a:p>
@@ -5243,31 +5210,27 @@
           <a:p>
             <a:pPr algn="just"/>
             <a:r>
-              <a:rPr lang="tr-TR" b="1" dirty="0"/>
-              <a:t>1.2 </a:t>
+              <a:rPr lang="tr-TR" dirty="0" err="1"/>
+              <a:t>String</a:t>
+            </a:r>
+            <a:r>
+              <a:rPr lang="tr-TR" dirty="0"/>
+              <a:t> tipi </a:t>
             </a:r>
             <a:r>
               <a:rPr lang="tr-TR" b="1" dirty="0" err="1"/>
-              <a:t>Double</a:t>
-            </a:r>
-            <a:endParaRPr lang="tr-TR" b="1" dirty="0"/>
-          </a:p>
-          <a:p>
-            <a:pPr algn="just"/>
-            <a:r>
-              <a:rPr lang="tr-TR" b="1" dirty="0"/>
-              <a:t>Küsuratlı</a:t>
+              <a:t>metinsel</a:t>
             </a:r>
             <a:r>
               <a:rPr lang="tr-TR" dirty="0"/>
-              <a:t> sayılar için kullanılan tiptir. </a:t>
+              <a:t> ifadeleri hafızada tutmak için kullanılır. </a:t>
             </a:r>
           </a:p>
           <a:p>
             <a:pPr algn="just"/>
             <a:r>
               <a:rPr lang="tr-TR" b="1" dirty="0" err="1"/>
-              <a:t>double</a:t>
+              <a:t>String</a:t>
             </a:r>
             <a:r>
               <a:rPr lang="tr-TR" dirty="0"/>
@@ -5300,8 +5263,8 @@
         </p:blipFill>
         <p:spPr>
           <a:xfrm>
-            <a:off x="3309471" y="3351145"/>
-            <a:ext cx="5573057" cy="1182164"/>
+            <a:off x="3359629" y="3291365"/>
+            <a:ext cx="5472742" cy="948248"/>
           </a:xfrm>
           <a:prstGeom prst="rect">
             <a:avLst/>
@@ -5313,7 +5276,7 @@
           <p:cNvPr id="6" name="Picture 6" descr="Building Basic Backend Servers with Dart's Core Library - Dart Tutorial  Part 4 — Steemit">
             <a:extLst>
               <a:ext uri="{FF2B5EF4-FFF2-40B4-BE49-F238E27FC236}">
-                <a16:creationId xmlns:a16="http://schemas.microsoft.com/office/drawing/2014/main" id="{D33607FE-810B-49F2-B447-FA76C798DD40}"/>
+                <a16:creationId xmlns:a16="http://schemas.microsoft.com/office/drawing/2014/main" id="{AFD0CF22-66EE-49E1-A5D3-CD77400952FB}"/>
               </a:ext>
             </a:extLst>
           </p:cNvPr>
@@ -5358,7 +5321,7 @@
     </p:spTree>
     <p:extLst>
       <p:ext uri="{BB962C8B-B14F-4D97-AF65-F5344CB8AC3E}">
-        <p14:creationId xmlns:p14="http://schemas.microsoft.com/office/powerpoint/2010/main" val="1637881527"/>
+        <p14:creationId xmlns:p14="http://schemas.microsoft.com/office/powerpoint/2010/main" val="1506167748"/>
       </p:ext>
     </p:extLst>
   </p:cSld>
@@ -5411,7 +5374,7 @@
             </a:r>
             <a:r>
               <a:rPr lang="tr-TR" b="1" dirty="0" err="1"/>
-              <a:t>String</a:t>
+              <a:t>Boolean</a:t>
             </a:r>
             <a:endParaRPr lang="tr-TR" b="1" dirty="0"/>
           </a:p>
@@ -5440,39 +5403,31 @@
             <a:pPr algn="just"/>
             <a:r>
               <a:rPr lang="tr-TR" dirty="0" err="1"/>
-              <a:t>String</a:t>
+              <a:t>Boolean</a:t>
             </a:r>
             <a:r>
               <a:rPr lang="tr-TR" dirty="0"/>
-              <a:t> tipi </a:t>
-            </a:r>
+              <a:t> veri tipi </a:t>
+            </a:r>
+            <a:r>
+              <a:rPr lang="tr-TR" b="1" dirty="0"/>
+              <a:t>mantıksal</a:t>
+            </a:r>
+            <a:r>
+              <a:rPr lang="tr-TR" dirty="0"/>
+              <a:t> ifadeyi hafızada tutmak için kullanılır. </a:t>
+            </a:r>
+          </a:p>
+          <a:p>
+            <a:pPr algn="just"/>
             <a:r>
               <a:rPr lang="tr-TR" b="1" dirty="0" err="1"/>
-              <a:t>metinsel</a:t>
-            </a:r>
-            <a:r>
-              <a:rPr lang="tr-TR" dirty="0"/>
-              <a:t> ifadeleri hafızada tutmak için kullanılır. </a:t>
-            </a:r>
-          </a:p>
-          <a:p>
-            <a:pPr algn="just"/>
-            <a:r>
-              <a:rPr lang="tr-TR" b="1" dirty="0" err="1"/>
-              <a:t>String</a:t>
+              <a:t>bool</a:t>
             </a:r>
             <a:r>
               <a:rPr lang="tr-TR" dirty="0"/>
               <a:t> terimi ile kullanılır.</a:t>
             </a:r>
-          </a:p>
-          <a:p>
-            <a:pPr algn="just"/>
-            <a:endParaRPr lang="tr-TR" dirty="0"/>
-          </a:p>
-          <a:p>
-            <a:pPr algn="just"/>
-            <a:endParaRPr lang="tr-TR" dirty="0"/>
           </a:p>
         </p:txBody>
       </p:sp>
@@ -5492,8 +5447,8 @@
         </p:blipFill>
         <p:spPr>
           <a:xfrm>
-            <a:off x="3359629" y="3291365"/>
-            <a:ext cx="5472742" cy="948248"/>
+            <a:off x="3960745" y="3263039"/>
+            <a:ext cx="4270509" cy="931748"/>
           </a:xfrm>
           <a:prstGeom prst="rect">
             <a:avLst/>
@@ -5505,7 +5460,7 @@
           <p:cNvPr id="6" name="Picture 6" descr="Building Basic Backend Servers with Dart's Core Library - Dart Tutorial  Part 4 — Steemit">
             <a:extLst>
               <a:ext uri="{FF2B5EF4-FFF2-40B4-BE49-F238E27FC236}">
-                <a16:creationId xmlns:a16="http://schemas.microsoft.com/office/drawing/2014/main" id="{AFD0CF22-66EE-49E1-A5D3-CD77400952FB}"/>
+                <a16:creationId xmlns:a16="http://schemas.microsoft.com/office/drawing/2014/main" id="{327219AB-383D-40A4-B74F-2F6B865A99BD}"/>
               </a:ext>
             </a:extLst>
           </p:cNvPr>
@@ -5550,7 +5505,7 @@
     </p:spTree>
     <p:extLst>
       <p:ext uri="{BB962C8B-B14F-4D97-AF65-F5344CB8AC3E}">
-        <p14:creationId xmlns:p14="http://schemas.microsoft.com/office/powerpoint/2010/main" val="1506167748"/>
+        <p14:creationId xmlns:p14="http://schemas.microsoft.com/office/powerpoint/2010/main" val="2337176196"/>
       </p:ext>
     </p:extLst>
   </p:cSld>
@@ -5603,7 +5558,7 @@
             </a:r>
             <a:r>
               <a:rPr lang="tr-TR" b="1" dirty="0" err="1"/>
-              <a:t>Boolean</a:t>
+              <a:t>List</a:t>
             </a:r>
             <a:endParaRPr lang="tr-TR" b="1" dirty="0"/>
           </a:p>
@@ -5632,7 +5587,7 @@
             <a:pPr algn="just"/>
             <a:r>
               <a:rPr lang="tr-TR" dirty="0" err="1"/>
-              <a:t>Boolean</a:t>
+              <a:t>List</a:t>
             </a:r>
             <a:r>
               <a:rPr lang="tr-TR" dirty="0"/>
@@ -5640,56 +5595,40 @@
             </a:r>
             <a:r>
               <a:rPr lang="tr-TR" b="1" dirty="0"/>
-              <a:t>mantıksal</a:t>
+              <a:t>liste</a:t>
             </a:r>
             <a:r>
               <a:rPr lang="tr-TR" dirty="0"/>
-              <a:t> ifadeyi hafızada tutmak için kullanılır. </a:t>
+              <a:t> oluşturmamızı sağlar. </a:t>
             </a:r>
           </a:p>
           <a:p>
             <a:pPr algn="just"/>
             <a:r>
               <a:rPr lang="tr-TR" b="1" dirty="0" err="1"/>
-              <a:t>bool</a:t>
+              <a:t>List</a:t>
             </a:r>
             <a:r>
               <a:rPr lang="tr-TR" dirty="0"/>
               <a:t> terimi ile kullanılır.</a:t>
             </a:r>
           </a:p>
+          <a:p>
+            <a:pPr algn="just"/>
+            <a:endParaRPr lang="tr-TR" dirty="0"/>
+          </a:p>
+          <a:p>
+            <a:pPr algn="just"/>
+            <a:endParaRPr lang="tr-TR" dirty="0"/>
+          </a:p>
         </p:txBody>
       </p:sp>
       <p:pic>
         <p:nvPicPr>
-          <p:cNvPr id="5" name="Resim 4"/>
-          <p:cNvPicPr>
-            <a:picLocks noChangeAspect="1"/>
-          </p:cNvPicPr>
-          <p:nvPr/>
-        </p:nvPicPr>
-        <p:blipFill>
-          <a:blip r:embed="rId2"/>
-          <a:stretch>
-            <a:fillRect/>
-          </a:stretch>
-        </p:blipFill>
-        <p:spPr>
-          <a:xfrm>
-            <a:off x="3960745" y="3263039"/>
-            <a:ext cx="4270509" cy="931748"/>
-          </a:xfrm>
-          <a:prstGeom prst="rect">
-            <a:avLst/>
-          </a:prstGeom>
-        </p:spPr>
-      </p:pic>
-      <p:pic>
-        <p:nvPicPr>
-          <p:cNvPr id="6" name="Picture 6" descr="Building Basic Backend Servers with Dart's Core Library - Dart Tutorial  Part 4 — Steemit">
+          <p:cNvPr id="5" name="Picture 6" descr="Building Basic Backend Servers with Dart's Core Library - Dart Tutorial  Part 4 — Steemit">
             <a:extLst>
               <a:ext uri="{FF2B5EF4-FFF2-40B4-BE49-F238E27FC236}">
-                <a16:creationId xmlns:a16="http://schemas.microsoft.com/office/drawing/2014/main" id="{327219AB-383D-40A4-B74F-2F6B865A99BD}"/>
+                <a16:creationId xmlns:a16="http://schemas.microsoft.com/office/drawing/2014/main" id="{4BAEBAE6-DE7D-4F3A-A648-BC39B08A2462}"/>
               </a:ext>
             </a:extLst>
           </p:cNvPr>
@@ -5699,7 +5638,7 @@
           <p:nvPr/>
         </p:nvPicPr>
         <p:blipFill>
-          <a:blip r:embed="rId3">
+          <a:blip r:embed="rId2">
             <a:extLst>
               <a:ext uri="{28A0092B-C50C-407E-A947-70E740481C1C}">
                 <a14:useLocalDpi xmlns:a14="http://schemas.microsoft.com/office/drawing/2010/main" val="0"/>
@@ -5731,10 +5670,40 @@
           </a:extLst>
         </p:spPr>
       </p:pic>
+      <p:pic>
+        <p:nvPicPr>
+          <p:cNvPr id="7" name="Resim 6">
+            <a:extLst>
+              <a:ext uri="{FF2B5EF4-FFF2-40B4-BE49-F238E27FC236}">
+                <a16:creationId xmlns:a16="http://schemas.microsoft.com/office/drawing/2014/main" id="{A53C24AC-BA19-485C-B27E-68F41C1BB32F}"/>
+              </a:ext>
+            </a:extLst>
+          </p:cNvPr>
+          <p:cNvPicPr>
+            <a:picLocks noChangeAspect="1"/>
+          </p:cNvPicPr>
+          <p:nvPr/>
+        </p:nvPicPr>
+        <p:blipFill>
+          <a:blip r:embed="rId3"/>
+          <a:stretch>
+            <a:fillRect/>
+          </a:stretch>
+        </p:blipFill>
+        <p:spPr>
+          <a:xfrm>
+            <a:off x="2086522" y="3249592"/>
+            <a:ext cx="8018956" cy="579458"/>
+          </a:xfrm>
+          <a:prstGeom prst="rect">
+            <a:avLst/>
+          </a:prstGeom>
+        </p:spPr>
+      </p:pic>
     </p:spTree>
     <p:extLst>
       <p:ext uri="{BB962C8B-B14F-4D97-AF65-F5344CB8AC3E}">
-        <p14:creationId xmlns:p14="http://schemas.microsoft.com/office/powerpoint/2010/main" val="2337176196"/>
+        <p14:creationId xmlns:p14="http://schemas.microsoft.com/office/powerpoint/2010/main" val="3421864553"/>
       </p:ext>
     </p:extLst>
   </p:cSld>
@@ -5787,7 +5756,7 @@
             </a:r>
             <a:r>
               <a:rPr lang="tr-TR" b="1" dirty="0" err="1"/>
-              <a:t>List</a:t>
+              <a:t>Map</a:t>
             </a:r>
             <a:endParaRPr lang="tr-TR" b="1" dirty="0"/>
           </a:p>
@@ -5816,7 +5785,7 @@
             <a:pPr algn="just"/>
             <a:r>
               <a:rPr lang="tr-TR" dirty="0" err="1"/>
-              <a:t>List</a:t>
+              <a:t>Map</a:t>
             </a:r>
             <a:r>
               <a:rPr lang="tr-TR" dirty="0"/>
@@ -5824,18 +5793,19 @@
             </a:r>
             <a:r>
               <a:rPr lang="tr-TR" b="1" dirty="0"/>
-              <a:t>liste</a:t>
+              <a:t>anahtarlı</a:t>
             </a:r>
             <a:r>
               <a:rPr lang="tr-TR" dirty="0"/>
-              <a:t> oluşturmamızı sağlar. </a:t>
-            </a:r>
+              <a:t> listeler oluşturmamızı sağlar. </a:t>
+            </a:r>
+            <a:endParaRPr lang="en-US" dirty="0"/>
           </a:p>
           <a:p>
             <a:pPr algn="just"/>
             <a:r>
               <a:rPr lang="tr-TR" b="1" dirty="0" err="1"/>
-              <a:t>List</a:t>
+              <a:t>Map</a:t>
             </a:r>
             <a:r>
               <a:rPr lang="tr-TR" dirty="0"/>
@@ -5854,10 +5824,10 @@
       </p:sp>
       <p:pic>
         <p:nvPicPr>
-          <p:cNvPr id="5" name="Picture 6" descr="Building Basic Backend Servers with Dart's Core Library - Dart Tutorial  Part 4 — Steemit">
+          <p:cNvPr id="6" name="Picture 6" descr="Building Basic Backend Servers with Dart's Core Library - Dart Tutorial  Part 4 — Steemit">
             <a:extLst>
               <a:ext uri="{FF2B5EF4-FFF2-40B4-BE49-F238E27FC236}">
-                <a16:creationId xmlns:a16="http://schemas.microsoft.com/office/drawing/2014/main" id="{4BAEBAE6-DE7D-4F3A-A648-BC39B08A2462}"/>
+                <a16:creationId xmlns:a16="http://schemas.microsoft.com/office/drawing/2014/main" id="{6D971CA7-0F9F-42BB-8106-34DABD0C9A73}"/>
               </a:ext>
             </a:extLst>
           </p:cNvPr>
@@ -5904,7 +5874,7 @@
           <p:cNvPr id="7" name="Resim 6">
             <a:extLst>
               <a:ext uri="{FF2B5EF4-FFF2-40B4-BE49-F238E27FC236}">
-                <a16:creationId xmlns:a16="http://schemas.microsoft.com/office/drawing/2014/main" id="{A53C24AC-BA19-485C-B27E-68F41C1BB32F}"/>
+                <a16:creationId xmlns:a16="http://schemas.microsoft.com/office/drawing/2014/main" id="{51E6C98A-B145-421C-B5CB-A9F1CE948347}"/>
               </a:ext>
             </a:extLst>
           </p:cNvPr>
@@ -5921,8 +5891,8 @@
         </p:blipFill>
         <p:spPr>
           <a:xfrm>
-            <a:off x="2086522" y="3249592"/>
-            <a:ext cx="8018956" cy="579458"/>
+            <a:off x="2235416" y="3429000"/>
+            <a:ext cx="7721167" cy="538685"/>
           </a:xfrm>
           <a:prstGeom prst="rect">
             <a:avLst/>
@@ -5932,7 +5902,7 @@
     </p:spTree>
     <p:extLst>
       <p:ext uri="{BB962C8B-B14F-4D97-AF65-F5344CB8AC3E}">
-        <p14:creationId xmlns:p14="http://schemas.microsoft.com/office/powerpoint/2010/main" val="3421864553"/>
+        <p14:creationId xmlns:p14="http://schemas.microsoft.com/office/powerpoint/2010/main" val="1575065261"/>
       </p:ext>
     </p:extLst>
   </p:cSld>
@@ -5976,16 +5946,14 @@
           </a:xfrm>
         </p:spPr>
         <p:txBody>
-          <a:bodyPr/>
-          <a:lstStyle/>
-          <a:p>
-            <a:r>
-              <a:rPr lang="tr-TR" b="1" dirty="0"/>
-              <a:t>Veri Tipleri - </a:t>
-            </a:r>
-            <a:r>
-              <a:rPr lang="tr-TR" b="1" dirty="0" err="1"/>
-              <a:t>Map</a:t>
+          <a:bodyPr>
+            <a:normAutofit/>
+          </a:bodyPr>
+          <a:lstStyle/>
+          <a:p>
+            <a:r>
+              <a:rPr lang="nn-NO" b="1" dirty="0"/>
+              <a:t>Dynamic ve Var ile Değişken Tanımlama</a:t>
             </a:r>
             <a:endParaRPr lang="tr-TR" b="1" dirty="0"/>
           </a:p>
@@ -6013,50 +5981,62 @@
           <a:p>
             <a:pPr algn="just"/>
             <a:r>
-              <a:rPr lang="tr-TR" dirty="0" err="1"/>
-              <a:t>Map</a:t>
+              <a:rPr lang="tr-TR" b="1" dirty="0"/>
+              <a:t>Var</a:t>
+            </a:r>
+            <a:r>
+              <a:rPr lang="en-US" b="1" dirty="0"/>
+              <a:t> : </a:t>
             </a:r>
             <a:r>
               <a:rPr lang="tr-TR" dirty="0"/>
-              <a:t> veri tipi </a:t>
-            </a:r>
+              <a:t>Var ile atama yaparsak değişkenin tipini belirmemiz gerekmez. Yorumlayıcı yorumlama esnasında verilen değere göre değişkenin tipini belirler. </a:t>
+            </a:r>
+            <a:endParaRPr lang="en-US" dirty="0"/>
+          </a:p>
+          <a:p>
+            <a:pPr algn="just"/>
             <a:r>
               <a:rPr lang="tr-TR" b="1" dirty="0"/>
-              <a:t>anahtarlı</a:t>
-            </a:r>
-            <a:r>
-              <a:rPr lang="tr-TR" dirty="0"/>
-              <a:t> listeler oluşturmamızı sağlar. </a:t>
-            </a:r>
-            <a:endParaRPr lang="en-US" dirty="0"/>
-          </a:p>
-          <a:p>
-            <a:pPr algn="just"/>
-            <a:r>
-              <a:rPr lang="tr-TR" b="1" dirty="0" err="1"/>
-              <a:t>Map</a:t>
+              <a:t>var</a:t>
             </a:r>
             <a:r>
               <a:rPr lang="tr-TR" dirty="0"/>
               <a:t> terimi ile kullanılır.</a:t>
             </a:r>
           </a:p>
-          <a:p>
-            <a:pPr algn="just"/>
-            <a:endParaRPr lang="tr-TR" dirty="0"/>
-          </a:p>
-          <a:p>
-            <a:pPr algn="just"/>
-            <a:endParaRPr lang="tr-TR" dirty="0"/>
-          </a:p>
         </p:txBody>
       </p:sp>
       <p:pic>
         <p:nvPicPr>
-          <p:cNvPr id="6" name="Picture 6" descr="Building Basic Backend Servers with Dart's Core Library - Dart Tutorial  Part 4 — Steemit">
+          <p:cNvPr id="4" name="Resim 3"/>
+          <p:cNvPicPr>
+            <a:picLocks noChangeAspect="1"/>
+          </p:cNvPicPr>
+          <p:nvPr/>
+        </p:nvPicPr>
+        <p:blipFill>
+          <a:blip r:embed="rId2"/>
+          <a:stretch>
+            <a:fillRect/>
+          </a:stretch>
+        </p:blipFill>
+        <p:spPr>
+          <a:xfrm>
+            <a:off x="3804780" y="3969373"/>
+            <a:ext cx="4582439" cy="1774571"/>
+          </a:xfrm>
+          <a:prstGeom prst="rect">
+            <a:avLst/>
+          </a:prstGeom>
+        </p:spPr>
+      </p:pic>
+      <p:pic>
+        <p:nvPicPr>
+          <p:cNvPr id="5" name="Picture 6" descr="Building Basic Backend Servers with Dart's Core Library - Dart Tutorial  Part 4 — Steemit">
             <a:extLst>
               <a:ext uri="{FF2B5EF4-FFF2-40B4-BE49-F238E27FC236}">
-                <a16:creationId xmlns:a16="http://schemas.microsoft.com/office/drawing/2014/main" id="{6D971CA7-0F9F-42BB-8106-34DABD0C9A73}"/>
+                <a16:creationId xmlns:a16="http://schemas.microsoft.com/office/drawing/2014/main" id="{11035F49-D74B-4A78-BC31-8EFD86559525}"/>
               </a:ext>
             </a:extLst>
           </p:cNvPr>
@@ -6066,7 +6046,7 @@
           <p:nvPr/>
         </p:nvPicPr>
         <p:blipFill>
-          <a:blip r:embed="rId2">
+          <a:blip r:embed="rId3">
             <a:extLst>
               <a:ext uri="{28A0092B-C50C-407E-A947-70E740481C1C}">
                 <a14:useLocalDpi xmlns:a14="http://schemas.microsoft.com/office/drawing/2010/main" val="0"/>
@@ -6098,40 +6078,10 @@
           </a:extLst>
         </p:spPr>
       </p:pic>
-      <p:pic>
-        <p:nvPicPr>
-          <p:cNvPr id="7" name="Resim 6">
-            <a:extLst>
-              <a:ext uri="{FF2B5EF4-FFF2-40B4-BE49-F238E27FC236}">
-                <a16:creationId xmlns:a16="http://schemas.microsoft.com/office/drawing/2014/main" id="{51E6C98A-B145-421C-B5CB-A9F1CE948347}"/>
-              </a:ext>
-            </a:extLst>
-          </p:cNvPr>
-          <p:cNvPicPr>
-            <a:picLocks noChangeAspect="1"/>
-          </p:cNvPicPr>
-          <p:nvPr/>
-        </p:nvPicPr>
-        <p:blipFill>
-          <a:blip r:embed="rId3"/>
-          <a:stretch>
-            <a:fillRect/>
-          </a:stretch>
-        </p:blipFill>
-        <p:spPr>
-          <a:xfrm>
-            <a:off x="2235416" y="3429000"/>
-            <a:ext cx="7721167" cy="538685"/>
-          </a:xfrm>
-          <a:prstGeom prst="rect">
-            <a:avLst/>
-          </a:prstGeom>
-        </p:spPr>
-      </p:pic>
     </p:spTree>
     <p:extLst>
       <p:ext uri="{BB962C8B-B14F-4D97-AF65-F5344CB8AC3E}">
-        <p14:creationId xmlns:p14="http://schemas.microsoft.com/office/powerpoint/2010/main" val="1575065261"/>
+        <p14:creationId xmlns:p14="http://schemas.microsoft.com/office/powerpoint/2010/main" val="2393615322"/>
       </p:ext>
     </p:extLst>
   </p:cSld>
@@ -6467,9 +6417,7 @@
           </a:xfrm>
         </p:spPr>
         <p:txBody>
-          <a:bodyPr>
-            <a:normAutofit/>
-          </a:bodyPr>
+          <a:bodyPr/>
           <a:lstStyle/>
           <a:p>
             <a:r>
@@ -6502,35 +6450,55 @@
           <a:p>
             <a:pPr algn="just"/>
             <a:r>
-              <a:rPr lang="tr-TR" b="1" dirty="0"/>
-              <a:t>Var</a:t>
+              <a:rPr lang="tr-TR" b="1" dirty="0" err="1"/>
+              <a:t>Dynamic</a:t>
             </a:r>
             <a:r>
               <a:rPr lang="en-US" b="1" dirty="0"/>
               <a:t> : </a:t>
             </a:r>
             <a:r>
+              <a:rPr lang="en-US" dirty="0"/>
+              <a:t>D</a:t>
+            </a:r>
+            <a:r>
+              <a:rPr lang="tr-TR" dirty="0" err="1"/>
+              <a:t>ynamic</a:t>
+            </a:r>
+            <a:r>
               <a:rPr lang="tr-TR" dirty="0"/>
-              <a:t>Var ile atama yaparsak değişkenin tipini belirmemiz gerekmez. Yorumlayıcı yorumlama esnasında verilen değere göre değişkenin tipini belirler. </a:t>
+              <a:t> veri tipi değerin tipinin yorumlayıcı tarafından algılanmasını sağlar. Var'dan farkı içerisine başka türde değer atandığında değişken </a:t>
+            </a:r>
+            <a:r>
+              <a:rPr lang="tr-TR" b="1" dirty="0"/>
+              <a:t>yeni atanan değerin tipine dönüşür.</a:t>
+            </a:r>
+            <a:r>
+              <a:rPr lang="tr-TR" dirty="0"/>
+              <a:t> </a:t>
             </a:r>
             <a:endParaRPr lang="en-US" dirty="0"/>
           </a:p>
           <a:p>
             <a:pPr algn="just"/>
             <a:r>
-              <a:rPr lang="tr-TR" b="1" dirty="0"/>
-              <a:t>var</a:t>
+              <a:rPr lang="tr-TR" b="1" dirty="0" err="1"/>
+              <a:t>dynamic</a:t>
             </a:r>
             <a:r>
               <a:rPr lang="tr-TR" dirty="0"/>
               <a:t> terimi ile kullanılır.</a:t>
             </a:r>
           </a:p>
+          <a:p>
+            <a:pPr algn="just"/>
+            <a:endParaRPr lang="tr-TR" dirty="0"/>
+          </a:p>
         </p:txBody>
       </p:sp>
       <p:pic>
         <p:nvPicPr>
-          <p:cNvPr id="4" name="Resim 3"/>
+          <p:cNvPr id="5" name="Resim 4"/>
           <p:cNvPicPr>
             <a:picLocks noChangeAspect="1"/>
           </p:cNvPicPr>
@@ -6544,8 +6512,8 @@
         </p:blipFill>
         <p:spPr>
           <a:xfrm>
-            <a:off x="3804780" y="3969373"/>
-            <a:ext cx="4582439" cy="1774571"/>
+            <a:off x="3442561" y="3709932"/>
+            <a:ext cx="5306877" cy="1526012"/>
           </a:xfrm>
           <a:prstGeom prst="rect">
             <a:avLst/>
@@ -6554,10 +6522,10 @@
       </p:pic>
       <p:pic>
         <p:nvPicPr>
-          <p:cNvPr id="5" name="Picture 6" descr="Building Basic Backend Servers with Dart's Core Library - Dart Tutorial  Part 4 — Steemit">
+          <p:cNvPr id="6" name="Picture 6" descr="Building Basic Backend Servers with Dart's Core Library - Dart Tutorial  Part 4 — Steemit">
             <a:extLst>
               <a:ext uri="{FF2B5EF4-FFF2-40B4-BE49-F238E27FC236}">
-                <a16:creationId xmlns:a16="http://schemas.microsoft.com/office/drawing/2014/main" id="{11035F49-D74B-4A78-BC31-8EFD86559525}"/>
+                <a16:creationId xmlns:a16="http://schemas.microsoft.com/office/drawing/2014/main" id="{BBF2112A-58B0-4F97-B546-8EDF8DF34CDB}"/>
               </a:ext>
             </a:extLst>
           </p:cNvPr>
@@ -6602,7 +6570,7 @@
     </p:spTree>
     <p:extLst>
       <p:ext uri="{BB962C8B-B14F-4D97-AF65-F5344CB8AC3E}">
-        <p14:creationId xmlns:p14="http://schemas.microsoft.com/office/powerpoint/2010/main" val="2393615322"/>
+        <p14:creationId xmlns:p14="http://schemas.microsoft.com/office/powerpoint/2010/main" val="3534160581"/>
       </p:ext>
     </p:extLst>
   </p:cSld>
@@ -6650,10 +6618,13 @@
           <a:lstStyle/>
           <a:p>
             <a:r>
-              <a:rPr lang="nn-NO" b="1" dirty="0"/>
-              <a:t>Dynamic ve Var ile Değişken Tanımlama</a:t>
-            </a:r>
-            <a:endParaRPr lang="tr-TR" b="1" dirty="0"/>
+              <a:rPr lang="tr-TR" b="1" dirty="0" err="1"/>
+              <a:t>List</a:t>
+            </a:r>
+            <a:r>
+              <a:rPr lang="tr-TR" b="1" dirty="0"/>
+              <a:t> Yapısı</a:t>
+            </a:r>
           </a:p>
         </p:txBody>
       </p:sp>
@@ -6679,40 +6650,28 @@
           <a:p>
             <a:pPr algn="just"/>
             <a:r>
+              <a:rPr lang="tr-TR" dirty="0" err="1"/>
+              <a:t>List</a:t>
+            </a:r>
+            <a:r>
+              <a:rPr lang="tr-TR" dirty="0"/>
+              <a:t>, </a:t>
+            </a:r>
+            <a:r>
+              <a:rPr lang="tr-TR" b="1" dirty="0"/>
+              <a:t>liste</a:t>
+            </a:r>
+            <a:r>
+              <a:rPr lang="tr-TR" dirty="0"/>
+              <a:t> oluşturmamızı sağlayan bir veri tipidir. </a:t>
+            </a:r>
+            <a:endParaRPr lang="en-US" dirty="0"/>
+          </a:p>
+          <a:p>
+            <a:pPr algn="just"/>
+            <a:r>
               <a:rPr lang="tr-TR" b="1" dirty="0" err="1"/>
-              <a:t>Dynamic</a:t>
-            </a:r>
-            <a:r>
-              <a:rPr lang="en-US" b="1" dirty="0"/>
-              <a:t> : </a:t>
-            </a:r>
-            <a:r>
-              <a:rPr lang="en-US" dirty="0"/>
-              <a:t>D</a:t>
-            </a:r>
-            <a:r>
-              <a:rPr lang="tr-TR" dirty="0" err="1"/>
-              <a:t>ynamic</a:t>
-            </a:r>
-            <a:r>
-              <a:rPr lang="tr-TR" dirty="0"/>
-              <a:t> veri tipi değerin tipinin yorumlayıcı tarafından algılanmasını sağlar. Var'dan farkı içerisine başka türde değer atandığında değişken </a:t>
-            </a:r>
-            <a:r>
-              <a:rPr lang="tr-TR" b="1" dirty="0"/>
-              <a:t>yeni atanan değerin tipine dönüşür.</a:t>
-            </a:r>
-            <a:r>
-              <a:rPr lang="tr-TR" dirty="0"/>
-              <a:t> </a:t>
-            </a:r>
-            <a:endParaRPr lang="en-US" dirty="0"/>
-          </a:p>
-          <a:p>
-            <a:pPr algn="just"/>
-            <a:r>
-              <a:rPr lang="tr-TR" b="1" dirty="0" err="1"/>
-              <a:t>dynamic</a:t>
+              <a:t>List</a:t>
             </a:r>
             <a:r>
               <a:rPr lang="tr-TR" dirty="0"/>
@@ -6723,38 +6682,18 @@
             <a:pPr algn="just"/>
             <a:endParaRPr lang="tr-TR" dirty="0"/>
           </a:p>
-        </p:txBody>
-      </p:sp>
-      <p:pic>
-        <p:nvPicPr>
-          <p:cNvPr id="5" name="Resim 4"/>
-          <p:cNvPicPr>
-            <a:picLocks noChangeAspect="1"/>
-          </p:cNvPicPr>
-          <p:nvPr/>
-        </p:nvPicPr>
-        <p:blipFill>
-          <a:blip r:embed="rId2"/>
-          <a:stretch>
-            <a:fillRect/>
-          </a:stretch>
-        </p:blipFill>
-        <p:spPr>
-          <a:xfrm>
-            <a:off x="3442561" y="3709932"/>
-            <a:ext cx="5306877" cy="1526012"/>
-          </a:xfrm>
-          <a:prstGeom prst="rect">
-            <a:avLst/>
-          </a:prstGeom>
-        </p:spPr>
-      </p:pic>
+          <a:p>
+            <a:pPr algn="just"/>
+            <a:endParaRPr lang="tr-TR" dirty="0"/>
+          </a:p>
+        </p:txBody>
+      </p:sp>
       <p:pic>
         <p:nvPicPr>
           <p:cNvPr id="6" name="Picture 6" descr="Building Basic Backend Servers with Dart's Core Library - Dart Tutorial  Part 4 — Steemit">
             <a:extLst>
               <a:ext uri="{FF2B5EF4-FFF2-40B4-BE49-F238E27FC236}">
-                <a16:creationId xmlns:a16="http://schemas.microsoft.com/office/drawing/2014/main" id="{BBF2112A-58B0-4F97-B546-8EDF8DF34CDB}"/>
+                <a16:creationId xmlns:a16="http://schemas.microsoft.com/office/drawing/2014/main" id="{BCB65C92-6BCA-4B40-919E-B066246A7BDF}"/>
               </a:ext>
             </a:extLst>
           </p:cNvPr>
@@ -6764,7 +6703,7 @@
           <p:nvPr/>
         </p:nvPicPr>
         <p:blipFill>
-          <a:blip r:embed="rId3">
+          <a:blip r:embed="rId2">
             <a:extLst>
               <a:ext uri="{28A0092B-C50C-407E-A947-70E740481C1C}">
                 <a14:useLocalDpi xmlns:a14="http://schemas.microsoft.com/office/drawing/2010/main" val="0"/>
@@ -6778,8 +6717,8 @@
         </p:blipFill>
         <p:spPr bwMode="auto">
           <a:xfrm>
-            <a:off x="10421257" y="84207"/>
-            <a:ext cx="1680028" cy="940816"/>
+            <a:off x="10668000" y="55439"/>
+            <a:ext cx="1348086" cy="754928"/>
           </a:xfrm>
           <a:prstGeom prst="rect">
             <a:avLst/>
@@ -6796,10 +6735,40 @@
           </a:extLst>
         </p:spPr>
       </p:pic>
+      <p:pic>
+        <p:nvPicPr>
+          <p:cNvPr id="7" name="Resim 6">
+            <a:extLst>
+              <a:ext uri="{FF2B5EF4-FFF2-40B4-BE49-F238E27FC236}">
+                <a16:creationId xmlns:a16="http://schemas.microsoft.com/office/drawing/2014/main" id="{9D11271E-C43B-48DB-B612-D37BA00AE337}"/>
+              </a:ext>
+            </a:extLst>
+          </p:cNvPr>
+          <p:cNvPicPr>
+            <a:picLocks noChangeAspect="1"/>
+          </p:cNvPicPr>
+          <p:nvPr/>
+        </p:nvPicPr>
+        <p:blipFill>
+          <a:blip r:embed="rId3"/>
+          <a:stretch>
+            <a:fillRect/>
+          </a:stretch>
+        </p:blipFill>
+        <p:spPr>
+          <a:xfrm>
+            <a:off x="1894312" y="3372623"/>
+            <a:ext cx="8403376" cy="437377"/>
+          </a:xfrm>
+          <a:prstGeom prst="rect">
+            <a:avLst/>
+          </a:prstGeom>
+        </p:spPr>
+      </p:pic>
     </p:spTree>
     <p:extLst>
       <p:ext uri="{BB962C8B-B14F-4D97-AF65-F5344CB8AC3E}">
-        <p14:creationId xmlns:p14="http://schemas.microsoft.com/office/powerpoint/2010/main" val="3534160581"/>
+        <p14:creationId xmlns:p14="http://schemas.microsoft.com/office/powerpoint/2010/main" val="1844404300"/>
       </p:ext>
     </p:extLst>
   </p:cSld>
@@ -6843,16 +6812,14 @@
           </a:xfrm>
         </p:spPr>
         <p:txBody>
-          <a:bodyPr/>
-          <a:lstStyle/>
-          <a:p>
-            <a:r>
-              <a:rPr lang="tr-TR" b="1" dirty="0" err="1"/>
-              <a:t>List</a:t>
-            </a:r>
+          <a:bodyPr>
+            <a:normAutofit/>
+          </a:bodyPr>
+          <a:lstStyle/>
+          <a:p>
             <a:r>
               <a:rPr lang="tr-TR" b="1" dirty="0"/>
-              <a:t> Yapısı</a:t>
+              <a:t>Index Nedir?</a:t>
             </a:r>
           </a:p>
         </p:txBody>
@@ -6879,37 +6846,41 @@
           <a:p>
             <a:pPr algn="just"/>
             <a:r>
+              <a:rPr lang="tr-TR" dirty="0"/>
+              <a:t>Index, </a:t>
+            </a:r>
+            <a:r>
               <a:rPr lang="tr-TR" dirty="0" err="1"/>
               <a:t>List</a:t>
             </a:r>
             <a:r>
               <a:rPr lang="tr-TR" dirty="0"/>
-              <a:t>, </a:t>
+              <a:t> içindeki elemanların </a:t>
             </a:r>
             <a:r>
               <a:rPr lang="tr-TR" b="1" dirty="0"/>
-              <a:t>liste</a:t>
+              <a:t>sıra numarası</a:t>
             </a:r>
             <a:r>
               <a:rPr lang="tr-TR" dirty="0"/>
-              <a:t> oluşturmamızı sağlayan bir veri tipidir. </a:t>
+              <a:t>dır. </a:t>
             </a:r>
             <a:endParaRPr lang="en-US" dirty="0"/>
           </a:p>
           <a:p>
             <a:pPr algn="just"/>
             <a:r>
-              <a:rPr lang="tr-TR" b="1" dirty="0" err="1"/>
-              <a:t>List</a:t>
-            </a:r>
-            <a:r>
               <a:rPr lang="tr-TR" dirty="0"/>
-              <a:t> terimi ile kullanılır.</a:t>
-            </a:r>
-          </a:p>
-          <a:p>
-            <a:pPr algn="just"/>
-            <a:endParaRPr lang="tr-TR" dirty="0"/>
+              <a:t>Index sırası </a:t>
+            </a:r>
+            <a:r>
+              <a:rPr lang="tr-TR" b="1" dirty="0"/>
+              <a:t>0</a:t>
+            </a:r>
+            <a:r>
+              <a:rPr lang="tr-TR" dirty="0"/>
+              <a:t>'dan başlar. </a:t>
+            </a:r>
           </a:p>
           <a:p>
             <a:pPr algn="just"/>
@@ -6919,10 +6890,10 @@
       </p:sp>
       <p:pic>
         <p:nvPicPr>
-          <p:cNvPr id="6" name="Picture 6" descr="Building Basic Backend Servers with Dart's Core Library - Dart Tutorial  Part 4 — Steemit">
+          <p:cNvPr id="5" name="Picture 6" descr="Building Basic Backend Servers with Dart's Core Library - Dart Tutorial  Part 4 — Steemit">
             <a:extLst>
               <a:ext uri="{FF2B5EF4-FFF2-40B4-BE49-F238E27FC236}">
-                <a16:creationId xmlns:a16="http://schemas.microsoft.com/office/drawing/2014/main" id="{BCB65C92-6BCA-4B40-919E-B066246A7BDF}"/>
+                <a16:creationId xmlns:a16="http://schemas.microsoft.com/office/drawing/2014/main" id="{63F909B7-88F1-4D12-8A29-4555A6269B8C}"/>
               </a:ext>
             </a:extLst>
           </p:cNvPr>
@@ -6969,7 +6940,7 @@
           <p:cNvPr id="7" name="Resim 6">
             <a:extLst>
               <a:ext uri="{FF2B5EF4-FFF2-40B4-BE49-F238E27FC236}">
-                <a16:creationId xmlns:a16="http://schemas.microsoft.com/office/drawing/2014/main" id="{9D11271E-C43B-48DB-B612-D37BA00AE337}"/>
+                <a16:creationId xmlns:a16="http://schemas.microsoft.com/office/drawing/2014/main" id="{46D856D8-CBF8-404F-8C56-C06596343CBF}"/>
               </a:ext>
             </a:extLst>
           </p:cNvPr>
@@ -6986,8 +6957,8 @@
         </p:blipFill>
         <p:spPr>
           <a:xfrm>
-            <a:off x="1894312" y="3372623"/>
-            <a:ext cx="8403376" cy="437377"/>
+            <a:off x="1109711" y="2969344"/>
+            <a:ext cx="9972578" cy="1443906"/>
           </a:xfrm>
           <a:prstGeom prst="rect">
             <a:avLst/>
@@ -6997,7 +6968,7 @@
     </p:spTree>
     <p:extLst>
       <p:ext uri="{BB962C8B-B14F-4D97-AF65-F5344CB8AC3E}">
-        <p14:creationId xmlns:p14="http://schemas.microsoft.com/office/powerpoint/2010/main" val="1844404300"/>
+        <p14:creationId xmlns:p14="http://schemas.microsoft.com/office/powerpoint/2010/main" val="1160058580"/>
       </p:ext>
     </p:extLst>
   </p:cSld>
@@ -7041,14 +7012,16 @@
           </a:xfrm>
         </p:spPr>
         <p:txBody>
-          <a:bodyPr>
-            <a:normAutofit/>
-          </a:bodyPr>
-          <a:lstStyle/>
-          <a:p>
+          <a:bodyPr/>
+          <a:lstStyle/>
+          <a:p>
+            <a:r>
+              <a:rPr lang="tr-TR" b="1" dirty="0" err="1"/>
+              <a:t>List</a:t>
+            </a:r>
             <a:r>
               <a:rPr lang="tr-TR" b="1" dirty="0"/>
-              <a:t>Index Nedir?</a:t>
+              <a:t> Uzunluğu</a:t>
             </a:r>
           </a:p>
         </p:txBody>
@@ -7075,45 +7048,29 @@
           <a:p>
             <a:pPr algn="just"/>
             <a:r>
-              <a:rPr lang="tr-TR" dirty="0"/>
-              <a:t>Index, </a:t>
-            </a:r>
-            <a:r>
               <a:rPr lang="tr-TR" dirty="0" err="1"/>
               <a:t>List</a:t>
             </a:r>
             <a:r>
               <a:rPr lang="tr-TR" dirty="0"/>
-              <a:t> içindeki elemanların </a:t>
-            </a:r>
-            <a:r>
-              <a:rPr lang="tr-TR" b="1" dirty="0"/>
-              <a:t>sıra numarası</a:t>
+              <a:t> uzunluğunu </a:t>
+            </a:r>
+            <a:r>
+              <a:rPr lang="tr-TR" b="1" dirty="0" err="1"/>
+              <a:t>length</a:t>
             </a:r>
             <a:r>
               <a:rPr lang="tr-TR" dirty="0"/>
-              <a:t>dır. </a:t>
-            </a:r>
-            <a:endParaRPr lang="en-US" dirty="0"/>
-          </a:p>
-          <a:p>
-            <a:pPr algn="just"/>
+              <a:t> fonksiyonu (</a:t>
+            </a:r>
+            <a:r>
+              <a:rPr lang="tr-TR" dirty="0" err="1"/>
+              <a:t>getter</a:t>
+            </a:r>
             <a:r>
               <a:rPr lang="tr-TR" dirty="0"/>
-              <a:t>Index sırası </a:t>
-            </a:r>
-            <a:r>
-              <a:rPr lang="tr-TR" b="1" dirty="0"/>
-              <a:t>0</a:t>
-            </a:r>
-            <a:r>
-              <a:rPr lang="tr-TR" dirty="0"/>
-              <a:t>'dan başlar. </a:t>
-            </a:r>
-          </a:p>
-          <a:p>
-            <a:pPr algn="just"/>
-            <a:endParaRPr lang="tr-TR" dirty="0"/>
+              <a:t>) iliştirilerek öğrenilebilir.</a:t>
+            </a:r>
           </a:p>
         </p:txBody>
       </p:sp>
@@ -7122,7 +7079,7 @@
           <p:cNvPr id="5" name="Picture 6" descr="Building Basic Backend Servers with Dart's Core Library - Dart Tutorial  Part 4 — Steemit">
             <a:extLst>
               <a:ext uri="{FF2B5EF4-FFF2-40B4-BE49-F238E27FC236}">
-                <a16:creationId xmlns:a16="http://schemas.microsoft.com/office/drawing/2014/main" id="{63F909B7-88F1-4D12-8A29-4555A6269B8C}"/>
+                <a16:creationId xmlns:a16="http://schemas.microsoft.com/office/drawing/2014/main" id="{647DD567-CE08-4FFD-9140-019C48B21E5C}"/>
               </a:ext>
             </a:extLst>
           </p:cNvPr>
@@ -7169,7 +7126,7 @@
           <p:cNvPr id="7" name="Resim 6">
             <a:extLst>
               <a:ext uri="{FF2B5EF4-FFF2-40B4-BE49-F238E27FC236}">
-                <a16:creationId xmlns:a16="http://schemas.microsoft.com/office/drawing/2014/main" id="{46D856D8-CBF8-404F-8C56-C06596343CBF}"/>
+                <a16:creationId xmlns:a16="http://schemas.microsoft.com/office/drawing/2014/main" id="{50D0F7A6-738F-48EE-AEFD-0991CFAEA0F6}"/>
               </a:ext>
             </a:extLst>
           </p:cNvPr>
@@ -7186,8 +7143,8 @@
         </p:blipFill>
         <p:spPr>
           <a:xfrm>
-            <a:off x="1109711" y="2969344"/>
-            <a:ext cx="9972578" cy="1443906"/>
+            <a:off x="979820" y="2823310"/>
+            <a:ext cx="10373980" cy="1482812"/>
           </a:xfrm>
           <a:prstGeom prst="rect">
             <a:avLst/>
@@ -7197,7 +7154,7 @@
     </p:spTree>
     <p:extLst>
       <p:ext uri="{BB962C8B-B14F-4D97-AF65-F5344CB8AC3E}">
-        <p14:creationId xmlns:p14="http://schemas.microsoft.com/office/powerpoint/2010/main" val="1160058580"/>
+        <p14:creationId xmlns:p14="http://schemas.microsoft.com/office/powerpoint/2010/main" val="2218652215"/>
       </p:ext>
     </p:extLst>
   </p:cSld>
@@ -7250,7 +7207,7 @@
             </a:r>
             <a:r>
               <a:rPr lang="tr-TR" b="1" dirty="0"/>
-              <a:t> Uzunluğu</a:t>
+              <a:t> Ters Çevirme</a:t>
             </a:r>
           </a:p>
         </p:txBody>
@@ -7276,30 +7233,11 @@
           <a:lstStyle/>
           <a:p>
             <a:pPr algn="just"/>
-            <a:r>
-              <a:rPr lang="tr-TR" dirty="0" err="1"/>
-              <a:t>List</a:t>
-            </a:r>
-            <a:r>
-              <a:rPr lang="tr-TR" dirty="0"/>
-              <a:t> uzunluğunu </a:t>
-            </a:r>
-            <a:r>
-              <a:rPr lang="tr-TR" b="1" dirty="0" err="1"/>
-              <a:t>length</a:t>
-            </a:r>
-            <a:r>
-              <a:rPr lang="tr-TR" dirty="0"/>
-              <a:t> fonksiyonu (</a:t>
-            </a:r>
-            <a:r>
-              <a:rPr lang="tr-TR" dirty="0" err="1"/>
-              <a:t>getter</a:t>
-            </a:r>
-            <a:r>
-              <a:rPr lang="tr-TR" dirty="0"/>
-              <a:t>) iliştirilerek öğrenilebilir.</a:t>
-            </a:r>
+            <a:endParaRPr lang="tr-TR" dirty="0"/>
+          </a:p>
+          <a:p>
+            <a:pPr algn="just"/>
+            <a:endParaRPr lang="tr-TR" dirty="0"/>
           </a:p>
         </p:txBody>
       </p:sp>
@@ -7308,7 +7246,7 @@
           <p:cNvPr id="5" name="Picture 6" descr="Building Basic Backend Servers with Dart's Core Library - Dart Tutorial  Part 4 — Steemit">
             <a:extLst>
               <a:ext uri="{FF2B5EF4-FFF2-40B4-BE49-F238E27FC236}">
-                <a16:creationId xmlns:a16="http://schemas.microsoft.com/office/drawing/2014/main" id="{647DD567-CE08-4FFD-9140-019C48B21E5C}"/>
+                <a16:creationId xmlns:a16="http://schemas.microsoft.com/office/drawing/2014/main" id="{87D203FA-3FD8-4ED7-B3D6-6FA9908ED028}"/>
               </a:ext>
             </a:extLst>
           </p:cNvPr>
@@ -7352,10 +7290,10 @@
       </p:pic>
       <p:pic>
         <p:nvPicPr>
-          <p:cNvPr id="7" name="Resim 6">
+          <p:cNvPr id="9" name="Resim 8">
             <a:extLst>
               <a:ext uri="{FF2B5EF4-FFF2-40B4-BE49-F238E27FC236}">
-                <a16:creationId xmlns:a16="http://schemas.microsoft.com/office/drawing/2014/main" id="{50D0F7A6-738F-48EE-AEFD-0991CFAEA0F6}"/>
+                <a16:creationId xmlns:a16="http://schemas.microsoft.com/office/drawing/2014/main" id="{DA8C4E5E-3CC7-439A-A480-226297688BDB}"/>
               </a:ext>
             </a:extLst>
           </p:cNvPr>
@@ -7372,8 +7310,8 @@
         </p:blipFill>
         <p:spPr>
           <a:xfrm>
-            <a:off x="979820" y="2823310"/>
-            <a:ext cx="10373980" cy="1482812"/>
+            <a:off x="203965" y="2847894"/>
+            <a:ext cx="11784070" cy="1162212"/>
           </a:xfrm>
           <a:prstGeom prst="rect">
             <a:avLst/>
@@ -7383,7 +7321,7 @@
     </p:spTree>
     <p:extLst>
       <p:ext uri="{BB962C8B-B14F-4D97-AF65-F5344CB8AC3E}">
-        <p14:creationId xmlns:p14="http://schemas.microsoft.com/office/powerpoint/2010/main" val="2218652215"/>
+        <p14:creationId xmlns:p14="http://schemas.microsoft.com/office/powerpoint/2010/main" val="3640526630"/>
       </p:ext>
     </p:extLst>
   </p:cSld>
@@ -7431,13 +7369,14 @@
           <a:lstStyle/>
           <a:p>
             <a:r>
+              <a:rPr lang="tr-TR" b="1" dirty="0"/>
+              <a:t>First ve </a:t>
+            </a:r>
+            <a:r>
               <a:rPr lang="tr-TR" b="1" dirty="0" err="1"/>
-              <a:t>List</a:t>
-            </a:r>
-            <a:r>
-              <a:rPr lang="tr-TR" b="1" dirty="0"/>
-              <a:t> Ters Çevirme</a:t>
-            </a:r>
+              <a:t>Last</a:t>
+            </a:r>
+            <a:endParaRPr lang="tr-TR" b="1" dirty="0"/>
           </a:p>
         </p:txBody>
       </p:sp>
@@ -7475,7 +7414,7 @@
           <p:cNvPr id="5" name="Picture 6" descr="Building Basic Backend Servers with Dart's Core Library - Dart Tutorial  Part 4 — Steemit">
             <a:extLst>
               <a:ext uri="{FF2B5EF4-FFF2-40B4-BE49-F238E27FC236}">
-                <a16:creationId xmlns:a16="http://schemas.microsoft.com/office/drawing/2014/main" id="{87D203FA-3FD8-4ED7-B3D6-6FA9908ED028}"/>
+                <a16:creationId xmlns:a16="http://schemas.microsoft.com/office/drawing/2014/main" id="{540547D0-0B35-4604-A2BD-572F217CEB48}"/>
               </a:ext>
             </a:extLst>
           </p:cNvPr>
@@ -7519,10 +7458,10 @@
       </p:pic>
       <p:pic>
         <p:nvPicPr>
-          <p:cNvPr id="9" name="Resim 8">
+          <p:cNvPr id="7" name="Resim 6">
             <a:extLst>
               <a:ext uri="{FF2B5EF4-FFF2-40B4-BE49-F238E27FC236}">
-                <a16:creationId xmlns:a16="http://schemas.microsoft.com/office/drawing/2014/main" id="{DA8C4E5E-3CC7-439A-A480-226297688BDB}"/>
+                <a16:creationId xmlns:a16="http://schemas.microsoft.com/office/drawing/2014/main" id="{F7436420-7657-4E07-8033-7BA20A8178ED}"/>
               </a:ext>
             </a:extLst>
           </p:cNvPr>
@@ -7539,8 +7478,8 @@
         </p:blipFill>
         <p:spPr>
           <a:xfrm>
-            <a:off x="203965" y="2847894"/>
-            <a:ext cx="11784070" cy="1162212"/>
+            <a:off x="933496" y="2688385"/>
+            <a:ext cx="10517797" cy="1481230"/>
           </a:xfrm>
           <a:prstGeom prst="rect">
             <a:avLst/>
@@ -7550,7 +7489,7 @@
     </p:spTree>
     <p:extLst>
       <p:ext uri="{BB962C8B-B14F-4D97-AF65-F5344CB8AC3E}">
-        <p14:creationId xmlns:p14="http://schemas.microsoft.com/office/powerpoint/2010/main" val="3640526630"/>
+        <p14:creationId xmlns:p14="http://schemas.microsoft.com/office/powerpoint/2010/main" val="21535344"/>
       </p:ext>
     </p:extLst>
   </p:cSld>
@@ -7598,12 +7537,16 @@
           <a:lstStyle/>
           <a:p>
             <a:r>
+              <a:rPr lang="tr-TR" b="1" dirty="0" err="1"/>
+              <a:t>isEmpty</a:t>
+            </a:r>
+            <a:r>
               <a:rPr lang="tr-TR" b="1" dirty="0"/>
-              <a:t>First ve </a:t>
+              <a:t> ve </a:t>
             </a:r>
             <a:r>
               <a:rPr lang="tr-TR" b="1" dirty="0" err="1"/>
-              <a:t>Last</a:t>
+              <a:t>isNotEmpty</a:t>
             </a:r>
             <a:endParaRPr lang="tr-TR" b="1" dirty="0"/>
           </a:p>
@@ -7630,6 +7573,41 @@
           <a:lstStyle/>
           <a:p>
             <a:pPr algn="just"/>
+            <a:r>
+              <a:rPr lang="tr-TR" dirty="0" err="1"/>
+              <a:t>isEmpty</a:t>
+            </a:r>
+            <a:r>
+              <a:rPr lang="tr-TR" dirty="0"/>
+              <a:t> boşsa </a:t>
+            </a:r>
+            <a:r>
+              <a:rPr lang="tr-TR" b="1" dirty="0" err="1"/>
+              <a:t>true</a:t>
+            </a:r>
+            <a:r>
+              <a:rPr lang="tr-TR" dirty="0"/>
+              <a:t>, </a:t>
+            </a:r>
+            <a:r>
+              <a:rPr lang="tr-TR" dirty="0" err="1"/>
+              <a:t>isNotEmpty</a:t>
+            </a:r>
+            <a:r>
+              <a:rPr lang="tr-TR" dirty="0"/>
+              <a:t> boş değilse </a:t>
+            </a:r>
+            <a:r>
+              <a:rPr lang="tr-TR" b="1" dirty="0" err="1"/>
+              <a:t>true</a:t>
+            </a:r>
+            <a:r>
+              <a:rPr lang="tr-TR" dirty="0"/>
+              <a:t> döndürür.</a:t>
+            </a:r>
+          </a:p>
+          <a:p>
+            <a:pPr algn="just"/>
             <a:endParaRPr lang="tr-TR" dirty="0"/>
           </a:p>
           <a:p>
@@ -7638,12 +7616,36 @@
           </a:p>
         </p:txBody>
       </p:sp>
+      <p:pic>
+        <p:nvPicPr>
+          <p:cNvPr id="4" name="Resim 3"/>
+          <p:cNvPicPr>
+            <a:picLocks noChangeAspect="1"/>
+          </p:cNvPicPr>
+          <p:nvPr/>
+        </p:nvPicPr>
+        <p:blipFill>
+          <a:blip r:embed="rId2"/>
+          <a:stretch>
+            <a:fillRect/>
+          </a:stretch>
+        </p:blipFill>
+        <p:spPr>
+          <a:xfrm>
+            <a:off x="3039485" y="2897831"/>
+            <a:ext cx="6407287" cy="1121276"/>
+          </a:xfrm>
+          <a:prstGeom prst="rect">
+            <a:avLst/>
+          </a:prstGeom>
+        </p:spPr>
+      </p:pic>
       <p:pic>
         <p:nvPicPr>
           <p:cNvPr id="5" name="Picture 6" descr="Building Basic Backend Servers with Dart's Core Library - Dart Tutorial  Part 4 — Steemit">
             <a:extLst>
               <a:ext uri="{FF2B5EF4-FFF2-40B4-BE49-F238E27FC236}">
-                <a16:creationId xmlns:a16="http://schemas.microsoft.com/office/drawing/2014/main" id="{540547D0-0B35-4604-A2BD-572F217CEB48}"/>
+                <a16:creationId xmlns:a16="http://schemas.microsoft.com/office/drawing/2014/main" id="{9613F343-9F42-4F14-A7C3-FBB2F2B1FC90}"/>
               </a:ext>
             </a:extLst>
           </p:cNvPr>
@@ -7653,7 +7655,7 @@
           <p:nvPr/>
         </p:nvPicPr>
         <p:blipFill>
-          <a:blip r:embed="rId2">
+          <a:blip r:embed="rId3">
             <a:extLst>
               <a:ext uri="{28A0092B-C50C-407E-A947-70E740481C1C}">
                 <a14:useLocalDpi xmlns:a14="http://schemas.microsoft.com/office/drawing/2010/main" val="0"/>
@@ -7685,40 +7687,10 @@
           </a:extLst>
         </p:spPr>
       </p:pic>
-      <p:pic>
-        <p:nvPicPr>
-          <p:cNvPr id="7" name="Resim 6">
-            <a:extLst>
-              <a:ext uri="{FF2B5EF4-FFF2-40B4-BE49-F238E27FC236}">
-                <a16:creationId xmlns:a16="http://schemas.microsoft.com/office/drawing/2014/main" id="{F7436420-7657-4E07-8033-7BA20A8178ED}"/>
-              </a:ext>
-            </a:extLst>
-          </p:cNvPr>
-          <p:cNvPicPr>
-            <a:picLocks noChangeAspect="1"/>
-          </p:cNvPicPr>
-          <p:nvPr/>
-        </p:nvPicPr>
-        <p:blipFill>
-          <a:blip r:embed="rId3"/>
-          <a:stretch>
-            <a:fillRect/>
-          </a:stretch>
-        </p:blipFill>
-        <p:spPr>
-          <a:xfrm>
-            <a:off x="933496" y="2688385"/>
-            <a:ext cx="10517797" cy="1481230"/>
-          </a:xfrm>
-          <a:prstGeom prst="rect">
-            <a:avLst/>
-          </a:prstGeom>
-        </p:spPr>
-      </p:pic>
     </p:spTree>
     <p:extLst>
       <p:ext uri="{BB962C8B-B14F-4D97-AF65-F5344CB8AC3E}">
-        <p14:creationId xmlns:p14="http://schemas.microsoft.com/office/powerpoint/2010/main" val="21535344"/>
+        <p14:creationId xmlns:p14="http://schemas.microsoft.com/office/powerpoint/2010/main" val="1484381982"/>
       </p:ext>
     </p:extLst>
   </p:cSld>
@@ -7767,15 +7739,7 @@
           <a:p>
             <a:r>
               <a:rPr lang="tr-TR" b="1" dirty="0" err="1"/>
-              <a:t>isEmpty</a:t>
-            </a:r>
-            <a:r>
-              <a:rPr lang="tr-TR" b="1" dirty="0"/>
-              <a:t> ve </a:t>
-            </a:r>
-            <a:r>
-              <a:rPr lang="tr-TR" b="1" dirty="0" err="1"/>
-              <a:t>isNotEmpty</a:t>
+              <a:t>runtimeType</a:t>
             </a:r>
             <a:endParaRPr lang="tr-TR" b="1" dirty="0"/>
           </a:p>
@@ -7804,35 +7768,31 @@
             <a:pPr algn="just"/>
             <a:r>
               <a:rPr lang="tr-TR" dirty="0" err="1"/>
-              <a:t>isEmpty</a:t>
+              <a:t>List'in</a:t>
             </a:r>
             <a:r>
               <a:rPr lang="tr-TR" dirty="0"/>
-              <a:t> boşsa </a:t>
+              <a:t> veri tipini verir. </a:t>
+            </a:r>
+            <a:endParaRPr lang="en-US" dirty="0"/>
+          </a:p>
+          <a:p>
+            <a:pPr algn="just"/>
+            <a:r>
+              <a:rPr lang="tr-TR" dirty="0"/>
+              <a:t>Veri tipi belirlenmemişse </a:t>
             </a:r>
             <a:r>
               <a:rPr lang="tr-TR" b="1" dirty="0" err="1"/>
-              <a:t>true</a:t>
+              <a:t>dynamic</a:t>
+            </a:r>
+            <a:r>
+              <a:rPr lang="tr-TR" dirty="0" err="1"/>
+              <a:t>'tir</a:t>
             </a:r>
             <a:r>
               <a:rPr lang="tr-TR" dirty="0"/>
-              <a:t>, </a:t>
-            </a:r>
-            <a:r>
-              <a:rPr lang="tr-TR" dirty="0" err="1"/>
-              <a:t>isNotEmpty</a:t>
-            </a:r>
-            <a:r>
-              <a:rPr lang="tr-TR" dirty="0"/>
-              <a:t> boş değilse </a:t>
-            </a:r>
-            <a:r>
-              <a:rPr lang="tr-TR" b="1" dirty="0" err="1"/>
-              <a:t>true</a:t>
-            </a:r>
-            <a:r>
-              <a:rPr lang="tr-TR" dirty="0"/>
-              <a:t> döndürür.</a:t>
+              <a:t>.</a:t>
             </a:r>
           </a:p>
           <a:p>
@@ -7861,8 +7821,8 @@
         </p:blipFill>
         <p:spPr>
           <a:xfrm>
-            <a:off x="3039485" y="2897831"/>
-            <a:ext cx="6407287" cy="1121276"/>
+            <a:off x="3105248" y="3200657"/>
+            <a:ext cx="6600514" cy="733390"/>
           </a:xfrm>
           <a:prstGeom prst="rect">
             <a:avLst/>
@@ -7874,7 +7834,7 @@
           <p:cNvPr id="5" name="Picture 6" descr="Building Basic Backend Servers with Dart's Core Library - Dart Tutorial  Part 4 — Steemit">
             <a:extLst>
               <a:ext uri="{FF2B5EF4-FFF2-40B4-BE49-F238E27FC236}">
-                <a16:creationId xmlns:a16="http://schemas.microsoft.com/office/drawing/2014/main" id="{9613F343-9F42-4F14-A7C3-FBB2F2B1FC90}"/>
+                <a16:creationId xmlns:a16="http://schemas.microsoft.com/office/drawing/2014/main" id="{E5C8F0C8-D8CD-4966-A0A8-FBAEE76AEE34}"/>
               </a:ext>
             </a:extLst>
           </p:cNvPr>
@@ -7919,7 +7879,7 @@
     </p:spTree>
     <p:extLst>
       <p:ext uri="{BB962C8B-B14F-4D97-AF65-F5344CB8AC3E}">
-        <p14:creationId xmlns:p14="http://schemas.microsoft.com/office/powerpoint/2010/main" val="1484381982"/>
+        <p14:creationId xmlns:p14="http://schemas.microsoft.com/office/powerpoint/2010/main" val="385008760"/>
       </p:ext>
     </p:extLst>
   </p:cSld>
@@ -7968,7 +7928,7 @@
           <a:p>
             <a:r>
               <a:rPr lang="tr-TR" b="1" dirty="0" err="1"/>
-              <a:t>runtimeType</a:t>
+              <a:t>add</a:t>
             </a:r>
             <a:endParaRPr lang="tr-TR" b="1" dirty="0"/>
           </a:p>
@@ -7997,31 +7957,11 @@
             <a:pPr algn="just"/>
             <a:r>
               <a:rPr lang="tr-TR" dirty="0" err="1"/>
-              <a:t>List'in</a:t>
+              <a:t>List'e</a:t>
             </a:r>
             <a:r>
               <a:rPr lang="tr-TR" dirty="0"/>
-              <a:t> veri tipini verir. </a:t>
-            </a:r>
-            <a:endParaRPr lang="en-US" dirty="0"/>
-          </a:p>
-          <a:p>
-            <a:pPr algn="just"/>
-            <a:r>
-              <a:rPr lang="tr-TR" dirty="0"/>
-              <a:t>Veri tipi belirlenmemişse </a:t>
-            </a:r>
-            <a:r>
-              <a:rPr lang="tr-TR" b="1" dirty="0" err="1"/>
-              <a:t>dynamic</a:t>
-            </a:r>
-            <a:r>
-              <a:rPr lang="tr-TR" dirty="0" err="1"/>
-              <a:t>'tir</a:t>
-            </a:r>
-            <a:r>
-              <a:rPr lang="tr-TR" dirty="0"/>
-              <a:t>.</a:t>
+              <a:t> eleman ekler.</a:t>
             </a:r>
           </a:p>
           <a:p>
@@ -8032,38 +7972,18 @@
             <a:pPr algn="just"/>
             <a:endParaRPr lang="tr-TR" dirty="0"/>
           </a:p>
-        </p:txBody>
-      </p:sp>
-      <p:pic>
-        <p:nvPicPr>
-          <p:cNvPr id="4" name="Resim 3"/>
-          <p:cNvPicPr>
-            <a:picLocks noChangeAspect="1"/>
-          </p:cNvPicPr>
-          <p:nvPr/>
-        </p:nvPicPr>
-        <p:blipFill>
-          <a:blip r:embed="rId2"/>
-          <a:stretch>
-            <a:fillRect/>
-          </a:stretch>
-        </p:blipFill>
-        <p:spPr>
-          <a:xfrm>
-            <a:off x="3105248" y="3200657"/>
-            <a:ext cx="6600514" cy="733390"/>
-          </a:xfrm>
-          <a:prstGeom prst="rect">
-            <a:avLst/>
-          </a:prstGeom>
-        </p:spPr>
-      </p:pic>
+          <a:p>
+            <a:pPr algn="just"/>
+            <a:endParaRPr lang="tr-TR" dirty="0"/>
+          </a:p>
+        </p:txBody>
+      </p:sp>
       <p:pic>
         <p:nvPicPr>
           <p:cNvPr id="5" name="Picture 6" descr="Building Basic Backend Servers with Dart's Core Library - Dart Tutorial  Part 4 — Steemit">
             <a:extLst>
               <a:ext uri="{FF2B5EF4-FFF2-40B4-BE49-F238E27FC236}">
-                <a16:creationId xmlns:a16="http://schemas.microsoft.com/office/drawing/2014/main" id="{E5C8F0C8-D8CD-4966-A0A8-FBAEE76AEE34}"/>
+                <a16:creationId xmlns:a16="http://schemas.microsoft.com/office/drawing/2014/main" id="{CE0557E9-C5EE-451F-9507-E2E3581BA8D8}"/>
               </a:ext>
             </a:extLst>
           </p:cNvPr>
@@ -8073,7 +7993,7 @@
           <p:nvPr/>
         </p:nvPicPr>
         <p:blipFill>
-          <a:blip r:embed="rId3">
+          <a:blip r:embed="rId2">
             <a:extLst>
               <a:ext uri="{28A0092B-C50C-407E-A947-70E740481C1C}">
                 <a14:useLocalDpi xmlns:a14="http://schemas.microsoft.com/office/drawing/2010/main" val="0"/>
@@ -8105,10 +8025,40 @@
           </a:extLst>
         </p:spPr>
       </p:pic>
+      <p:pic>
+        <p:nvPicPr>
+          <p:cNvPr id="7" name="Resim 6">
+            <a:extLst>
+              <a:ext uri="{FF2B5EF4-FFF2-40B4-BE49-F238E27FC236}">
+                <a16:creationId xmlns:a16="http://schemas.microsoft.com/office/drawing/2014/main" id="{3DA53687-0625-4D94-A1B6-5A13B2612E3F}"/>
+              </a:ext>
+            </a:extLst>
+          </p:cNvPr>
+          <p:cNvPicPr>
+            <a:picLocks noChangeAspect="1"/>
+          </p:cNvPicPr>
+          <p:nvPr/>
+        </p:nvPicPr>
+        <p:blipFill>
+          <a:blip r:embed="rId3"/>
+          <a:stretch>
+            <a:fillRect/>
+          </a:stretch>
+        </p:blipFill>
+        <p:spPr>
+          <a:xfrm>
+            <a:off x="720768" y="2781209"/>
+            <a:ext cx="10907789" cy="1314541"/>
+          </a:xfrm>
+          <a:prstGeom prst="rect">
+            <a:avLst/>
+          </a:prstGeom>
+        </p:spPr>
+      </p:pic>
     </p:spTree>
     <p:extLst>
       <p:ext uri="{BB962C8B-B14F-4D97-AF65-F5344CB8AC3E}">
-        <p14:creationId xmlns:p14="http://schemas.microsoft.com/office/powerpoint/2010/main" val="385008760"/>
+        <p14:creationId xmlns:p14="http://schemas.microsoft.com/office/powerpoint/2010/main" val="2613030033"/>
       </p:ext>
     </p:extLst>
   </p:cSld>
@@ -8157,7 +8107,7 @@
           <a:p>
             <a:r>
               <a:rPr lang="tr-TR" b="1" dirty="0" err="1"/>
-              <a:t>add</a:t>
+              <a:t>addAll</a:t>
             </a:r>
             <a:endParaRPr lang="tr-TR" b="1" dirty="0"/>
           </a:p>
@@ -8185,17 +8135,17 @@
           <a:p>
             <a:pPr algn="just"/>
             <a:r>
+              <a:rPr lang="tr-TR" dirty="0"/>
+              <a:t>Başka bir </a:t>
+            </a:r>
+            <a:r>
               <a:rPr lang="tr-TR" dirty="0" err="1"/>
-              <a:t>List'e</a:t>
+              <a:t>List'teki</a:t>
             </a:r>
             <a:r>
               <a:rPr lang="tr-TR" dirty="0"/>
-              <a:t> eleman ekler.</a:t>
-            </a:r>
-          </a:p>
-          <a:p>
-            <a:pPr algn="just"/>
-            <a:endParaRPr lang="tr-TR" dirty="0"/>
+              <a:t> elemanları ekler.</a:t>
+            </a:r>
           </a:p>
           <a:p>
             <a:pPr algn="just"/>
@@ -8212,7 +8162,7 @@
           <p:cNvPr id="5" name="Picture 6" descr="Building Basic Backend Servers with Dart's Core Library - Dart Tutorial  Part 4 — Steemit">
             <a:extLst>
               <a:ext uri="{FF2B5EF4-FFF2-40B4-BE49-F238E27FC236}">
-                <a16:creationId xmlns:a16="http://schemas.microsoft.com/office/drawing/2014/main" id="{CE0557E9-C5EE-451F-9507-E2E3581BA8D8}"/>
+                <a16:creationId xmlns:a16="http://schemas.microsoft.com/office/drawing/2014/main" id="{D185ECF2-F241-48EF-990E-6830D933A5B5}"/>
               </a:ext>
             </a:extLst>
           </p:cNvPr>
@@ -8259,7 +8209,7 @@
           <p:cNvPr id="7" name="Resim 6">
             <a:extLst>
               <a:ext uri="{FF2B5EF4-FFF2-40B4-BE49-F238E27FC236}">
-                <a16:creationId xmlns:a16="http://schemas.microsoft.com/office/drawing/2014/main" id="{3DA53687-0625-4D94-A1B6-5A13B2612E3F}"/>
+                <a16:creationId xmlns:a16="http://schemas.microsoft.com/office/drawing/2014/main" id="{19758408-D614-412F-A5BA-4AAFCE68042E}"/>
               </a:ext>
             </a:extLst>
           </p:cNvPr>
@@ -8276,8 +8226,8 @@
         </p:blipFill>
         <p:spPr>
           <a:xfrm>
-            <a:off x="720768" y="2781209"/>
-            <a:ext cx="10907789" cy="1314541"/>
+            <a:off x="98425" y="2661716"/>
+            <a:ext cx="11995150" cy="1505824"/>
           </a:xfrm>
           <a:prstGeom prst="rect">
             <a:avLst/>
@@ -8287,7 +8237,7 @@
     </p:spTree>
     <p:extLst>
       <p:ext uri="{BB962C8B-B14F-4D97-AF65-F5344CB8AC3E}">
-        <p14:creationId xmlns:p14="http://schemas.microsoft.com/office/powerpoint/2010/main" val="2613030033"/>
+        <p14:creationId xmlns:p14="http://schemas.microsoft.com/office/powerpoint/2010/main" val="2043426367"/>
       </p:ext>
     </p:extLst>
   </p:cSld>
@@ -8316,13 +8266,7 @@
       </p:grpSpPr>
       <p:sp>
         <p:nvSpPr>
-          <p:cNvPr id="2" name="Başlık 1">
-            <a:extLst>
-              <a:ext uri="{FF2B5EF4-FFF2-40B4-BE49-F238E27FC236}">
-                <a16:creationId xmlns:a16="http://schemas.microsoft.com/office/drawing/2014/main" id="{919BB52E-14C8-4F10-9483-6330C52125BE}"/>
-              </a:ext>
-            </a:extLst>
-          </p:cNvPr>
+          <p:cNvPr id="2" name="Unvan 1"/>
           <p:cNvSpPr>
             <a:spLocks noGrp="1"/>
           </p:cNvSpPr>
@@ -8332,34 +8276,24 @@
         </p:nvSpPr>
         <p:spPr>
           <a:xfrm>
-            <a:off x="838200" y="365126"/>
-            <a:ext cx="10515600" cy="675210"/>
-          </a:xfrm>
-        </p:spPr>
-        <p:txBody>
-          <a:bodyPr>
-            <a:normAutofit fontScale="90000"/>
-          </a:bodyPr>
-          <a:lstStyle/>
-          <a:p>
-            <a:r>
-              <a:rPr lang="tr-TR" b="1" dirty="0">
-                <a:latin typeface="+mn-lt"/>
-              </a:rPr>
-              <a:t>Kullanılacak Kaynaklar</a:t>
-            </a:r>
-          </a:p>
-        </p:txBody>
-      </p:sp>
-      <p:sp>
-        <p:nvSpPr>
-          <p:cNvPr id="3" name="İçerik Yer Tutucusu 2">
-            <a:extLst>
-              <a:ext uri="{FF2B5EF4-FFF2-40B4-BE49-F238E27FC236}">
-                <a16:creationId xmlns:a16="http://schemas.microsoft.com/office/drawing/2014/main" id="{39FABBCE-F408-4DAC-8609-43748F98A870}"/>
-              </a:ext>
-            </a:extLst>
-          </p:cNvPr>
+            <a:off x="838200" y="365125"/>
+            <a:ext cx="10515600" cy="848213"/>
+          </a:xfrm>
+        </p:spPr>
+        <p:txBody>
+          <a:bodyPr/>
+          <a:lstStyle/>
+          <a:p>
+            <a:r>
+              <a:rPr lang="tr-TR" b="1" dirty="0"/>
+              <a:t>Dart Hakkında</a:t>
+            </a:r>
+          </a:p>
+        </p:txBody>
+      </p:sp>
+      <p:sp>
+        <p:nvSpPr>
+          <p:cNvPr id="3" name="İçerik Yer Tutucusu 2"/>
           <p:cNvSpPr>
             <a:spLocks noGrp="1"/>
           </p:cNvSpPr>
@@ -8369,8 +8303,8 @@
         </p:nvSpPr>
         <p:spPr>
           <a:xfrm>
-            <a:off x="558800" y="1155320"/>
-            <a:ext cx="11379200" cy="5337554"/>
+            <a:off x="838200" y="1354015"/>
+            <a:ext cx="10515600" cy="4822948"/>
           </a:xfrm>
         </p:spPr>
         <p:txBody>
@@ -8379,64 +8313,92 @@
           </a:bodyPr>
           <a:lstStyle/>
           <a:p>
-            <a:pPr marL="0" indent="0" algn="ctr">
-              <a:buNone/>
-            </a:pPr>
-            <a:endParaRPr lang="tr-TR" sz="3000" b="1" dirty="0">
-              <a:solidFill>
-                <a:srgbClr val="FF0000"/>
-              </a:solidFill>
-              <a:hlinkClick r:id="rId2">
-                <a:extLst>
-                  <a:ext uri="{A12FA001-AC4F-418D-AE19-62706E023703}">
-                    <ahyp:hlinkClr xmlns:ahyp="http://schemas.microsoft.com/office/drawing/2018/hyperlinkcolor" val="tx"/>
-                  </a:ext>
-                </a:extLst>
-              </a:hlinkClick>
-            </a:endParaRPr>
-          </a:p>
-          <a:p>
-            <a:pPr marL="0" indent="0" algn="ctr">
-              <a:buNone/>
-            </a:pPr>
-            <a:r>
-              <a:rPr lang="en-US" sz="3000" b="1" dirty="0">
-                <a:solidFill>
-                  <a:srgbClr val="FF0000"/>
-                </a:solidFill>
-              </a:rPr>
-              <a:t>https://github.com/SevdanurGENC/Flutter-Lecture-Notes</a:t>
-            </a:r>
-          </a:p>
-          <a:p>
-            <a:pPr marL="0" indent="0" algn="ctr">
-              <a:buNone/>
-            </a:pPr>
-            <a:endParaRPr lang="tr-TR" sz="2400" dirty="0">
-              <a:solidFill>
-                <a:srgbClr val="0563C1"/>
-              </a:solidFill>
-              <a:hlinkClick r:id="rId3">
-                <a:extLst>
-                  <a:ext uri="{A12FA001-AC4F-418D-AE19-62706E023703}">
-                    <ahyp:hlinkClr xmlns:ahyp="http://schemas.microsoft.com/office/drawing/2018/hyperlinkcolor" val="tx"/>
-                  </a:ext>
-                </a:extLst>
-              </a:hlinkClick>
-            </a:endParaRPr>
-          </a:p>
-          <a:p>
-            <a:pPr algn="just"/>
-            <a:endParaRPr lang="tr-TR" sz="2400" dirty="0"/>
+            <a:pPr algn="just"/>
+            <a:r>
+              <a:rPr lang="tr-TR" dirty="0"/>
+              <a:t>Dart, Google tarafından geliştirilen ECMA tarafından standart haline getirilen genel amaçlı bir programlama dilidir.</a:t>
+            </a:r>
+          </a:p>
+          <a:p>
+            <a:pPr algn="just"/>
+            <a:r>
+              <a:rPr lang="tr-TR" dirty="0"/>
+              <a:t>Dart dili kullanılarak çapraz-platform web, sunucu, masaüstü, CLI, mobil ve </a:t>
+            </a:r>
+            <a:r>
+              <a:rPr lang="tr-TR" dirty="0" err="1"/>
+              <a:t>IoT</a:t>
+            </a:r>
+            <a:r>
+              <a:rPr lang="tr-TR" dirty="0"/>
+              <a:t> uygulamalar </a:t>
+            </a:r>
+            <a:r>
+              <a:rPr lang="tr-TR" dirty="0" err="1"/>
+              <a:t>gelitirilebilir</a:t>
+            </a:r>
+            <a:r>
+              <a:rPr lang="tr-TR" dirty="0"/>
+              <a:t>.</a:t>
+            </a:r>
+          </a:p>
+          <a:p>
+            <a:pPr algn="just"/>
+            <a:r>
+              <a:rPr lang="tr-TR" dirty="0" err="1"/>
+              <a:t>Lars</a:t>
+            </a:r>
+            <a:r>
+              <a:rPr lang="tr-TR" dirty="0"/>
+              <a:t> Bak ve </a:t>
+            </a:r>
+            <a:r>
+              <a:rPr lang="tr-TR" dirty="0" err="1"/>
+              <a:t>Kasper</a:t>
+            </a:r>
+            <a:r>
+              <a:rPr lang="tr-TR" dirty="0"/>
+              <a:t> Lund tarafından 14 Kasım 2013 tarihinde tasarlanmıştır.</a:t>
+            </a:r>
+          </a:p>
+          <a:p>
+            <a:pPr algn="just"/>
+            <a:r>
+              <a:rPr lang="tr-TR" dirty="0"/>
+              <a:t>Dosya uzantısı .dart şeklindedir.</a:t>
+            </a:r>
+          </a:p>
+          <a:p>
+            <a:pPr algn="just"/>
+            <a:r>
+              <a:rPr lang="tr-TR" dirty="0"/>
+              <a:t>dart2js ile </a:t>
+            </a:r>
+            <a:r>
+              <a:rPr lang="tr-TR" dirty="0" err="1"/>
+              <a:t>JavaScript</a:t>
+            </a:r>
+            <a:r>
+              <a:rPr lang="tr-TR" dirty="0"/>
+              <a:t> koduna çevrilebilir ve dart2native ile </a:t>
+            </a:r>
+            <a:r>
+              <a:rPr lang="tr-TR" dirty="0" err="1"/>
+              <a:t>native</a:t>
+            </a:r>
+            <a:r>
+              <a:rPr lang="tr-TR" dirty="0"/>
+              <a:t> uygulama olarak derlenebilir.</a:t>
+            </a:r>
           </a:p>
         </p:txBody>
       </p:sp>
       <p:pic>
         <p:nvPicPr>
-          <p:cNvPr id="5" name="Picture 6" descr="Building Basic Backend Servers with Dart's Core Library - Dart Tutorial  Part 4 — Steemit">
+          <p:cNvPr id="4" name="Picture 6" descr="Building Basic Backend Servers with Dart's Core Library - Dart Tutorial  Part 4 — Steemit">
             <a:extLst>
               <a:ext uri="{FF2B5EF4-FFF2-40B4-BE49-F238E27FC236}">
-                <a16:creationId xmlns:a16="http://schemas.microsoft.com/office/drawing/2014/main" id="{1B7B0CB8-27F1-40AE-BA7F-D7BB65046180}"/>
+                <a16:creationId xmlns:a16="http://schemas.microsoft.com/office/drawing/2014/main" id="{941EA24A-DA73-46FF-ACDC-04D1164EAE0D}"/>
               </a:ext>
             </a:extLst>
           </p:cNvPr>
@@ -8446,7 +8408,7 @@
           <p:nvPr/>
         </p:nvPicPr>
         <p:blipFill>
-          <a:blip r:embed="rId4">
+          <a:blip r:embed="rId2">
             <a:extLst>
               <a:ext uri="{28A0092B-C50C-407E-A947-70E740481C1C}">
                 <a14:useLocalDpi xmlns:a14="http://schemas.microsoft.com/office/drawing/2010/main" val="0"/>
@@ -8481,7 +8443,7 @@
     </p:spTree>
     <p:extLst>
       <p:ext uri="{BB962C8B-B14F-4D97-AF65-F5344CB8AC3E}">
-        <p14:creationId xmlns:p14="http://schemas.microsoft.com/office/powerpoint/2010/main" val="946710097"/>
+        <p14:creationId xmlns:p14="http://schemas.microsoft.com/office/powerpoint/2010/main" val="155898500"/>
       </p:ext>
     </p:extLst>
   </p:cSld>
@@ -8530,7 +8492,7 @@
           <a:p>
             <a:r>
               <a:rPr lang="tr-TR" b="1" dirty="0" err="1"/>
-              <a:t>addAll</a:t>
+              <a:t>asMap</a:t>
             </a:r>
             <a:endParaRPr lang="tr-TR" b="1" dirty="0"/>
           </a:p>
@@ -8558,17 +8520,17 @@
           <a:p>
             <a:pPr algn="just"/>
             <a:r>
+              <a:rPr lang="tr-TR" dirty="0" err="1"/>
+              <a:t>Map'e</a:t>
+            </a:r>
+            <a:r>
               <a:rPr lang="tr-TR" dirty="0"/>
-              <a:t>Başka bir </a:t>
-            </a:r>
-            <a:r>
-              <a:rPr lang="tr-TR" dirty="0" err="1"/>
-              <a:t>List'teki</a:t>
-            </a:r>
-            <a:r>
-              <a:rPr lang="tr-TR" dirty="0"/>
-              <a:t> elemanları ekler.</a:t>
-            </a:r>
+              <a:t> dönüştürür.</a:t>
+            </a:r>
+          </a:p>
+          <a:p>
+            <a:pPr algn="just"/>
+            <a:endParaRPr lang="tr-TR" dirty="0"/>
           </a:p>
           <a:p>
             <a:pPr algn="just"/>
@@ -8585,7 +8547,7 @@
           <p:cNvPr id="5" name="Picture 6" descr="Building Basic Backend Servers with Dart's Core Library - Dart Tutorial  Part 4 — Steemit">
             <a:extLst>
               <a:ext uri="{FF2B5EF4-FFF2-40B4-BE49-F238E27FC236}">
-                <a16:creationId xmlns:a16="http://schemas.microsoft.com/office/drawing/2014/main" id="{D185ECF2-F241-48EF-990E-6830D933A5B5}"/>
+                <a16:creationId xmlns:a16="http://schemas.microsoft.com/office/drawing/2014/main" id="{F2BD9B96-0FA3-4EA3-B7DA-7E705B75ADF1}"/>
               </a:ext>
             </a:extLst>
           </p:cNvPr>
@@ -8632,7 +8594,7 @@
           <p:cNvPr id="7" name="Resim 6">
             <a:extLst>
               <a:ext uri="{FF2B5EF4-FFF2-40B4-BE49-F238E27FC236}">
-                <a16:creationId xmlns:a16="http://schemas.microsoft.com/office/drawing/2014/main" id="{19758408-D614-412F-A5BA-4AAFCE68042E}"/>
+                <a16:creationId xmlns:a16="http://schemas.microsoft.com/office/drawing/2014/main" id="{61045BA7-6E4A-4CCC-8D90-76DFF65A2999}"/>
               </a:ext>
             </a:extLst>
           </p:cNvPr>
@@ -8649,8 +8611,8 @@
         </p:blipFill>
         <p:spPr>
           <a:xfrm>
-            <a:off x="98425" y="2661716"/>
-            <a:ext cx="11995150" cy="1505824"/>
+            <a:off x="368294" y="2816933"/>
+            <a:ext cx="11455411" cy="1224133"/>
           </a:xfrm>
           <a:prstGeom prst="rect">
             <a:avLst/>
@@ -8660,7 +8622,7 @@
     </p:spTree>
     <p:extLst>
       <p:ext uri="{BB962C8B-B14F-4D97-AF65-F5344CB8AC3E}">
-        <p14:creationId xmlns:p14="http://schemas.microsoft.com/office/powerpoint/2010/main" val="2043426367"/>
+        <p14:creationId xmlns:p14="http://schemas.microsoft.com/office/powerpoint/2010/main" val="112131350"/>
       </p:ext>
     </p:extLst>
   </p:cSld>
@@ -8709,7 +8671,7 @@
           <a:p>
             <a:r>
               <a:rPr lang="tr-TR" b="1" dirty="0" err="1"/>
-              <a:t>asMap</a:t>
+              <a:t>clear</a:t>
             </a:r>
             <a:endParaRPr lang="tr-TR" b="1" dirty="0"/>
           </a:p>
@@ -8738,11 +8700,11 @@
             <a:pPr algn="just"/>
             <a:r>
               <a:rPr lang="tr-TR" dirty="0" err="1"/>
-              <a:t>Map'e</a:t>
+              <a:t>List</a:t>
             </a:r>
             <a:r>
               <a:rPr lang="tr-TR" dirty="0"/>
-              <a:t> dönüştürür.</a:t>
+              <a:t> içeriğini temizler.</a:t>
             </a:r>
           </a:p>
           <a:p>
@@ -8764,7 +8726,7 @@
           <p:cNvPr id="5" name="Picture 6" descr="Building Basic Backend Servers with Dart's Core Library - Dart Tutorial  Part 4 — Steemit">
             <a:extLst>
               <a:ext uri="{FF2B5EF4-FFF2-40B4-BE49-F238E27FC236}">
-                <a16:creationId xmlns:a16="http://schemas.microsoft.com/office/drawing/2014/main" id="{F2BD9B96-0FA3-4EA3-B7DA-7E705B75ADF1}"/>
+                <a16:creationId xmlns:a16="http://schemas.microsoft.com/office/drawing/2014/main" id="{D7530583-AA50-44C6-BE28-5AF438CD8B83}"/>
               </a:ext>
             </a:extLst>
           </p:cNvPr>
@@ -8811,7 +8773,7 @@
           <p:cNvPr id="7" name="Resim 6">
             <a:extLst>
               <a:ext uri="{FF2B5EF4-FFF2-40B4-BE49-F238E27FC236}">
-                <a16:creationId xmlns:a16="http://schemas.microsoft.com/office/drawing/2014/main" id="{61045BA7-6E4A-4CCC-8D90-76DFF65A2999}"/>
+                <a16:creationId xmlns:a16="http://schemas.microsoft.com/office/drawing/2014/main" id="{AEF6DFC9-223D-469C-A865-4EA763722CDF}"/>
               </a:ext>
             </a:extLst>
           </p:cNvPr>
@@ -8828,8 +8790,8 @@
         </p:blipFill>
         <p:spPr>
           <a:xfrm>
-            <a:off x="368294" y="2816933"/>
-            <a:ext cx="11455411" cy="1224133"/>
+            <a:off x="1634523" y="2550269"/>
+            <a:ext cx="8922953" cy="1757462"/>
           </a:xfrm>
           <a:prstGeom prst="rect">
             <a:avLst/>
@@ -8839,7 +8801,7 @@
     </p:spTree>
     <p:extLst>
       <p:ext uri="{BB962C8B-B14F-4D97-AF65-F5344CB8AC3E}">
-        <p14:creationId xmlns:p14="http://schemas.microsoft.com/office/powerpoint/2010/main" val="112131350"/>
+        <p14:creationId xmlns:p14="http://schemas.microsoft.com/office/powerpoint/2010/main" val="3848446254"/>
       </p:ext>
     </p:extLst>
   </p:cSld>
@@ -8883,12 +8845,14 @@
           </a:xfrm>
         </p:spPr>
         <p:txBody>
-          <a:bodyPr/>
+          <a:bodyPr>
+            <a:normAutofit/>
+          </a:bodyPr>
           <a:lstStyle/>
           <a:p>
             <a:r>
               <a:rPr lang="tr-TR" b="1" dirty="0" err="1"/>
-              <a:t>clear</a:t>
+              <a:t>fillRange</a:t>
             </a:r>
             <a:endParaRPr lang="tr-TR" b="1" dirty="0"/>
           </a:p>
@@ -8916,21 +8880,37 @@
           <a:p>
             <a:pPr algn="just"/>
             <a:r>
+              <a:rPr lang="tr-TR" dirty="0"/>
+              <a:t>Belirlediğimiz </a:t>
+            </a:r>
+            <a:r>
               <a:rPr lang="tr-TR" dirty="0" err="1"/>
-              <a:t>List</a:t>
+              <a:t>index</a:t>
             </a:r>
             <a:r>
               <a:rPr lang="tr-TR" dirty="0"/>
-              <a:t> içeriğini temizler.</a:t>
-            </a:r>
-          </a:p>
-          <a:p>
-            <a:pPr algn="just"/>
-            <a:endParaRPr lang="tr-TR" dirty="0"/>
-          </a:p>
-          <a:p>
-            <a:pPr algn="just"/>
-            <a:endParaRPr lang="tr-TR" dirty="0"/>
+              <a:t> aralığını </a:t>
+            </a:r>
+            <a:r>
+              <a:rPr lang="tr-TR" dirty="0" err="1"/>
+              <a:t>null</a:t>
+            </a:r>
+            <a:r>
+              <a:rPr lang="tr-TR" dirty="0"/>
+              <a:t> ile doldurur. </a:t>
+            </a:r>
+            <a:endParaRPr lang="en-US" dirty="0"/>
+          </a:p>
+          <a:p>
+            <a:pPr algn="just"/>
+            <a:r>
+              <a:rPr lang="tr-TR" dirty="0" err="1"/>
+              <a:t>Null</a:t>
+            </a:r>
+            <a:r>
+              <a:rPr lang="tr-TR" dirty="0"/>
+              <a:t> belirlenmemiş veri tipidir. Yani boştur.</a:t>
+            </a:r>
           </a:p>
           <a:p>
             <a:pPr algn="just"/>
@@ -8943,7 +8923,7 @@
           <p:cNvPr id="5" name="Picture 6" descr="Building Basic Backend Servers with Dart's Core Library - Dart Tutorial  Part 4 — Steemit">
             <a:extLst>
               <a:ext uri="{FF2B5EF4-FFF2-40B4-BE49-F238E27FC236}">
-                <a16:creationId xmlns:a16="http://schemas.microsoft.com/office/drawing/2014/main" id="{D7530583-AA50-44C6-BE28-5AF438CD8B83}"/>
+                <a16:creationId xmlns:a16="http://schemas.microsoft.com/office/drawing/2014/main" id="{DF727CAB-7532-4FF6-A92D-87EBAAEBADDC}"/>
               </a:ext>
             </a:extLst>
           </p:cNvPr>
@@ -8990,7 +8970,7 @@
           <p:cNvPr id="7" name="Resim 6">
             <a:extLst>
               <a:ext uri="{FF2B5EF4-FFF2-40B4-BE49-F238E27FC236}">
-                <a16:creationId xmlns:a16="http://schemas.microsoft.com/office/drawing/2014/main" id="{AEF6DFC9-223D-469C-A865-4EA763722CDF}"/>
+                <a16:creationId xmlns:a16="http://schemas.microsoft.com/office/drawing/2014/main" id="{F3416BE1-6D0B-42BE-84D1-A7E5566C7CCA}"/>
               </a:ext>
             </a:extLst>
           </p:cNvPr>
@@ -9007,8 +8987,8 @@
         </p:blipFill>
         <p:spPr>
           <a:xfrm>
-            <a:off x="1634523" y="2550269"/>
-            <a:ext cx="8922953" cy="1757462"/>
+            <a:off x="1189940" y="3266983"/>
+            <a:ext cx="9812119" cy="1314633"/>
           </a:xfrm>
           <a:prstGeom prst="rect">
             <a:avLst/>
@@ -9018,7 +8998,7 @@
     </p:spTree>
     <p:extLst>
       <p:ext uri="{BB962C8B-B14F-4D97-AF65-F5344CB8AC3E}">
-        <p14:creationId xmlns:p14="http://schemas.microsoft.com/office/powerpoint/2010/main" val="3848446254"/>
+        <p14:creationId xmlns:p14="http://schemas.microsoft.com/office/powerpoint/2010/main" val="1974658423"/>
       </p:ext>
     </p:extLst>
   </p:cSld>
@@ -9062,14 +9042,12 @@
           </a:xfrm>
         </p:spPr>
         <p:txBody>
-          <a:bodyPr>
-            <a:normAutofit/>
-          </a:bodyPr>
+          <a:bodyPr/>
           <a:lstStyle/>
           <a:p>
             <a:r>
               <a:rPr lang="tr-TR" b="1" dirty="0" err="1"/>
-              <a:t>fillRange</a:t>
+              <a:t>getRange</a:t>
             </a:r>
             <a:endParaRPr lang="tr-TR" b="1" dirty="0"/>
           </a:p>
@@ -9098,36 +9076,12 @@
             <a:pPr algn="just"/>
             <a:r>
               <a:rPr lang="tr-TR" dirty="0"/>
-              <a:t>Belirlediğimiz </a:t>
-            </a:r>
-            <a:r>
-              <a:rPr lang="tr-TR" dirty="0" err="1"/>
-              <a:t>index</a:t>
-            </a:r>
-            <a:r>
-              <a:rPr lang="tr-TR" dirty="0"/>
-              <a:t> aralığını </a:t>
-            </a:r>
-            <a:r>
-              <a:rPr lang="tr-TR" dirty="0" err="1"/>
-              <a:t>null</a:t>
-            </a:r>
-            <a:r>
-              <a:rPr lang="tr-TR" dirty="0"/>
-              <a:t> ile doldurur. </a:t>
-            </a:r>
-            <a:endParaRPr lang="en-US" dirty="0"/>
-          </a:p>
-          <a:p>
-            <a:pPr algn="just"/>
-            <a:r>
-              <a:rPr lang="tr-TR" dirty="0" err="1"/>
-              <a:t>Null</a:t>
-            </a:r>
-            <a:r>
-              <a:rPr lang="tr-TR" dirty="0"/>
-              <a:t> belirlenmemiş veri tipidir. Yani boştur.</a:t>
-            </a:r>
+              <a:t>Belirlediğimiz aralığı verir.</a:t>
+            </a:r>
+          </a:p>
+          <a:p>
+            <a:pPr algn="just"/>
+            <a:endParaRPr lang="tr-TR" dirty="0"/>
           </a:p>
           <a:p>
             <a:pPr algn="just"/>
@@ -9140,7 +9094,7 @@
           <p:cNvPr id="5" name="Picture 6" descr="Building Basic Backend Servers with Dart's Core Library - Dart Tutorial  Part 4 — Steemit">
             <a:extLst>
               <a:ext uri="{FF2B5EF4-FFF2-40B4-BE49-F238E27FC236}">
-                <a16:creationId xmlns:a16="http://schemas.microsoft.com/office/drawing/2014/main" id="{DF727CAB-7532-4FF6-A92D-87EBAAEBADDC}"/>
+                <a16:creationId xmlns:a16="http://schemas.microsoft.com/office/drawing/2014/main" id="{EE9B00AC-D67B-482D-8A38-B2332B3C64ED}"/>
               </a:ext>
             </a:extLst>
           </p:cNvPr>
@@ -9187,7 +9141,7 @@
           <p:cNvPr id="7" name="Resim 6">
             <a:extLst>
               <a:ext uri="{FF2B5EF4-FFF2-40B4-BE49-F238E27FC236}">
-                <a16:creationId xmlns:a16="http://schemas.microsoft.com/office/drawing/2014/main" id="{F3416BE1-6D0B-42BE-84D1-A7E5566C7CCA}"/>
+                <a16:creationId xmlns:a16="http://schemas.microsoft.com/office/drawing/2014/main" id="{928BEE64-7CFB-4CDE-BAB7-74DB0C1D9074}"/>
               </a:ext>
             </a:extLst>
           </p:cNvPr>
@@ -9204,8 +9158,8 @@
         </p:blipFill>
         <p:spPr>
           <a:xfrm>
-            <a:off x="1189940" y="3266983"/>
-            <a:ext cx="9812119" cy="1314633"/>
+            <a:off x="1985389" y="2793117"/>
+            <a:ext cx="8221222" cy="1271765"/>
           </a:xfrm>
           <a:prstGeom prst="rect">
             <a:avLst/>
@@ -9215,7 +9169,7 @@
     </p:spTree>
     <p:extLst>
       <p:ext uri="{BB962C8B-B14F-4D97-AF65-F5344CB8AC3E}">
-        <p14:creationId xmlns:p14="http://schemas.microsoft.com/office/powerpoint/2010/main" val="1974658423"/>
+        <p14:creationId xmlns:p14="http://schemas.microsoft.com/office/powerpoint/2010/main" val="1942476176"/>
       </p:ext>
     </p:extLst>
   </p:cSld>
@@ -9259,12 +9213,14 @@
           </a:xfrm>
         </p:spPr>
         <p:txBody>
-          <a:bodyPr/>
+          <a:bodyPr>
+            <a:normAutofit/>
+          </a:bodyPr>
           <a:lstStyle/>
           <a:p>
             <a:r>
               <a:rPr lang="tr-TR" b="1" dirty="0" err="1"/>
-              <a:t>getRange</a:t>
+              <a:t>indexOf</a:t>
             </a:r>
             <a:endParaRPr lang="tr-TR" b="1" dirty="0"/>
           </a:p>
@@ -9293,7 +9249,15 @@
             <a:pPr algn="just"/>
             <a:r>
               <a:rPr lang="tr-TR" dirty="0"/>
-              <a:t>Belirlediğimiz aralığı verir.</a:t>
+              <a:t>Yazılan nesnenin </a:t>
+            </a:r>
+            <a:r>
+              <a:rPr lang="tr-TR" dirty="0" err="1"/>
+              <a:t>indexini</a:t>
+            </a:r>
+            <a:r>
+              <a:rPr lang="tr-TR" dirty="0"/>
+              <a:t> verir.</a:t>
             </a:r>
           </a:p>
           <a:p>
@@ -9311,7 +9275,7 @@
           <p:cNvPr id="5" name="Picture 6" descr="Building Basic Backend Servers with Dart's Core Library - Dart Tutorial  Part 4 — Steemit">
             <a:extLst>
               <a:ext uri="{FF2B5EF4-FFF2-40B4-BE49-F238E27FC236}">
-                <a16:creationId xmlns:a16="http://schemas.microsoft.com/office/drawing/2014/main" id="{EE9B00AC-D67B-482D-8A38-B2332B3C64ED}"/>
+                <a16:creationId xmlns:a16="http://schemas.microsoft.com/office/drawing/2014/main" id="{3F23B80F-5DA0-4717-AB69-3EDE2D93C6AA}"/>
               </a:ext>
             </a:extLst>
           </p:cNvPr>
@@ -9358,7 +9322,7 @@
           <p:cNvPr id="7" name="Resim 6">
             <a:extLst>
               <a:ext uri="{FF2B5EF4-FFF2-40B4-BE49-F238E27FC236}">
-                <a16:creationId xmlns:a16="http://schemas.microsoft.com/office/drawing/2014/main" id="{928BEE64-7CFB-4CDE-BAB7-74DB0C1D9074}"/>
+                <a16:creationId xmlns:a16="http://schemas.microsoft.com/office/drawing/2014/main" id="{4AAF16B9-5714-45D9-B572-A6A09AE82506}"/>
               </a:ext>
             </a:extLst>
           </p:cNvPr>
@@ -9375,8 +9339,8 @@
         </p:blipFill>
         <p:spPr>
           <a:xfrm>
-            <a:off x="1985389" y="2793117"/>
-            <a:ext cx="8221222" cy="1271765"/>
+            <a:off x="2504574" y="2835986"/>
+            <a:ext cx="7182852" cy="1186028"/>
           </a:xfrm>
           <a:prstGeom prst="rect">
             <a:avLst/>
@@ -9386,7 +9350,7 @@
     </p:spTree>
     <p:extLst>
       <p:ext uri="{BB962C8B-B14F-4D97-AF65-F5344CB8AC3E}">
-        <p14:creationId xmlns:p14="http://schemas.microsoft.com/office/powerpoint/2010/main" val="1942476176"/>
+        <p14:creationId xmlns:p14="http://schemas.microsoft.com/office/powerpoint/2010/main" val="2069453127"/>
       </p:ext>
     </p:extLst>
   </p:cSld>
@@ -9436,10 +9400,9 @@
           <a:lstStyle/>
           <a:p>
             <a:r>
-              <a:rPr lang="tr-TR" b="1" dirty="0" err="1"/>
-              <a:t>indexOf</a:t>
-            </a:r>
-            <a:endParaRPr lang="tr-TR" b="1" dirty="0"/>
+              <a:rPr lang="tr-TR" b="1" dirty="0"/>
+              <a:t>insert</a:t>
+            </a:r>
           </a:p>
         </p:txBody>
       </p:sp>
@@ -9463,26 +9426,26 @@
           <a:bodyPr/>
           <a:lstStyle/>
           <a:p>
-            <a:pPr algn="just"/>
             <a:r>
               <a:rPr lang="tr-TR" dirty="0"/>
-              <a:t>Yazılan nesnenin </a:t>
+              <a:t>Belirlenen </a:t>
             </a:r>
             <a:r>
               <a:rPr lang="tr-TR" dirty="0" err="1"/>
-              <a:t>indexini</a:t>
+              <a:t>indexe</a:t>
             </a:r>
             <a:r>
               <a:rPr lang="tr-TR" dirty="0"/>
-              <a:t> verir.</a:t>
-            </a:r>
-          </a:p>
-          <a:p>
-            <a:pPr algn="just"/>
-            <a:endParaRPr lang="tr-TR" dirty="0"/>
-          </a:p>
-          <a:p>
-            <a:pPr algn="just"/>
+              <a:t> eleman ekleme.</a:t>
+            </a:r>
+          </a:p>
+          <a:p>
+            <a:pPr marL="0" indent="0">
+              <a:buNone/>
+            </a:pPr>
+            <a:br>
+              <a:rPr lang="tr-TR" dirty="0"/>
+            </a:br>
             <a:endParaRPr lang="tr-TR" dirty="0"/>
           </a:p>
         </p:txBody>
@@ -9492,7 +9455,7 @@
           <p:cNvPr id="5" name="Picture 6" descr="Building Basic Backend Servers with Dart's Core Library - Dart Tutorial  Part 4 — Steemit">
             <a:extLst>
               <a:ext uri="{FF2B5EF4-FFF2-40B4-BE49-F238E27FC236}">
-                <a16:creationId xmlns:a16="http://schemas.microsoft.com/office/drawing/2014/main" id="{3F23B80F-5DA0-4717-AB69-3EDE2D93C6AA}"/>
+                <a16:creationId xmlns:a16="http://schemas.microsoft.com/office/drawing/2014/main" id="{671D3103-1CAF-4E59-A6D1-D0C23DCCB0CD}"/>
               </a:ext>
             </a:extLst>
           </p:cNvPr>
@@ -9539,7 +9502,7 @@
           <p:cNvPr id="7" name="Resim 6">
             <a:extLst>
               <a:ext uri="{FF2B5EF4-FFF2-40B4-BE49-F238E27FC236}">
-                <a16:creationId xmlns:a16="http://schemas.microsoft.com/office/drawing/2014/main" id="{4AAF16B9-5714-45D9-B572-A6A09AE82506}"/>
+                <a16:creationId xmlns:a16="http://schemas.microsoft.com/office/drawing/2014/main" id="{8C91D28F-D28F-43F7-980C-47CEF7906BC2}"/>
               </a:ext>
             </a:extLst>
           </p:cNvPr>
@@ -9556,8 +9519,8 @@
         </p:blipFill>
         <p:spPr>
           <a:xfrm>
-            <a:off x="2504574" y="2835986"/>
-            <a:ext cx="7182852" cy="1186028"/>
+            <a:off x="711242" y="2659749"/>
+            <a:ext cx="10769515" cy="1538502"/>
           </a:xfrm>
           <a:prstGeom prst="rect">
             <a:avLst/>
@@ -9567,7 +9530,7 @@
     </p:spTree>
     <p:extLst>
       <p:ext uri="{BB962C8B-B14F-4D97-AF65-F5344CB8AC3E}">
-        <p14:creationId xmlns:p14="http://schemas.microsoft.com/office/powerpoint/2010/main" val="2069453127"/>
+        <p14:creationId xmlns:p14="http://schemas.microsoft.com/office/powerpoint/2010/main" val="962470260"/>
       </p:ext>
     </p:extLst>
   </p:cSld>
@@ -9617,9 +9580,10 @@
           <a:lstStyle/>
           <a:p>
             <a:r>
-              <a:rPr lang="tr-TR" b="1" dirty="0"/>
-              <a:t>insert</a:t>
-            </a:r>
+              <a:rPr lang="tr-TR" b="1" dirty="0" err="1"/>
+              <a:t>insertAll</a:t>
+            </a:r>
+            <a:endParaRPr lang="tr-TR" b="1" dirty="0"/>
           </a:p>
         </p:txBody>
       </p:sp>
@@ -9643,6 +9607,7 @@
           <a:bodyPr/>
           <a:lstStyle/>
           <a:p>
+            <a:pPr algn="just"/>
             <a:r>
               <a:rPr lang="tr-TR" dirty="0"/>
               <a:t>Belirlenen </a:t>
@@ -9653,16 +9618,23 @@
             </a:r>
             <a:r>
               <a:rPr lang="tr-TR" dirty="0"/>
-              <a:t> eleman ekleme.</a:t>
-            </a:r>
-          </a:p>
-          <a:p>
-            <a:pPr marL="0" indent="0">
-              <a:buNone/>
-            </a:pPr>
-            <a:br>
+              <a:t> </a:t>
+            </a:r>
+            <a:r>
+              <a:rPr lang="tr-TR" dirty="0" err="1"/>
+              <a:t>List</a:t>
+            </a:r>
+            <a:r>
               <a:rPr lang="tr-TR" dirty="0"/>
-            </a:br>
+              <a:t> ekleme.</a:t>
+            </a:r>
+          </a:p>
+          <a:p>
+            <a:pPr algn="just"/>
+            <a:endParaRPr lang="tr-TR" dirty="0"/>
+          </a:p>
+          <a:p>
+            <a:pPr algn="just"/>
             <a:endParaRPr lang="tr-TR" dirty="0"/>
           </a:p>
         </p:txBody>
@@ -9672,7 +9644,7 @@
           <p:cNvPr id="5" name="Picture 6" descr="Building Basic Backend Servers with Dart's Core Library - Dart Tutorial  Part 4 — Steemit">
             <a:extLst>
               <a:ext uri="{FF2B5EF4-FFF2-40B4-BE49-F238E27FC236}">
-                <a16:creationId xmlns:a16="http://schemas.microsoft.com/office/drawing/2014/main" id="{671D3103-1CAF-4E59-A6D1-D0C23DCCB0CD}"/>
+                <a16:creationId xmlns:a16="http://schemas.microsoft.com/office/drawing/2014/main" id="{7611EE3E-BFAB-4EFC-80A2-E479154E17CD}"/>
               </a:ext>
             </a:extLst>
           </p:cNvPr>
@@ -9719,7 +9691,7 @@
           <p:cNvPr id="7" name="Resim 6">
             <a:extLst>
               <a:ext uri="{FF2B5EF4-FFF2-40B4-BE49-F238E27FC236}">
-                <a16:creationId xmlns:a16="http://schemas.microsoft.com/office/drawing/2014/main" id="{8C91D28F-D28F-43F7-980C-47CEF7906BC2}"/>
+                <a16:creationId xmlns:a16="http://schemas.microsoft.com/office/drawing/2014/main" id="{08C6481C-576A-4D47-AF8D-84F005692A60}"/>
               </a:ext>
             </a:extLst>
           </p:cNvPr>
@@ -9736,8 +9708,8 @@
         </p:blipFill>
         <p:spPr>
           <a:xfrm>
-            <a:off x="711242" y="2659749"/>
-            <a:ext cx="10769515" cy="1538502"/>
+            <a:off x="158750" y="2629533"/>
+            <a:ext cx="11874500" cy="1598934"/>
           </a:xfrm>
           <a:prstGeom prst="rect">
             <a:avLst/>
@@ -9747,7 +9719,7 @@
     </p:spTree>
     <p:extLst>
       <p:ext uri="{BB962C8B-B14F-4D97-AF65-F5344CB8AC3E}">
-        <p14:creationId xmlns:p14="http://schemas.microsoft.com/office/powerpoint/2010/main" val="962470260"/>
+        <p14:creationId xmlns:p14="http://schemas.microsoft.com/office/powerpoint/2010/main" val="4141005701"/>
       </p:ext>
     </p:extLst>
   </p:cSld>
@@ -9798,7 +9770,7 @@
           <a:p>
             <a:r>
               <a:rPr lang="tr-TR" b="1" dirty="0" err="1"/>
-              <a:t>insertAll</a:t>
+              <a:t>lastIndexOf</a:t>
             </a:r>
             <a:endParaRPr lang="tr-TR" b="1" dirty="0"/>
           </a:p>
@@ -9827,24 +9799,20 @@
             <a:pPr algn="just"/>
             <a:r>
               <a:rPr lang="tr-TR" dirty="0"/>
-              <a:t>Belirlenen </a:t>
+              <a:t>Aramaya sondan başlayarak yazılan elemanın </a:t>
             </a:r>
             <a:r>
               <a:rPr lang="tr-TR" dirty="0" err="1"/>
-              <a:t>indexe</a:t>
+              <a:t>indexini</a:t>
             </a:r>
             <a:r>
               <a:rPr lang="tr-TR" dirty="0"/>
-              <a:t> </a:t>
-            </a:r>
-            <a:r>
-              <a:rPr lang="tr-TR" dirty="0" err="1"/>
-              <a:t>List</a:t>
-            </a:r>
-            <a:r>
-              <a:rPr lang="tr-TR" dirty="0"/>
-              <a:t> ekleme.</a:t>
-            </a:r>
+              <a:t> verir.</a:t>
+            </a:r>
+          </a:p>
+          <a:p>
+            <a:pPr algn="just"/>
+            <a:endParaRPr lang="tr-TR" dirty="0"/>
           </a:p>
           <a:p>
             <a:pPr algn="just"/>
@@ -9861,7 +9829,7 @@
           <p:cNvPr id="5" name="Picture 6" descr="Building Basic Backend Servers with Dart's Core Library - Dart Tutorial  Part 4 — Steemit">
             <a:extLst>
               <a:ext uri="{FF2B5EF4-FFF2-40B4-BE49-F238E27FC236}">
-                <a16:creationId xmlns:a16="http://schemas.microsoft.com/office/drawing/2014/main" id="{7611EE3E-BFAB-4EFC-80A2-E479154E17CD}"/>
+                <a16:creationId xmlns:a16="http://schemas.microsoft.com/office/drawing/2014/main" id="{56F2F257-1858-46DC-A28C-4228CBF7A0BA}"/>
               </a:ext>
             </a:extLst>
           </p:cNvPr>
@@ -9908,7 +9876,7 @@
           <p:cNvPr id="7" name="Resim 6">
             <a:extLst>
               <a:ext uri="{FF2B5EF4-FFF2-40B4-BE49-F238E27FC236}">
-                <a16:creationId xmlns:a16="http://schemas.microsoft.com/office/drawing/2014/main" id="{08C6481C-576A-4D47-AF8D-84F005692A60}"/>
+                <a16:creationId xmlns:a16="http://schemas.microsoft.com/office/drawing/2014/main" id="{F7F59DE5-D734-47EA-90CB-24C86D7447E4}"/>
               </a:ext>
             </a:extLst>
           </p:cNvPr>
@@ -9925,8 +9893,8 @@
         </p:blipFill>
         <p:spPr>
           <a:xfrm>
-            <a:off x="158750" y="2629533"/>
-            <a:ext cx="11874500" cy="1598934"/>
+            <a:off x="1337932" y="2916952"/>
+            <a:ext cx="9516136" cy="1483598"/>
           </a:xfrm>
           <a:prstGeom prst="rect">
             <a:avLst/>
@@ -9936,7 +9904,7 @@
     </p:spTree>
     <p:extLst>
       <p:ext uri="{BB962C8B-B14F-4D97-AF65-F5344CB8AC3E}">
-        <p14:creationId xmlns:p14="http://schemas.microsoft.com/office/powerpoint/2010/main" val="4141005701"/>
+        <p14:creationId xmlns:p14="http://schemas.microsoft.com/office/powerpoint/2010/main" val="8854206"/>
       </p:ext>
     </p:extLst>
   </p:cSld>
@@ -9987,7 +9955,7 @@
           <a:p>
             <a:r>
               <a:rPr lang="tr-TR" b="1" dirty="0" err="1"/>
-              <a:t>lastIndexOf</a:t>
+              <a:t>remove</a:t>
             </a:r>
             <a:endParaRPr lang="tr-TR" b="1" dirty="0"/>
           </a:p>
@@ -10016,15 +9984,7 @@
             <a:pPr algn="just"/>
             <a:r>
               <a:rPr lang="tr-TR" dirty="0"/>
-              <a:t>Aramaya sondan başlayarak yazılan elemanın </a:t>
-            </a:r>
-            <a:r>
-              <a:rPr lang="tr-TR" dirty="0" err="1"/>
-              <a:t>indexini</a:t>
-            </a:r>
-            <a:r>
-              <a:rPr lang="tr-TR" dirty="0"/>
-              <a:t> verir.</a:t>
+              <a:t>Yazılan elemanı kaldırır.</a:t>
             </a:r>
           </a:p>
           <a:p>
@@ -10046,7 +10006,7 @@
           <p:cNvPr id="5" name="Picture 6" descr="Building Basic Backend Servers with Dart's Core Library - Dart Tutorial  Part 4 — Steemit">
             <a:extLst>
               <a:ext uri="{FF2B5EF4-FFF2-40B4-BE49-F238E27FC236}">
-                <a16:creationId xmlns:a16="http://schemas.microsoft.com/office/drawing/2014/main" id="{56F2F257-1858-46DC-A28C-4228CBF7A0BA}"/>
+                <a16:creationId xmlns:a16="http://schemas.microsoft.com/office/drawing/2014/main" id="{A9D48866-92B9-408D-8F2D-3B57B50865DC}"/>
               </a:ext>
             </a:extLst>
           </p:cNvPr>
@@ -10093,7 +10053,7 @@
           <p:cNvPr id="7" name="Resim 6">
             <a:extLst>
               <a:ext uri="{FF2B5EF4-FFF2-40B4-BE49-F238E27FC236}">
-                <a16:creationId xmlns:a16="http://schemas.microsoft.com/office/drawing/2014/main" id="{F7F59DE5-D734-47EA-90CB-24C86D7447E4}"/>
+                <a16:creationId xmlns:a16="http://schemas.microsoft.com/office/drawing/2014/main" id="{22D52C1F-0173-43F1-ADCE-6835943261DB}"/>
               </a:ext>
             </a:extLst>
           </p:cNvPr>
@@ -10110,8 +10070,8 @@
         </p:blipFill>
         <p:spPr>
           <a:xfrm>
-            <a:off x="1337932" y="2916952"/>
-            <a:ext cx="9516136" cy="1483598"/>
+            <a:off x="463296" y="2808990"/>
+            <a:ext cx="11265407" cy="1489959"/>
           </a:xfrm>
           <a:prstGeom prst="rect">
             <a:avLst/>
@@ -10121,7 +10081,7 @@
     </p:spTree>
     <p:extLst>
       <p:ext uri="{BB962C8B-B14F-4D97-AF65-F5344CB8AC3E}">
-        <p14:creationId xmlns:p14="http://schemas.microsoft.com/office/powerpoint/2010/main" val="8854206"/>
+        <p14:creationId xmlns:p14="http://schemas.microsoft.com/office/powerpoint/2010/main" val="4166983934"/>
       </p:ext>
     </p:extLst>
   </p:cSld>
@@ -10172,7 +10132,7 @@
           <a:p>
             <a:r>
               <a:rPr lang="tr-TR" b="1" dirty="0" err="1"/>
-              <a:t>remove</a:t>
+              <a:t>removeAt</a:t>
             </a:r>
             <a:endParaRPr lang="tr-TR" b="1" dirty="0"/>
           </a:p>
@@ -10201,7 +10161,15 @@
             <a:pPr algn="just"/>
             <a:r>
               <a:rPr lang="tr-TR" dirty="0"/>
-              <a:t>Yazılan elemanı kaldırır.</a:t>
+              <a:t>Belirtilen </a:t>
+            </a:r>
+            <a:r>
+              <a:rPr lang="tr-TR" dirty="0" err="1"/>
+              <a:t>indexteki</a:t>
+            </a:r>
+            <a:r>
+              <a:rPr lang="tr-TR" dirty="0"/>
+              <a:t> elemanı kaldırır.</a:t>
             </a:r>
           </a:p>
           <a:p>
@@ -10223,7 +10191,7 @@
           <p:cNvPr id="5" name="Picture 6" descr="Building Basic Backend Servers with Dart's Core Library - Dart Tutorial  Part 4 — Steemit">
             <a:extLst>
               <a:ext uri="{FF2B5EF4-FFF2-40B4-BE49-F238E27FC236}">
-                <a16:creationId xmlns:a16="http://schemas.microsoft.com/office/drawing/2014/main" id="{A9D48866-92B9-408D-8F2D-3B57B50865DC}"/>
+                <a16:creationId xmlns:a16="http://schemas.microsoft.com/office/drawing/2014/main" id="{CBFD6734-659A-4B77-B292-BD502C8DBB53}"/>
               </a:ext>
             </a:extLst>
           </p:cNvPr>
@@ -10270,7 +10238,7 @@
           <p:cNvPr id="7" name="Resim 6">
             <a:extLst>
               <a:ext uri="{FF2B5EF4-FFF2-40B4-BE49-F238E27FC236}">
-                <a16:creationId xmlns:a16="http://schemas.microsoft.com/office/drawing/2014/main" id="{22D52C1F-0173-43F1-ADCE-6835943261DB}"/>
+                <a16:creationId xmlns:a16="http://schemas.microsoft.com/office/drawing/2014/main" id="{E654AD31-E698-47CD-969B-E2FA18D14BF3}"/>
               </a:ext>
             </a:extLst>
           </p:cNvPr>
@@ -10287,8 +10255,8 @@
         </p:blipFill>
         <p:spPr>
           <a:xfrm>
-            <a:off x="463296" y="2808990"/>
-            <a:ext cx="11265407" cy="1489959"/>
+            <a:off x="642433" y="2724054"/>
+            <a:ext cx="10907133" cy="1555846"/>
           </a:xfrm>
           <a:prstGeom prst="rect">
             <a:avLst/>
@@ -10298,7 +10266,7 @@
     </p:spTree>
     <p:extLst>
       <p:ext uri="{BB962C8B-B14F-4D97-AF65-F5344CB8AC3E}">
-        <p14:creationId xmlns:p14="http://schemas.microsoft.com/office/powerpoint/2010/main" val="4166983934"/>
+        <p14:creationId xmlns:p14="http://schemas.microsoft.com/office/powerpoint/2010/main" val="1558338456"/>
       </p:ext>
     </p:extLst>
   </p:cSld>
@@ -10347,7 +10315,7 @@
           <a:p>
             <a:r>
               <a:rPr lang="tr-TR" b="1" dirty="0"/>
-              <a:t>Dart Hakkında</a:t>
+              <a:t>Yorum Satırı</a:t>
             </a:r>
           </a:p>
         </p:txBody>
@@ -10376,90 +10344,88 @@
           <a:p>
             <a:pPr algn="just"/>
             <a:r>
-              <a:rPr lang="tr-TR" dirty="0"/>
-              <a:t>Dart, Google tarafından geliştirilen ECMA tarafından standart haline getirilen genel amaçlı bir programlama dilidir.</a:t>
-            </a:r>
-          </a:p>
-          <a:p>
-            <a:pPr algn="just"/>
-            <a:r>
-              <a:rPr lang="tr-TR" dirty="0"/>
-              <a:t>Dart dili kullanılarak çapraz-platform web, sunucu, masaüstü, CLI, mobil ve </a:t>
-            </a:r>
-            <a:r>
-              <a:rPr lang="tr-TR" dirty="0" err="1"/>
-              <a:t>IoT</a:t>
-            </a:r>
-            <a:r>
-              <a:rPr lang="tr-TR" dirty="0"/>
-              <a:t> uygulamalar </a:t>
-            </a:r>
-            <a:r>
-              <a:rPr lang="tr-TR" dirty="0" err="1"/>
-              <a:t>gelitirilebilir</a:t>
-            </a:r>
-            <a:r>
-              <a:rPr lang="tr-TR" dirty="0"/>
-              <a:t>.</a:t>
-            </a:r>
-          </a:p>
-          <a:p>
-            <a:pPr algn="just"/>
-            <a:r>
-              <a:rPr lang="tr-TR" dirty="0" err="1"/>
-              <a:t>Lars</a:t>
-            </a:r>
-            <a:r>
-              <a:rPr lang="tr-TR" dirty="0"/>
-              <a:t> Bak ve </a:t>
-            </a:r>
-            <a:r>
-              <a:rPr lang="tr-TR" dirty="0" err="1"/>
-              <a:t>Kasper</a:t>
-            </a:r>
-            <a:r>
-              <a:rPr lang="tr-TR" dirty="0"/>
-              <a:t> Lund tarafından 14 Kasım 2013 tarihinde tasarlanmıştır.</a:t>
-            </a:r>
-          </a:p>
-          <a:p>
-            <a:pPr algn="just"/>
-            <a:r>
-              <a:rPr lang="tr-TR" dirty="0"/>
-              <a:t>Dosya uzantısı .dart şeklindedir.</a:t>
-            </a:r>
-          </a:p>
-          <a:p>
-            <a:pPr algn="just"/>
-            <a:r>
-              <a:rPr lang="tr-TR" dirty="0"/>
-              <a:t>dart2js ile </a:t>
-            </a:r>
-            <a:r>
-              <a:rPr lang="tr-TR" dirty="0" err="1"/>
-              <a:t>JavaScript</a:t>
-            </a:r>
-            <a:r>
-              <a:rPr lang="tr-TR" dirty="0"/>
-              <a:t> koduna çevrilebilir ve dart2native ile </a:t>
-            </a:r>
-            <a:r>
-              <a:rPr lang="tr-TR" dirty="0" err="1"/>
-              <a:t>native</a:t>
-            </a:r>
-            <a:r>
-              <a:rPr lang="tr-TR" dirty="0"/>
-              <a:t> uygulama olarak derlenebilir.</a:t>
+              <a:rPr lang="tr-TR" sz="2400" dirty="0"/>
+              <a:t>Yorum satırı derleyici tarafından işlenmez. Yani görmezden gelinir. Bu bölüme kendiniz için açıklama vs. bilgiler yazabilirsiniz. </a:t>
+            </a:r>
+            <a:r>
+              <a:rPr lang="tr-TR" sz="2400" dirty="0" err="1"/>
+              <a:t>Dart’ta</a:t>
+            </a:r>
+            <a:r>
+              <a:rPr lang="tr-TR" sz="2400" dirty="0"/>
+              <a:t> yorum satırı oluşturmak için 2 yöntem mevcuttur.</a:t>
+            </a:r>
+          </a:p>
+          <a:p>
+            <a:pPr algn="just"/>
+            <a:r>
+              <a:rPr lang="tr-TR" sz="2400" b="1" dirty="0"/>
+              <a:t>// Çift Taksim Yöntemi</a:t>
+            </a:r>
+          </a:p>
+          <a:p>
+            <a:pPr algn="just"/>
+            <a:r>
+              <a:rPr lang="tr-TR" sz="2400" b="1" dirty="0"/>
+              <a:t> /* */ Taksim-Yıldız Yöntemi</a:t>
             </a:r>
           </a:p>
         </p:txBody>
       </p:sp>
       <p:pic>
         <p:nvPicPr>
-          <p:cNvPr id="4" name="Picture 6" descr="Building Basic Backend Servers with Dart's Core Library - Dart Tutorial  Part 4 — Steemit">
+          <p:cNvPr id="4" name="Resim 3"/>
+          <p:cNvPicPr>
+            <a:picLocks noChangeAspect="1"/>
+          </p:cNvPicPr>
+          <p:nvPr/>
+        </p:nvPicPr>
+        <p:blipFill>
+          <a:blip r:embed="rId2"/>
+          <a:stretch>
+            <a:fillRect/>
+          </a:stretch>
+        </p:blipFill>
+        <p:spPr>
+          <a:xfrm>
+            <a:off x="838200" y="3943448"/>
+            <a:ext cx="5466449" cy="700389"/>
+          </a:xfrm>
+          <a:prstGeom prst="rect">
+            <a:avLst/>
+          </a:prstGeom>
+        </p:spPr>
+      </p:pic>
+      <p:pic>
+        <p:nvPicPr>
+          <p:cNvPr id="5" name="Resim 4"/>
+          <p:cNvPicPr>
+            <a:picLocks noChangeAspect="1"/>
+          </p:cNvPicPr>
+          <p:nvPr/>
+        </p:nvPicPr>
+        <p:blipFill>
+          <a:blip r:embed="rId3"/>
+          <a:stretch>
+            <a:fillRect/>
+          </a:stretch>
+        </p:blipFill>
+        <p:spPr>
+          <a:xfrm>
+            <a:off x="8264206" y="3661710"/>
+            <a:ext cx="2997065" cy="1471932"/>
+          </a:xfrm>
+          <a:prstGeom prst="rect">
+            <a:avLst/>
+          </a:prstGeom>
+        </p:spPr>
+      </p:pic>
+      <p:pic>
+        <p:nvPicPr>
+          <p:cNvPr id="6" name="Picture 6" descr="Building Basic Backend Servers with Dart's Core Library - Dart Tutorial  Part 4 — Steemit">
             <a:extLst>
               <a:ext uri="{FF2B5EF4-FFF2-40B4-BE49-F238E27FC236}">
-                <a16:creationId xmlns:a16="http://schemas.microsoft.com/office/drawing/2014/main" id="{941EA24A-DA73-46FF-ACDC-04D1164EAE0D}"/>
+                <a16:creationId xmlns:a16="http://schemas.microsoft.com/office/drawing/2014/main" id="{1CF19913-4B99-4B8F-BA8F-C745E151424E}"/>
               </a:ext>
             </a:extLst>
           </p:cNvPr>
@@ -10469,7 +10435,7 @@
           <p:nvPr/>
         </p:nvPicPr>
         <p:blipFill>
-          <a:blip r:embed="rId2">
+          <a:blip r:embed="rId4">
             <a:extLst>
               <a:ext uri="{28A0092B-C50C-407E-A947-70E740481C1C}">
                 <a14:useLocalDpi xmlns:a14="http://schemas.microsoft.com/office/drawing/2010/main" val="0"/>
@@ -10504,7 +10470,7 @@
     </p:spTree>
     <p:extLst>
       <p:ext uri="{BB962C8B-B14F-4D97-AF65-F5344CB8AC3E}">
-        <p14:creationId xmlns:p14="http://schemas.microsoft.com/office/powerpoint/2010/main" val="155898500"/>
+        <p14:creationId xmlns:p14="http://schemas.microsoft.com/office/powerpoint/2010/main" val="2333692907"/>
       </p:ext>
     </p:extLst>
   </p:cSld>
@@ -10548,14 +10514,12 @@
           </a:xfrm>
         </p:spPr>
         <p:txBody>
-          <a:bodyPr>
-            <a:normAutofit/>
-          </a:bodyPr>
+          <a:bodyPr/>
           <a:lstStyle/>
           <a:p>
             <a:r>
               <a:rPr lang="tr-TR" b="1" dirty="0" err="1"/>
-              <a:t>removeAt</a:t>
+              <a:t>removeLast</a:t>
             </a:r>
             <a:endParaRPr lang="tr-TR" b="1" dirty="0"/>
           </a:p>
@@ -10583,16 +10547,12 @@
           <a:p>
             <a:pPr algn="just"/>
             <a:r>
+              <a:rPr lang="tr-TR" dirty="0" err="1"/>
+              <a:t>List'in</a:t>
+            </a:r>
+            <a:r>
               <a:rPr lang="tr-TR" dirty="0"/>
-              <a:t>Belirtilen </a:t>
-            </a:r>
-            <a:r>
-              <a:rPr lang="tr-TR" dirty="0" err="1"/>
-              <a:t>indexteki</a:t>
-            </a:r>
-            <a:r>
-              <a:rPr lang="tr-TR" dirty="0"/>
-              <a:t> elemanı kaldırır.</a:t>
+              <a:t> son elemanını kaldırır.</a:t>
             </a:r>
           </a:p>
           <a:p>
@@ -10614,7 +10574,7 @@
           <p:cNvPr id="5" name="Picture 6" descr="Building Basic Backend Servers with Dart's Core Library - Dart Tutorial  Part 4 — Steemit">
             <a:extLst>
               <a:ext uri="{FF2B5EF4-FFF2-40B4-BE49-F238E27FC236}">
-                <a16:creationId xmlns:a16="http://schemas.microsoft.com/office/drawing/2014/main" id="{CBFD6734-659A-4B77-B292-BD502C8DBB53}"/>
+                <a16:creationId xmlns:a16="http://schemas.microsoft.com/office/drawing/2014/main" id="{E922CF0D-9DFD-498A-9958-B0DCC4BEDE3E}"/>
               </a:ext>
             </a:extLst>
           </p:cNvPr>
@@ -10661,7 +10621,7 @@
           <p:cNvPr id="7" name="Resim 6">
             <a:extLst>
               <a:ext uri="{FF2B5EF4-FFF2-40B4-BE49-F238E27FC236}">
-                <a16:creationId xmlns:a16="http://schemas.microsoft.com/office/drawing/2014/main" id="{E654AD31-E698-47CD-969B-E2FA18D14BF3}"/>
+                <a16:creationId xmlns:a16="http://schemas.microsoft.com/office/drawing/2014/main" id="{850195F4-1E29-4170-B90E-446EB7279DDF}"/>
               </a:ext>
             </a:extLst>
           </p:cNvPr>
@@ -10678,8 +10638,8 @@
         </p:blipFill>
         <p:spPr>
           <a:xfrm>
-            <a:off x="642433" y="2724054"/>
-            <a:ext cx="10907133" cy="1555846"/>
+            <a:off x="817308" y="2811370"/>
+            <a:ext cx="10557384" cy="1455830"/>
           </a:xfrm>
           <a:prstGeom prst="rect">
             <a:avLst/>
@@ -10689,7 +10649,7 @@
     </p:spTree>
     <p:extLst>
       <p:ext uri="{BB962C8B-B14F-4D97-AF65-F5344CB8AC3E}">
-        <p14:creationId xmlns:p14="http://schemas.microsoft.com/office/powerpoint/2010/main" val="1558338456"/>
+        <p14:creationId xmlns:p14="http://schemas.microsoft.com/office/powerpoint/2010/main" val="3433369616"/>
       </p:ext>
     </p:extLst>
   </p:cSld>
@@ -10733,12 +10693,14 @@
           </a:xfrm>
         </p:spPr>
         <p:txBody>
-          <a:bodyPr/>
+          <a:bodyPr>
+            <a:normAutofit/>
+          </a:bodyPr>
           <a:lstStyle/>
           <a:p>
             <a:r>
               <a:rPr lang="tr-TR" b="1" dirty="0" err="1"/>
-              <a:t>removeLast</a:t>
+              <a:t>removeRange</a:t>
             </a:r>
             <a:endParaRPr lang="tr-TR" b="1" dirty="0"/>
           </a:p>
@@ -10766,17 +10728,9 @@
           <a:p>
             <a:pPr algn="just"/>
             <a:r>
-              <a:rPr lang="tr-TR" dirty="0" err="1"/>
-              <a:t>List'in</a:t>
-            </a:r>
-            <a:r>
               <a:rPr lang="tr-TR" dirty="0"/>
-              <a:t> son elemanını kaldırır.</a:t>
-            </a:r>
-          </a:p>
-          <a:p>
-            <a:pPr algn="just"/>
-            <a:endParaRPr lang="tr-TR" dirty="0"/>
+              <a:t>Belirlenen aralığı kaldırır.</a:t>
+            </a:r>
           </a:p>
           <a:p>
             <a:pPr algn="just"/>
@@ -10793,7 +10747,7 @@
           <p:cNvPr id="5" name="Picture 6" descr="Building Basic Backend Servers with Dart's Core Library - Dart Tutorial  Part 4 — Steemit">
             <a:extLst>
               <a:ext uri="{FF2B5EF4-FFF2-40B4-BE49-F238E27FC236}">
-                <a16:creationId xmlns:a16="http://schemas.microsoft.com/office/drawing/2014/main" id="{E922CF0D-9DFD-498A-9958-B0DCC4BEDE3E}"/>
+                <a16:creationId xmlns:a16="http://schemas.microsoft.com/office/drawing/2014/main" id="{0EF7241D-40CB-4B09-B439-36AD9D42C1FE}"/>
               </a:ext>
             </a:extLst>
           </p:cNvPr>
@@ -10840,7 +10794,7 @@
           <p:cNvPr id="7" name="Resim 6">
             <a:extLst>
               <a:ext uri="{FF2B5EF4-FFF2-40B4-BE49-F238E27FC236}">
-                <a16:creationId xmlns:a16="http://schemas.microsoft.com/office/drawing/2014/main" id="{850195F4-1E29-4170-B90E-446EB7279DDF}"/>
+                <a16:creationId xmlns:a16="http://schemas.microsoft.com/office/drawing/2014/main" id="{4333BE1A-08D4-4E54-971C-5EB6D14BFF80}"/>
               </a:ext>
             </a:extLst>
           </p:cNvPr>
@@ -10857,8 +10811,8 @@
         </p:blipFill>
         <p:spPr>
           <a:xfrm>
-            <a:off x="817308" y="2811370"/>
-            <a:ext cx="10557384" cy="1455830"/>
+            <a:off x="1692454" y="2762157"/>
+            <a:ext cx="8807092" cy="1333686"/>
           </a:xfrm>
           <a:prstGeom prst="rect">
             <a:avLst/>
@@ -10868,7 +10822,7 @@
     </p:spTree>
     <p:extLst>
       <p:ext uri="{BB962C8B-B14F-4D97-AF65-F5344CB8AC3E}">
-        <p14:creationId xmlns:p14="http://schemas.microsoft.com/office/powerpoint/2010/main" val="3433369616"/>
+        <p14:creationId xmlns:p14="http://schemas.microsoft.com/office/powerpoint/2010/main" val="1063054052"/>
       </p:ext>
     </p:extLst>
   </p:cSld>
@@ -10919,7 +10873,7 @@
           <a:p>
             <a:r>
               <a:rPr lang="tr-TR" b="1" dirty="0" err="1"/>
-              <a:t>removeRange</a:t>
+              <a:t>replaceRange</a:t>
             </a:r>
             <a:endParaRPr lang="tr-TR" b="1" dirty="0"/>
           </a:p>
@@ -10948,7 +10902,7 @@
             <a:pPr algn="just"/>
             <a:r>
               <a:rPr lang="tr-TR" dirty="0"/>
-              <a:t>Belirlenen aralığı kaldırır.</a:t>
+              <a:t>Belirtilen aralığı değiştirir.</a:t>
             </a:r>
           </a:p>
           <a:p>
@@ -10966,7 +10920,7 @@
           <p:cNvPr id="5" name="Picture 6" descr="Building Basic Backend Servers with Dart's Core Library - Dart Tutorial  Part 4 — Steemit">
             <a:extLst>
               <a:ext uri="{FF2B5EF4-FFF2-40B4-BE49-F238E27FC236}">
-                <a16:creationId xmlns:a16="http://schemas.microsoft.com/office/drawing/2014/main" id="{0EF7241D-40CB-4B09-B439-36AD9D42C1FE}"/>
+                <a16:creationId xmlns:a16="http://schemas.microsoft.com/office/drawing/2014/main" id="{D57A91DF-1FD8-4CB1-B966-520AAF81E42D}"/>
               </a:ext>
             </a:extLst>
           </p:cNvPr>
@@ -11013,7 +10967,7 @@
           <p:cNvPr id="7" name="Resim 6">
             <a:extLst>
               <a:ext uri="{FF2B5EF4-FFF2-40B4-BE49-F238E27FC236}">
-                <a16:creationId xmlns:a16="http://schemas.microsoft.com/office/drawing/2014/main" id="{4333BE1A-08D4-4E54-971C-5EB6D14BFF80}"/>
+                <a16:creationId xmlns:a16="http://schemas.microsoft.com/office/drawing/2014/main" id="{FB266C79-9F56-4DEF-B584-DB428FDF8908}"/>
               </a:ext>
             </a:extLst>
           </p:cNvPr>
@@ -11030,8 +10984,8 @@
         </p:blipFill>
         <p:spPr>
           <a:xfrm>
-            <a:off x="1692454" y="2762157"/>
-            <a:ext cx="8807092" cy="1333686"/>
+            <a:off x="723150" y="2716907"/>
+            <a:ext cx="10745700" cy="1424186"/>
           </a:xfrm>
           <a:prstGeom prst="rect">
             <a:avLst/>
@@ -11041,7 +10995,7 @@
     </p:spTree>
     <p:extLst>
       <p:ext uri="{BB962C8B-B14F-4D97-AF65-F5344CB8AC3E}">
-        <p14:creationId xmlns:p14="http://schemas.microsoft.com/office/powerpoint/2010/main" val="1063054052"/>
+        <p14:creationId xmlns:p14="http://schemas.microsoft.com/office/powerpoint/2010/main" val="1058429281"/>
       </p:ext>
     </p:extLst>
   </p:cSld>
@@ -11085,14 +11039,12 @@
           </a:xfrm>
         </p:spPr>
         <p:txBody>
-          <a:bodyPr>
-            <a:normAutofit/>
-          </a:bodyPr>
+          <a:bodyPr/>
           <a:lstStyle/>
           <a:p>
             <a:r>
               <a:rPr lang="tr-TR" b="1" dirty="0" err="1"/>
-              <a:t>replaceRange</a:t>
+              <a:t>setAll</a:t>
             </a:r>
             <a:endParaRPr lang="tr-TR" b="1" dirty="0"/>
           </a:p>
@@ -11121,8 +11073,28 @@
             <a:pPr algn="just"/>
             <a:r>
               <a:rPr lang="tr-TR" dirty="0"/>
-              <a:t>Belirtilen aralığı değiştirir.</a:t>
-            </a:r>
+              <a:t>Belirtilen </a:t>
+            </a:r>
+            <a:r>
+              <a:rPr lang="tr-TR" dirty="0" err="1"/>
+              <a:t>indexten</a:t>
+            </a:r>
+            <a:r>
+              <a:rPr lang="tr-TR" dirty="0"/>
+              <a:t> itibaren belirtilen </a:t>
+            </a:r>
+            <a:r>
+              <a:rPr lang="tr-TR" dirty="0" err="1"/>
+              <a:t>List</a:t>
+            </a:r>
+            <a:r>
+              <a:rPr lang="tr-TR" dirty="0"/>
+              <a:t> elemanlarının atanması.</a:t>
+            </a:r>
+          </a:p>
+          <a:p>
+            <a:pPr algn="just"/>
+            <a:endParaRPr lang="tr-TR" dirty="0"/>
           </a:p>
           <a:p>
             <a:pPr algn="just"/>
@@ -11139,7 +11111,7 @@
           <p:cNvPr id="5" name="Picture 6" descr="Building Basic Backend Servers with Dart's Core Library - Dart Tutorial  Part 4 — Steemit">
             <a:extLst>
               <a:ext uri="{FF2B5EF4-FFF2-40B4-BE49-F238E27FC236}">
-                <a16:creationId xmlns:a16="http://schemas.microsoft.com/office/drawing/2014/main" id="{D57A91DF-1FD8-4CB1-B966-520AAF81E42D}"/>
+                <a16:creationId xmlns:a16="http://schemas.microsoft.com/office/drawing/2014/main" id="{2546338A-2343-40D3-AB7B-B69A908A0933}"/>
               </a:ext>
             </a:extLst>
           </p:cNvPr>
@@ -11186,7 +11158,7 @@
           <p:cNvPr id="7" name="Resim 6">
             <a:extLst>
               <a:ext uri="{FF2B5EF4-FFF2-40B4-BE49-F238E27FC236}">
-                <a16:creationId xmlns:a16="http://schemas.microsoft.com/office/drawing/2014/main" id="{FB266C79-9F56-4DEF-B584-DB428FDF8908}"/>
+                <a16:creationId xmlns:a16="http://schemas.microsoft.com/office/drawing/2014/main" id="{5D56C209-DA43-49C9-B99F-AD40C1F48869}"/>
               </a:ext>
             </a:extLst>
           </p:cNvPr>
@@ -11203,8 +11175,8 @@
         </p:blipFill>
         <p:spPr>
           <a:xfrm>
-            <a:off x="723150" y="2716907"/>
-            <a:ext cx="10745700" cy="1424186"/>
+            <a:off x="1006558" y="2654985"/>
+            <a:ext cx="10178883" cy="1548029"/>
           </a:xfrm>
           <a:prstGeom prst="rect">
             <a:avLst/>
@@ -11214,7 +11186,7 @@
     </p:spTree>
     <p:extLst>
       <p:ext uri="{BB962C8B-B14F-4D97-AF65-F5344CB8AC3E}">
-        <p14:creationId xmlns:p14="http://schemas.microsoft.com/office/powerpoint/2010/main" val="1058429281"/>
+        <p14:creationId xmlns:p14="http://schemas.microsoft.com/office/powerpoint/2010/main" val="3024825683"/>
       </p:ext>
     </p:extLst>
   </p:cSld>
@@ -11258,12 +11230,14 @@
           </a:xfrm>
         </p:spPr>
         <p:txBody>
-          <a:bodyPr/>
+          <a:bodyPr>
+            <a:normAutofit/>
+          </a:bodyPr>
           <a:lstStyle/>
           <a:p>
             <a:r>
               <a:rPr lang="tr-TR" b="1" dirty="0" err="1"/>
-              <a:t>setAll</a:t>
+              <a:t>setRange</a:t>
             </a:r>
             <a:endParaRPr lang="tr-TR" b="1" dirty="0"/>
           </a:p>
@@ -11289,34 +11263,18 @@
           <a:bodyPr/>
           <a:lstStyle/>
           <a:p>
-            <a:pPr algn="just"/>
             <a:r>
               <a:rPr lang="tr-TR" dirty="0"/>
-              <a:t>Belirtilen </a:t>
-            </a:r>
-            <a:r>
-              <a:rPr lang="tr-TR" dirty="0" err="1"/>
-              <a:t>indexten</a:t>
-            </a:r>
-            <a:r>
+              <a:t>Belirtilen aralığa atama.</a:t>
+            </a:r>
+          </a:p>
+          <a:p>
+            <a:pPr marL="0" indent="0">
+              <a:buNone/>
+            </a:pPr>
+            <a:br>
               <a:rPr lang="tr-TR" dirty="0"/>
-              <a:t> itibaren belirtilen </a:t>
-            </a:r>
-            <a:r>
-              <a:rPr lang="tr-TR" dirty="0" err="1"/>
-              <a:t>List</a:t>
-            </a:r>
-            <a:r>
-              <a:rPr lang="tr-TR" dirty="0"/>
-              <a:t> elemanlarının atanması.</a:t>
-            </a:r>
-          </a:p>
-          <a:p>
-            <a:pPr algn="just"/>
-            <a:endParaRPr lang="tr-TR" dirty="0"/>
-          </a:p>
-          <a:p>
-            <a:pPr algn="just"/>
+            </a:br>
             <a:endParaRPr lang="tr-TR" dirty="0"/>
           </a:p>
           <a:p>
@@ -11330,7 +11288,7 @@
           <p:cNvPr id="5" name="Picture 6" descr="Building Basic Backend Servers with Dart's Core Library - Dart Tutorial  Part 4 — Steemit">
             <a:extLst>
               <a:ext uri="{FF2B5EF4-FFF2-40B4-BE49-F238E27FC236}">
-                <a16:creationId xmlns:a16="http://schemas.microsoft.com/office/drawing/2014/main" id="{2546338A-2343-40D3-AB7B-B69A908A0933}"/>
+                <a16:creationId xmlns:a16="http://schemas.microsoft.com/office/drawing/2014/main" id="{1AEF733E-76D9-4A0F-862E-9CE5CEAD1C6F}"/>
               </a:ext>
             </a:extLst>
           </p:cNvPr>
@@ -11377,7 +11335,7 @@
           <p:cNvPr id="7" name="Resim 6">
             <a:extLst>
               <a:ext uri="{FF2B5EF4-FFF2-40B4-BE49-F238E27FC236}">
-                <a16:creationId xmlns:a16="http://schemas.microsoft.com/office/drawing/2014/main" id="{5D56C209-DA43-49C9-B99F-AD40C1F48869}"/>
+                <a16:creationId xmlns:a16="http://schemas.microsoft.com/office/drawing/2014/main" id="{69D50009-FBFA-423B-8652-78B38C13293E}"/>
               </a:ext>
             </a:extLst>
           </p:cNvPr>
@@ -11394,8 +11352,8 @@
         </p:blipFill>
         <p:spPr>
           <a:xfrm>
-            <a:off x="1006558" y="2654985"/>
-            <a:ext cx="10178883" cy="1548029"/>
+            <a:off x="963690" y="2755012"/>
+            <a:ext cx="10264620" cy="1347976"/>
           </a:xfrm>
           <a:prstGeom prst="rect">
             <a:avLst/>
@@ -11405,7 +11363,7 @@
     </p:spTree>
     <p:extLst>
       <p:ext uri="{BB962C8B-B14F-4D97-AF65-F5344CB8AC3E}">
-        <p14:creationId xmlns:p14="http://schemas.microsoft.com/office/powerpoint/2010/main" val="3024825683"/>
+        <p14:creationId xmlns:p14="http://schemas.microsoft.com/office/powerpoint/2010/main" val="4119441162"/>
       </p:ext>
     </p:extLst>
   </p:cSld>
@@ -11456,7 +11414,7 @@
           <a:p>
             <a:r>
               <a:rPr lang="tr-TR" b="1" dirty="0" err="1"/>
-              <a:t>setRange</a:t>
+              <a:t>shuffle</a:t>
             </a:r>
             <a:endParaRPr lang="tr-TR" b="1" dirty="0"/>
           </a:p>
@@ -11482,18 +11440,22 @@
           <a:bodyPr/>
           <a:lstStyle/>
           <a:p>
+            <a:pPr algn="just"/>
+            <a:r>
+              <a:rPr lang="tr-TR" dirty="0" err="1"/>
+              <a:t>List'i</a:t>
+            </a:r>
             <a:r>
               <a:rPr lang="tr-TR" dirty="0"/>
-              <a:t>Belirtilen aralığa atama.</a:t>
-            </a:r>
-          </a:p>
-          <a:p>
-            <a:pPr marL="0" indent="0">
-              <a:buNone/>
-            </a:pPr>
-            <a:br>
-              <a:rPr lang="tr-TR" dirty="0"/>
-            </a:br>
+              <a:t> rastgele olarak karıştırır.</a:t>
+            </a:r>
+          </a:p>
+          <a:p>
+            <a:pPr algn="just"/>
+            <a:endParaRPr lang="tr-TR" dirty="0"/>
+          </a:p>
+          <a:p>
+            <a:pPr algn="just"/>
             <a:endParaRPr lang="tr-TR" dirty="0"/>
           </a:p>
           <a:p>
@@ -11504,10 +11466,10 @@
       </p:sp>
       <p:pic>
         <p:nvPicPr>
-          <p:cNvPr id="5" name="Picture 6" descr="Building Basic Backend Servers with Dart's Core Library - Dart Tutorial  Part 4 — Steemit">
+          <p:cNvPr id="6" name="Picture 6" descr="Building Basic Backend Servers with Dart's Core Library - Dart Tutorial  Part 4 — Steemit">
             <a:extLst>
               <a:ext uri="{FF2B5EF4-FFF2-40B4-BE49-F238E27FC236}">
-                <a16:creationId xmlns:a16="http://schemas.microsoft.com/office/drawing/2014/main" id="{1AEF733E-76D9-4A0F-862E-9CE5CEAD1C6F}"/>
+                <a16:creationId xmlns:a16="http://schemas.microsoft.com/office/drawing/2014/main" id="{9605582D-6CD9-40C3-AB39-7B7991392626}"/>
               </a:ext>
             </a:extLst>
           </p:cNvPr>
@@ -11554,7 +11516,7 @@
           <p:cNvPr id="7" name="Resim 6">
             <a:extLst>
               <a:ext uri="{FF2B5EF4-FFF2-40B4-BE49-F238E27FC236}">
-                <a16:creationId xmlns:a16="http://schemas.microsoft.com/office/drawing/2014/main" id="{69D50009-FBFA-423B-8652-78B38C13293E}"/>
+                <a16:creationId xmlns:a16="http://schemas.microsoft.com/office/drawing/2014/main" id="{B4513678-B817-4914-9C44-DA7995F8D76D}"/>
               </a:ext>
             </a:extLst>
           </p:cNvPr>
@@ -11571,8 +11533,8 @@
         </p:blipFill>
         <p:spPr>
           <a:xfrm>
-            <a:off x="963690" y="2755012"/>
-            <a:ext cx="10264620" cy="1347976"/>
+            <a:off x="987506" y="2764538"/>
+            <a:ext cx="10216988" cy="1328923"/>
           </a:xfrm>
           <a:prstGeom prst="rect">
             <a:avLst/>
@@ -11582,7 +11544,7 @@
     </p:spTree>
     <p:extLst>
       <p:ext uri="{BB962C8B-B14F-4D97-AF65-F5344CB8AC3E}">
-        <p14:creationId xmlns:p14="http://schemas.microsoft.com/office/powerpoint/2010/main" val="4119441162"/>
+        <p14:creationId xmlns:p14="http://schemas.microsoft.com/office/powerpoint/2010/main" val="3818834959"/>
       </p:ext>
     </p:extLst>
   </p:cSld>
@@ -11633,7 +11595,7 @@
           <a:p>
             <a:r>
               <a:rPr lang="tr-TR" b="1" dirty="0" err="1"/>
-              <a:t>shuffle</a:t>
+              <a:t>sort</a:t>
             </a:r>
             <a:endParaRPr lang="tr-TR" b="1" dirty="0"/>
           </a:p>
@@ -11661,17 +11623,13 @@
           <a:p>
             <a:pPr algn="just"/>
             <a:r>
-              <a:rPr lang="tr-TR" dirty="0" err="1"/>
-              <a:t>List'i</a:t>
-            </a:r>
-            <a:r>
-              <a:rPr lang="tr-TR" dirty="0"/>
-              <a:t> rastgele olarak karıştırır.</a:t>
-            </a:r>
-          </a:p>
-          <a:p>
-            <a:pPr algn="just"/>
-            <a:endParaRPr lang="tr-TR" dirty="0"/>
+              <a:rPr lang="sv-SE" dirty="0"/>
+              <a:t>List'i veri tipine göre sıralar.</a:t>
+            </a:r>
+          </a:p>
+          <a:p>
+            <a:pPr algn="just"/>
+            <a:endParaRPr lang="sv-SE" dirty="0"/>
           </a:p>
           <a:p>
             <a:pPr algn="just"/>
@@ -11685,10 +11643,10 @@
       </p:sp>
       <p:pic>
         <p:nvPicPr>
-          <p:cNvPr id="6" name="Picture 6" descr="Building Basic Backend Servers with Dart's Core Library - Dart Tutorial  Part 4 — Steemit">
+          <p:cNvPr id="5" name="Picture 6" descr="Building Basic Backend Servers with Dart's Core Library - Dart Tutorial  Part 4 — Steemit">
             <a:extLst>
               <a:ext uri="{FF2B5EF4-FFF2-40B4-BE49-F238E27FC236}">
-                <a16:creationId xmlns:a16="http://schemas.microsoft.com/office/drawing/2014/main" id="{9605582D-6CD9-40C3-AB39-7B7991392626}"/>
+                <a16:creationId xmlns:a16="http://schemas.microsoft.com/office/drawing/2014/main" id="{78AED9FA-94CA-488E-97DD-F21CF9A1921E}"/>
               </a:ext>
             </a:extLst>
           </p:cNvPr>
@@ -11735,7 +11693,7 @@
           <p:cNvPr id="7" name="Resim 6">
             <a:extLst>
               <a:ext uri="{FF2B5EF4-FFF2-40B4-BE49-F238E27FC236}">
-                <a16:creationId xmlns:a16="http://schemas.microsoft.com/office/drawing/2014/main" id="{B4513678-B817-4914-9C44-DA7995F8D76D}"/>
+                <a16:creationId xmlns:a16="http://schemas.microsoft.com/office/drawing/2014/main" id="{45F198E2-60A9-49D5-A960-D3BEF463F429}"/>
               </a:ext>
             </a:extLst>
           </p:cNvPr>
@@ -11752,8 +11710,8 @@
         </p:blipFill>
         <p:spPr>
           <a:xfrm>
-            <a:off x="987506" y="2764538"/>
-            <a:ext cx="10216988" cy="1328923"/>
+            <a:off x="987506" y="2721670"/>
+            <a:ext cx="10216988" cy="1414660"/>
           </a:xfrm>
           <a:prstGeom prst="rect">
             <a:avLst/>
@@ -11763,7 +11721,7 @@
     </p:spTree>
     <p:extLst>
       <p:ext uri="{BB962C8B-B14F-4D97-AF65-F5344CB8AC3E}">
-        <p14:creationId xmlns:p14="http://schemas.microsoft.com/office/powerpoint/2010/main" val="3818834959"/>
+        <p14:creationId xmlns:p14="http://schemas.microsoft.com/office/powerpoint/2010/main" val="285421416"/>
       </p:ext>
     </p:extLst>
   </p:cSld>
@@ -11814,7 +11772,7 @@
           <a:p>
             <a:r>
               <a:rPr lang="tr-TR" b="1" dirty="0" err="1"/>
-              <a:t>sort</a:t>
+              <a:t>sublist</a:t>
             </a:r>
             <a:endParaRPr lang="tr-TR" b="1" dirty="0"/>
           </a:p>
@@ -11842,13 +11800,25 @@
           <a:p>
             <a:pPr algn="just"/>
             <a:r>
-              <a:rPr lang="sv-SE" dirty="0"/>
-              <a:t>List'i veri tipine göre sıralar.</a:t>
-            </a:r>
-          </a:p>
-          <a:p>
-            <a:pPr algn="just"/>
-            <a:endParaRPr lang="sv-SE" dirty="0"/>
+              <a:rPr lang="tr-TR" dirty="0" err="1"/>
+              <a:t>List'i</a:t>
+            </a:r>
+            <a:r>
+              <a:rPr lang="tr-TR" dirty="0"/>
+              <a:t> verilen </a:t>
+            </a:r>
+            <a:r>
+              <a:rPr lang="tr-TR" dirty="0" err="1"/>
+              <a:t>indexten</a:t>
+            </a:r>
+            <a:r>
+              <a:rPr lang="tr-TR" dirty="0"/>
+              <a:t> başlatır.</a:t>
+            </a:r>
+          </a:p>
+          <a:p>
+            <a:pPr algn="just"/>
+            <a:endParaRPr lang="tr-TR" dirty="0"/>
           </a:p>
           <a:p>
             <a:pPr algn="just"/>
@@ -11865,7 +11835,7 @@
           <p:cNvPr id="5" name="Picture 6" descr="Building Basic Backend Servers with Dart's Core Library - Dart Tutorial  Part 4 — Steemit">
             <a:extLst>
               <a:ext uri="{FF2B5EF4-FFF2-40B4-BE49-F238E27FC236}">
-                <a16:creationId xmlns:a16="http://schemas.microsoft.com/office/drawing/2014/main" id="{78AED9FA-94CA-488E-97DD-F21CF9A1921E}"/>
+                <a16:creationId xmlns:a16="http://schemas.microsoft.com/office/drawing/2014/main" id="{BFD3285E-154A-42F2-9C3E-BB33CF576574}"/>
               </a:ext>
             </a:extLst>
           </p:cNvPr>
@@ -11912,7 +11882,7 @@
           <p:cNvPr id="7" name="Resim 6">
             <a:extLst>
               <a:ext uri="{FF2B5EF4-FFF2-40B4-BE49-F238E27FC236}">
-                <a16:creationId xmlns:a16="http://schemas.microsoft.com/office/drawing/2014/main" id="{45F198E2-60A9-49D5-A960-D3BEF463F429}"/>
+                <a16:creationId xmlns:a16="http://schemas.microsoft.com/office/drawing/2014/main" id="{113139A9-214F-4855-8ABC-95BC022620CB}"/>
               </a:ext>
             </a:extLst>
           </p:cNvPr>
@@ -11929,8 +11899,8 @@
         </p:blipFill>
         <p:spPr>
           <a:xfrm>
-            <a:off x="987506" y="2721670"/>
-            <a:ext cx="10216988" cy="1414660"/>
+            <a:off x="1723415" y="2835986"/>
+            <a:ext cx="8745170" cy="1186028"/>
           </a:xfrm>
           <a:prstGeom prst="rect">
             <a:avLst/>
@@ -11940,7 +11910,7 @@
     </p:spTree>
     <p:extLst>
       <p:ext uri="{BB962C8B-B14F-4D97-AF65-F5344CB8AC3E}">
-        <p14:creationId xmlns:p14="http://schemas.microsoft.com/office/powerpoint/2010/main" val="285421416"/>
+        <p14:creationId xmlns:p14="http://schemas.microsoft.com/office/powerpoint/2010/main" val="2488972371"/>
       </p:ext>
     </p:extLst>
   </p:cSld>
@@ -11984,56 +11954,121 @@
           </a:xfrm>
         </p:spPr>
         <p:txBody>
+          <a:bodyPr/>
+          <a:lstStyle/>
+          <a:p>
+            <a:r>
+              <a:rPr lang="tr-TR" b="1" dirty="0" err="1"/>
+              <a:t>Map</a:t>
+            </a:r>
+            <a:r>
+              <a:rPr lang="tr-TR" b="1" dirty="0"/>
+              <a:t> Yapısı</a:t>
+            </a:r>
+          </a:p>
+        </p:txBody>
+      </p:sp>
+      <p:sp>
+        <p:nvSpPr>
+          <p:cNvPr id="3" name="İçerik Yer Tutucusu 2"/>
+          <p:cNvSpPr>
+            <a:spLocks noGrp="1"/>
+          </p:cNvSpPr>
+          <p:nvPr>
+            <p:ph idx="1"/>
+          </p:nvPr>
+        </p:nvSpPr>
+        <p:spPr>
+          <a:xfrm>
+            <a:off x="838200" y="1354015"/>
+            <a:ext cx="10515600" cy="4822948"/>
+          </a:xfrm>
+        </p:spPr>
+        <p:txBody>
           <a:bodyPr>
             <a:normAutofit/>
           </a:bodyPr>
           <a:lstStyle/>
           <a:p>
-            <a:r>
-              <a:rPr lang="tr-TR" b="1" dirty="0" err="1"/>
-              <a:t>sublist</a:t>
-            </a:r>
-            <a:endParaRPr lang="tr-TR" b="1" dirty="0"/>
-          </a:p>
-        </p:txBody>
-      </p:sp>
-      <p:sp>
-        <p:nvSpPr>
-          <p:cNvPr id="3" name="İçerik Yer Tutucusu 2"/>
-          <p:cNvSpPr>
-            <a:spLocks noGrp="1"/>
-          </p:cNvSpPr>
-          <p:nvPr>
-            <p:ph idx="1"/>
-          </p:nvPr>
-        </p:nvSpPr>
-        <p:spPr>
-          <a:xfrm>
-            <a:off x="838200" y="1354015"/>
-            <a:ext cx="10515600" cy="4822948"/>
-          </a:xfrm>
-        </p:spPr>
-        <p:txBody>
-          <a:bodyPr/>
-          <a:lstStyle/>
-          <a:p>
             <a:pPr algn="just"/>
             <a:r>
               <a:rPr lang="tr-TR" dirty="0" err="1"/>
-              <a:t>List'i</a:t>
+              <a:t>Map</a:t>
             </a:r>
             <a:r>
               <a:rPr lang="tr-TR" dirty="0"/>
-              <a:t> verilen </a:t>
+              <a:t>, birden fazla boyutu olan </a:t>
             </a:r>
             <a:r>
               <a:rPr lang="tr-TR" dirty="0" err="1"/>
-              <a:t>indexten</a:t>
+              <a:t>List'tir</a:t>
             </a:r>
             <a:r>
               <a:rPr lang="tr-TR" dirty="0"/>
-              <a:t> başlatır.</a:t>
-            </a:r>
+              <a:t>. </a:t>
+            </a:r>
+            <a:r>
+              <a:rPr lang="en-US" dirty="0"/>
+              <a:t>2 </a:t>
+            </a:r>
+            <a:r>
+              <a:rPr lang="en-US" dirty="0" err="1"/>
+              <a:t>boyutlu</a:t>
+            </a:r>
+            <a:r>
+              <a:rPr lang="en-US" dirty="0"/>
+              <a:t> map </a:t>
+            </a:r>
+            <a:r>
+              <a:rPr lang="tr-TR" dirty="0"/>
+              <a:t>örneği</a:t>
+            </a:r>
+            <a:r>
+              <a:rPr lang="en-US" dirty="0"/>
+              <a:t>:</a:t>
+            </a:r>
+          </a:p>
+          <a:p>
+            <a:pPr algn="just"/>
+            <a:endParaRPr lang="en-US" dirty="0"/>
+          </a:p>
+          <a:p>
+            <a:pPr algn="just"/>
+            <a:endParaRPr lang="en-US" dirty="0"/>
+          </a:p>
+          <a:p>
+            <a:pPr algn="just"/>
+            <a:r>
+              <a:rPr lang="tr-TR" dirty="0"/>
+              <a:t>Çok boyutlu bir örnek verecek olursak:</a:t>
+            </a:r>
+          </a:p>
+          <a:p>
+            <a:pPr algn="just"/>
+            <a:endParaRPr lang="tr-TR" dirty="0"/>
+          </a:p>
+          <a:p>
+            <a:pPr algn="just"/>
+            <a:endParaRPr lang="tr-TR" dirty="0"/>
+          </a:p>
+          <a:p>
+            <a:pPr algn="just"/>
+            <a:r>
+              <a:rPr lang="tr-TR" dirty="0" err="1"/>
+              <a:t>Map</a:t>
+            </a:r>
+            <a:r>
+              <a:rPr lang="tr-TR" dirty="0"/>
+              <a:t> üzerinde istenilen bölgeyi göstermek için:</a:t>
+            </a:r>
+          </a:p>
+          <a:p>
+            <a:pPr algn="just"/>
+            <a:endParaRPr lang="tr-TR" dirty="0"/>
+          </a:p>
+          <a:p>
+            <a:pPr algn="just"/>
+            <a:endParaRPr lang="tr-TR" dirty="0"/>
           </a:p>
           <a:p>
             <a:pPr algn="just"/>
@@ -12051,10 +12086,10 @@
       </p:sp>
       <p:pic>
         <p:nvPicPr>
-          <p:cNvPr id="5" name="Picture 6" descr="Building Basic Backend Servers with Dart's Core Library - Dart Tutorial  Part 4 — Steemit">
+          <p:cNvPr id="8" name="Picture 6" descr="Building Basic Backend Servers with Dart's Core Library - Dart Tutorial  Part 4 — Steemit">
             <a:extLst>
               <a:ext uri="{FF2B5EF4-FFF2-40B4-BE49-F238E27FC236}">
-                <a16:creationId xmlns:a16="http://schemas.microsoft.com/office/drawing/2014/main" id="{BFD3285E-154A-42F2-9C3E-BB33CF576574}"/>
+                <a16:creationId xmlns:a16="http://schemas.microsoft.com/office/drawing/2014/main" id="{437B33FF-3FCF-480B-8356-9C3B136B498D}"/>
               </a:ext>
             </a:extLst>
           </p:cNvPr>
@@ -12098,10 +12133,10 @@
       </p:pic>
       <p:pic>
         <p:nvPicPr>
-          <p:cNvPr id="7" name="Resim 6">
+          <p:cNvPr id="9" name="Resim 8">
             <a:extLst>
               <a:ext uri="{FF2B5EF4-FFF2-40B4-BE49-F238E27FC236}">
-                <a16:creationId xmlns:a16="http://schemas.microsoft.com/office/drawing/2014/main" id="{113139A9-214F-4855-8ABC-95BC022620CB}"/>
+                <a16:creationId xmlns:a16="http://schemas.microsoft.com/office/drawing/2014/main" id="{ABADA9CE-2141-46D1-A0A5-6011AF5EFF7F}"/>
               </a:ext>
             </a:extLst>
           </p:cNvPr>
@@ -12118,8 +12153,68 @@
         </p:blipFill>
         <p:spPr>
           <a:xfrm>
-            <a:off x="1723415" y="2835986"/>
-            <a:ext cx="8745170" cy="1186028"/>
+            <a:off x="1571844" y="1771709"/>
+            <a:ext cx="9048311" cy="997787"/>
+          </a:xfrm>
+          <a:prstGeom prst="rect">
+            <a:avLst/>
+          </a:prstGeom>
+        </p:spPr>
+      </p:pic>
+      <p:pic>
+        <p:nvPicPr>
+          <p:cNvPr id="11" name="Resim 10">
+            <a:extLst>
+              <a:ext uri="{FF2B5EF4-FFF2-40B4-BE49-F238E27FC236}">
+                <a16:creationId xmlns:a16="http://schemas.microsoft.com/office/drawing/2014/main" id="{4165FE12-17C7-4CC8-82DB-1A3928FF9A8F}"/>
+              </a:ext>
+            </a:extLst>
+          </p:cNvPr>
+          <p:cNvPicPr>
+            <a:picLocks noChangeAspect="1"/>
+          </p:cNvPicPr>
+          <p:nvPr/>
+        </p:nvPicPr>
+        <p:blipFill>
+          <a:blip r:embed="rId4"/>
+          <a:stretch>
+            <a:fillRect/>
+          </a:stretch>
+        </p:blipFill>
+        <p:spPr>
+          <a:xfrm>
+            <a:off x="4360852" y="3289300"/>
+            <a:ext cx="3470296" cy="1173827"/>
+          </a:xfrm>
+          <a:prstGeom prst="rect">
+            <a:avLst/>
+          </a:prstGeom>
+        </p:spPr>
+      </p:pic>
+      <p:pic>
+        <p:nvPicPr>
+          <p:cNvPr id="13" name="Resim 12">
+            <a:extLst>
+              <a:ext uri="{FF2B5EF4-FFF2-40B4-BE49-F238E27FC236}">
+                <a16:creationId xmlns:a16="http://schemas.microsoft.com/office/drawing/2014/main" id="{4B575A4B-B8DB-4F3A-92EB-D1EA72BA83F1}"/>
+              </a:ext>
+            </a:extLst>
+          </p:cNvPr>
+          <p:cNvPicPr>
+            <a:picLocks noChangeAspect="1"/>
+          </p:cNvPicPr>
+          <p:nvPr/>
+        </p:nvPicPr>
+        <p:blipFill>
+          <a:blip r:embed="rId5"/>
+          <a:stretch>
+            <a:fillRect/>
+          </a:stretch>
+        </p:blipFill>
+        <p:spPr>
+          <a:xfrm>
+            <a:off x="1620177" y="4837543"/>
+            <a:ext cx="9459645" cy="1871924"/>
           </a:xfrm>
           <a:prstGeom prst="rect">
             <a:avLst/>
@@ -12129,7 +12224,7 @@
     </p:spTree>
     <p:extLst>
       <p:ext uri="{BB962C8B-B14F-4D97-AF65-F5344CB8AC3E}">
-        <p14:creationId xmlns:p14="http://schemas.microsoft.com/office/powerpoint/2010/main" val="2488972371"/>
+        <p14:creationId xmlns:p14="http://schemas.microsoft.com/office/powerpoint/2010/main" val="3630400336"/>
       </p:ext>
     </p:extLst>
   </p:cSld>
@@ -12173,42 +12268,50 @@
           </a:xfrm>
         </p:spPr>
         <p:txBody>
-          <a:bodyPr/>
-          <a:lstStyle/>
-          <a:p>
-            <a:r>
-              <a:rPr lang="tr-TR" b="1" dirty="0" err="1"/>
-              <a:t>Map</a:t>
-            </a:r>
-            <a:r>
-              <a:rPr lang="tr-TR" b="1" dirty="0"/>
-              <a:t> Yapısı</a:t>
-            </a:r>
-          </a:p>
-        </p:txBody>
-      </p:sp>
-      <p:sp>
-        <p:nvSpPr>
-          <p:cNvPr id="3" name="İçerik Yer Tutucusu 2"/>
-          <p:cNvSpPr>
-            <a:spLocks noGrp="1"/>
-          </p:cNvSpPr>
-          <p:nvPr>
-            <p:ph idx="1"/>
-          </p:nvPr>
-        </p:nvSpPr>
-        <p:spPr>
-          <a:xfrm>
-            <a:off x="838200" y="1354015"/>
-            <a:ext cx="10515600" cy="4822948"/>
-          </a:xfrm>
-        </p:spPr>
-        <p:txBody>
           <a:bodyPr>
             <a:normAutofit/>
           </a:bodyPr>
           <a:lstStyle/>
           <a:p>
+            <a:r>
+              <a:rPr lang="tr-TR" b="1" dirty="0" err="1"/>
+              <a:t>Map</a:t>
+            </a:r>
+            <a:r>
+              <a:rPr lang="tr-TR" b="1" dirty="0"/>
+              <a:t> Fonksiyonları</a:t>
+            </a:r>
+          </a:p>
+        </p:txBody>
+      </p:sp>
+      <p:sp>
+        <p:nvSpPr>
+          <p:cNvPr id="3" name="İçerik Yer Tutucusu 2"/>
+          <p:cNvSpPr>
+            <a:spLocks noGrp="1"/>
+          </p:cNvSpPr>
+          <p:nvPr>
+            <p:ph idx="1"/>
+          </p:nvPr>
+        </p:nvSpPr>
+        <p:spPr>
+          <a:xfrm>
+            <a:off x="838200" y="1354015"/>
+            <a:ext cx="10515600" cy="4822948"/>
+          </a:xfrm>
+        </p:spPr>
+        <p:txBody>
+          <a:bodyPr/>
+          <a:lstStyle/>
+          <a:p>
+            <a:pPr algn="just"/>
+            <a:r>
+              <a:rPr lang="tr-TR" b="1" dirty="0" err="1"/>
+              <a:t>isEmpty</a:t>
+            </a:r>
+            <a:endParaRPr lang="tr-TR" b="1" dirty="0"/>
+          </a:p>
+          <a:p>
             <a:pPr algn="just"/>
             <a:r>
               <a:rPr lang="tr-TR" dirty="0" err="1"/>
@@ -12216,50 +12319,15 @@
             </a:r>
             <a:r>
               <a:rPr lang="tr-TR" dirty="0"/>
-              <a:t>, birden fazla boyutu olan </a:t>
+              <a:t> boş ise </a:t>
             </a:r>
             <a:r>
               <a:rPr lang="tr-TR" dirty="0" err="1"/>
-              <a:t>List'tir</a:t>
+              <a:t>true</a:t>
             </a:r>
             <a:r>
               <a:rPr lang="tr-TR" dirty="0"/>
-              <a:t>. </a:t>
-            </a:r>
-            <a:r>
-              <a:rPr lang="en-US" dirty="0"/>
-              <a:t>2 </a:t>
-            </a:r>
-            <a:r>
-              <a:rPr lang="en-US" dirty="0" err="1"/>
-              <a:t>boyutlu</a:t>
-            </a:r>
-            <a:r>
-              <a:rPr lang="en-US" dirty="0"/>
-              <a:t> map </a:t>
-            </a:r>
-            <a:r>
-              <a:rPr lang="tr-TR" dirty="0"/>
-              <a:t>örneği</a:t>
-            </a:r>
-            <a:r>
-              <a:rPr lang="en-US" dirty="0"/>
-              <a:t>:</a:t>
-            </a:r>
-          </a:p>
-          <a:p>
-            <a:pPr algn="just"/>
-            <a:endParaRPr lang="en-US" dirty="0"/>
-          </a:p>
-          <a:p>
-            <a:pPr algn="just"/>
-            <a:endParaRPr lang="en-US" dirty="0"/>
-          </a:p>
-          <a:p>
-            <a:pPr algn="just"/>
-            <a:r>
-              <a:rPr lang="tr-TR" dirty="0"/>
-              <a:t>Çok boyutlu bir örnek verecek olursak:</a:t>
+              <a:t> verir.</a:t>
             </a:r>
           </a:p>
           <a:p>
@@ -12269,6 +12337,14 @@
           <a:p>
             <a:pPr algn="just"/>
             <a:endParaRPr lang="tr-TR" dirty="0"/>
+          </a:p>
+          <a:p>
+            <a:pPr algn="just"/>
+            <a:r>
+              <a:rPr lang="tr-TR" b="1" dirty="0" err="1"/>
+              <a:t>isNotEmpty</a:t>
+            </a:r>
+            <a:endParaRPr lang="tr-TR" b="1" dirty="0"/>
           </a:p>
           <a:p>
             <a:pPr algn="just"/>
@@ -12278,24 +12354,16 @@
             </a:r>
             <a:r>
               <a:rPr lang="tr-TR" dirty="0"/>
-              <a:t> üzerinde istenilen bölgeyi göstermek için:</a:t>
-            </a:r>
-          </a:p>
-          <a:p>
-            <a:pPr algn="just"/>
-            <a:endParaRPr lang="tr-TR" dirty="0"/>
-          </a:p>
-          <a:p>
-            <a:pPr algn="just"/>
-            <a:endParaRPr lang="tr-TR" dirty="0"/>
-          </a:p>
-          <a:p>
-            <a:pPr algn="just"/>
-            <a:endParaRPr lang="tr-TR" dirty="0"/>
-          </a:p>
-          <a:p>
-            <a:pPr algn="just"/>
-            <a:endParaRPr lang="tr-TR" dirty="0"/>
+              <a:t> boş değilse </a:t>
+            </a:r>
+            <a:r>
+              <a:rPr lang="tr-TR" dirty="0" err="1"/>
+              <a:t>true</a:t>
+            </a:r>
+            <a:r>
+              <a:rPr lang="tr-TR" dirty="0"/>
+              <a:t> verir.</a:t>
+            </a:r>
           </a:p>
           <a:p>
             <a:pPr algn="just"/>
@@ -12305,10 +12373,58 @@
       </p:sp>
       <p:pic>
         <p:nvPicPr>
-          <p:cNvPr id="8" name="Picture 6" descr="Building Basic Backend Servers with Dart's Core Library - Dart Tutorial  Part 4 — Steemit">
+          <p:cNvPr id="4" name="Resim 3"/>
+          <p:cNvPicPr>
+            <a:picLocks noChangeAspect="1"/>
+          </p:cNvPicPr>
+          <p:nvPr/>
+        </p:nvPicPr>
+        <p:blipFill>
+          <a:blip r:embed="rId2"/>
+          <a:stretch>
+            <a:fillRect/>
+          </a:stretch>
+        </p:blipFill>
+        <p:spPr>
+          <a:xfrm>
+            <a:off x="2916864" y="2402958"/>
+            <a:ext cx="5509730" cy="807817"/>
+          </a:xfrm>
+          <a:prstGeom prst="rect">
+            <a:avLst/>
+          </a:prstGeom>
+        </p:spPr>
+      </p:pic>
+      <p:pic>
+        <p:nvPicPr>
+          <p:cNvPr id="5" name="Resim 4"/>
+          <p:cNvPicPr>
+            <a:picLocks noChangeAspect="1"/>
+          </p:cNvPicPr>
+          <p:nvPr/>
+        </p:nvPicPr>
+        <p:blipFill>
+          <a:blip r:embed="rId3"/>
+          <a:stretch>
+            <a:fillRect/>
+          </a:stretch>
+        </p:blipFill>
+        <p:spPr>
+          <a:xfrm>
+            <a:off x="3206464" y="4742121"/>
+            <a:ext cx="4930530" cy="670698"/>
+          </a:xfrm>
+          <a:prstGeom prst="rect">
+            <a:avLst/>
+          </a:prstGeom>
+        </p:spPr>
+      </p:pic>
+      <p:pic>
+        <p:nvPicPr>
+          <p:cNvPr id="6" name="Picture 6" descr="Building Basic Backend Servers with Dart's Core Library - Dart Tutorial  Part 4 — Steemit">
             <a:extLst>
               <a:ext uri="{FF2B5EF4-FFF2-40B4-BE49-F238E27FC236}">
-                <a16:creationId xmlns:a16="http://schemas.microsoft.com/office/drawing/2014/main" id="{437B33FF-3FCF-480B-8356-9C3B136B498D}"/>
+                <a16:creationId xmlns:a16="http://schemas.microsoft.com/office/drawing/2014/main" id="{C50E1483-70CA-4779-B29C-0F33B3DBCF3F}"/>
               </a:ext>
             </a:extLst>
           </p:cNvPr>
@@ -12318,7 +12434,7 @@
           <p:nvPr/>
         </p:nvPicPr>
         <p:blipFill>
-          <a:blip r:embed="rId2">
+          <a:blip r:embed="rId4">
             <a:extLst>
               <a:ext uri="{28A0092B-C50C-407E-A947-70E740481C1C}">
                 <a14:useLocalDpi xmlns:a14="http://schemas.microsoft.com/office/drawing/2010/main" val="0"/>
@@ -12350,100 +12466,10 @@
           </a:extLst>
         </p:spPr>
       </p:pic>
-      <p:pic>
-        <p:nvPicPr>
-          <p:cNvPr id="9" name="Resim 8">
-            <a:extLst>
-              <a:ext uri="{FF2B5EF4-FFF2-40B4-BE49-F238E27FC236}">
-                <a16:creationId xmlns:a16="http://schemas.microsoft.com/office/drawing/2014/main" id="{ABADA9CE-2141-46D1-A0A5-6011AF5EFF7F}"/>
-              </a:ext>
-            </a:extLst>
-          </p:cNvPr>
-          <p:cNvPicPr>
-            <a:picLocks noChangeAspect="1"/>
-          </p:cNvPicPr>
-          <p:nvPr/>
-        </p:nvPicPr>
-        <p:blipFill>
-          <a:blip r:embed="rId3"/>
-          <a:stretch>
-            <a:fillRect/>
-          </a:stretch>
-        </p:blipFill>
-        <p:spPr>
-          <a:xfrm>
-            <a:off x="1571844" y="1771709"/>
-            <a:ext cx="9048311" cy="997787"/>
-          </a:xfrm>
-          <a:prstGeom prst="rect">
-            <a:avLst/>
-          </a:prstGeom>
-        </p:spPr>
-      </p:pic>
-      <p:pic>
-        <p:nvPicPr>
-          <p:cNvPr id="11" name="Resim 10">
-            <a:extLst>
-              <a:ext uri="{FF2B5EF4-FFF2-40B4-BE49-F238E27FC236}">
-                <a16:creationId xmlns:a16="http://schemas.microsoft.com/office/drawing/2014/main" id="{4165FE12-17C7-4CC8-82DB-1A3928FF9A8F}"/>
-              </a:ext>
-            </a:extLst>
-          </p:cNvPr>
-          <p:cNvPicPr>
-            <a:picLocks noChangeAspect="1"/>
-          </p:cNvPicPr>
-          <p:nvPr/>
-        </p:nvPicPr>
-        <p:blipFill>
-          <a:blip r:embed="rId4"/>
-          <a:stretch>
-            <a:fillRect/>
-          </a:stretch>
-        </p:blipFill>
-        <p:spPr>
-          <a:xfrm>
-            <a:off x="4360852" y="3289300"/>
-            <a:ext cx="3470296" cy="1173827"/>
-          </a:xfrm>
-          <a:prstGeom prst="rect">
-            <a:avLst/>
-          </a:prstGeom>
-        </p:spPr>
-      </p:pic>
-      <p:pic>
-        <p:nvPicPr>
-          <p:cNvPr id="13" name="Resim 12">
-            <a:extLst>
-              <a:ext uri="{FF2B5EF4-FFF2-40B4-BE49-F238E27FC236}">
-                <a16:creationId xmlns:a16="http://schemas.microsoft.com/office/drawing/2014/main" id="{4B575A4B-B8DB-4F3A-92EB-D1EA72BA83F1}"/>
-              </a:ext>
-            </a:extLst>
-          </p:cNvPr>
-          <p:cNvPicPr>
-            <a:picLocks noChangeAspect="1"/>
-          </p:cNvPicPr>
-          <p:nvPr/>
-        </p:nvPicPr>
-        <p:blipFill>
-          <a:blip r:embed="rId5"/>
-          <a:stretch>
-            <a:fillRect/>
-          </a:stretch>
-        </p:blipFill>
-        <p:spPr>
-          <a:xfrm>
-            <a:off x="1620177" y="4837543"/>
-            <a:ext cx="9459645" cy="1871924"/>
-          </a:xfrm>
-          <a:prstGeom prst="rect">
-            <a:avLst/>
-          </a:prstGeom>
-        </p:spPr>
-      </p:pic>
     </p:spTree>
     <p:extLst>
       <p:ext uri="{BB962C8B-B14F-4D97-AF65-F5344CB8AC3E}">
-        <p14:creationId xmlns:p14="http://schemas.microsoft.com/office/powerpoint/2010/main" val="3630400336"/>
+        <p14:creationId xmlns:p14="http://schemas.microsoft.com/office/powerpoint/2010/main" val="862648534"/>
       </p:ext>
     </p:extLst>
   </p:cSld>
@@ -12492,7 +12518,7 @@
           <a:p>
             <a:r>
               <a:rPr lang="tr-TR" b="1" dirty="0"/>
-              <a:t>Yorum Satırı</a:t>
+              <a:t>Aritmetik Operatörler</a:t>
             </a:r>
           </a:p>
         </p:txBody>
@@ -12514,44 +12540,28 @@
           </a:xfrm>
         </p:spPr>
         <p:txBody>
-          <a:bodyPr>
-            <a:normAutofit/>
-          </a:bodyPr>
-          <a:lstStyle/>
-          <a:p>
-            <a:pPr algn="just"/>
-            <a:r>
-              <a:rPr lang="tr-TR" sz="2400" dirty="0"/>
-              <a:t>Yorum satırı derleyici tarafından işlenmez. Yani görmezden gelinir. Bu bölüme kendiniz için açıklama vs. bilgiler yazabilirsiniz. </a:t>
-            </a:r>
-            <a:r>
-              <a:rPr lang="tr-TR" sz="2400" dirty="0" err="1"/>
-              <a:t>Dart’ta</a:t>
-            </a:r>
-            <a:r>
-              <a:rPr lang="tr-TR" sz="2400" dirty="0"/>
-              <a:t> yorum satırı oluşturmak için 2 yöntem mevcuttur.</a:t>
-            </a:r>
-          </a:p>
-          <a:p>
-            <a:pPr algn="just"/>
-            <a:r>
-              <a:rPr lang="tr-TR" sz="2400" b="1" dirty="0"/>
-              <a:t>// Çift Taksim Yöntemi</a:t>
-            </a:r>
-          </a:p>
-          <a:p>
-            <a:pPr algn="just"/>
-            <a:r>
-              <a:rPr lang="tr-TR" sz="2400" b="1" dirty="0"/>
-              <a:t> /* */ Taksim-Yıldız Yöntemi</a:t>
-            </a:r>
+          <a:bodyPr/>
+          <a:lstStyle/>
+          <a:p>
+            <a:r>
+              <a:rPr lang="tr-TR" dirty="0"/>
+              <a:t>Aritmetik operatörler programlamada matematiksel işlemler yapabilmemize olanak sağlar.</a:t>
+            </a:r>
+          </a:p>
+          <a:p>
+            <a:pPr marL="0" indent="0" algn="just">
+              <a:buNone/>
+            </a:pPr>
+            <a:br>
+              <a:rPr lang="tr-TR" dirty="0"/>
+            </a:br>
+            <a:endParaRPr lang="tr-TR" dirty="0"/>
           </a:p>
         </p:txBody>
       </p:sp>
       <p:pic>
         <p:nvPicPr>
-          <p:cNvPr id="4" name="Resim 3"/>
+          <p:cNvPr id="5" name="Resim 4"/>
           <p:cNvPicPr>
             <a:picLocks noChangeAspect="1"/>
           </p:cNvPicPr>
@@ -12565,32 +12575,8 @@
         </p:blipFill>
         <p:spPr>
           <a:xfrm>
-            <a:off x="838200" y="3943448"/>
-            <a:ext cx="5466449" cy="700389"/>
-          </a:xfrm>
-          <a:prstGeom prst="rect">
-            <a:avLst/>
-          </a:prstGeom>
-        </p:spPr>
-      </p:pic>
-      <p:pic>
-        <p:nvPicPr>
-          <p:cNvPr id="5" name="Resim 4"/>
-          <p:cNvPicPr>
-            <a:picLocks noChangeAspect="1"/>
-          </p:cNvPicPr>
-          <p:nvPr/>
-        </p:nvPicPr>
-        <p:blipFill>
-          <a:blip r:embed="rId3"/>
-          <a:stretch>
-            <a:fillRect/>
-          </a:stretch>
-        </p:blipFill>
-        <p:spPr>
-          <a:xfrm>
-            <a:off x="8264206" y="3661710"/>
-            <a:ext cx="2997065" cy="1471932"/>
+            <a:off x="3296123" y="2379109"/>
+            <a:ext cx="5599753" cy="4185954"/>
           </a:xfrm>
           <a:prstGeom prst="rect">
             <a:avLst/>
@@ -12602,7 +12588,7 @@
           <p:cNvPr id="6" name="Picture 6" descr="Building Basic Backend Servers with Dart's Core Library - Dart Tutorial  Part 4 — Steemit">
             <a:extLst>
               <a:ext uri="{FF2B5EF4-FFF2-40B4-BE49-F238E27FC236}">
-                <a16:creationId xmlns:a16="http://schemas.microsoft.com/office/drawing/2014/main" id="{1CF19913-4B99-4B8F-BA8F-C745E151424E}"/>
+                <a16:creationId xmlns:a16="http://schemas.microsoft.com/office/drawing/2014/main" id="{08B96C2A-068A-4FE5-A240-C13827DBCF3D}"/>
               </a:ext>
             </a:extLst>
           </p:cNvPr>
@@ -12612,7 +12598,7 @@
           <p:nvPr/>
         </p:nvPicPr>
         <p:blipFill>
-          <a:blip r:embed="rId4">
+          <a:blip r:embed="rId3">
             <a:extLst>
               <a:ext uri="{28A0092B-C50C-407E-A947-70E740481C1C}">
                 <a14:useLocalDpi xmlns:a14="http://schemas.microsoft.com/office/drawing/2010/main" val="0"/>
@@ -12647,7 +12633,7 @@
     </p:spTree>
     <p:extLst>
       <p:ext uri="{BB962C8B-B14F-4D97-AF65-F5344CB8AC3E}">
-        <p14:creationId xmlns:p14="http://schemas.microsoft.com/office/powerpoint/2010/main" val="2333692907"/>
+        <p14:creationId xmlns:p14="http://schemas.microsoft.com/office/powerpoint/2010/main" val="2963431321"/>
       </p:ext>
     </p:extLst>
   </p:cSld>
@@ -12691,9 +12677,7 @@
           </a:xfrm>
         </p:spPr>
         <p:txBody>
-          <a:bodyPr>
-            <a:normAutofit/>
-          </a:bodyPr>
+          <a:bodyPr/>
           <a:lstStyle/>
           <a:p>
             <a:r>
@@ -12730,63 +12714,47 @@
             <a:pPr algn="just"/>
             <a:r>
               <a:rPr lang="tr-TR" b="1" dirty="0" err="1"/>
-              <a:t>isEmpty</a:t>
+              <a:t>keys</a:t>
             </a:r>
             <a:endParaRPr lang="tr-TR" b="1" dirty="0"/>
           </a:p>
           <a:p>
             <a:pPr algn="just"/>
             <a:r>
+              <a:rPr lang="tr-TR" dirty="0"/>
+              <a:t>Anahtarları listeler.</a:t>
+            </a:r>
+          </a:p>
+          <a:p>
+            <a:pPr algn="just"/>
+            <a:endParaRPr lang="tr-TR" dirty="0"/>
+          </a:p>
+          <a:p>
+            <a:pPr algn="just"/>
+            <a:endParaRPr lang="tr-TR" dirty="0"/>
+          </a:p>
+          <a:p>
+            <a:pPr algn="just"/>
+            <a:r>
+              <a:rPr lang="tr-TR" b="1" dirty="0" err="1"/>
+              <a:t>lenght</a:t>
+            </a:r>
+            <a:endParaRPr lang="tr-TR" b="1" dirty="0"/>
+          </a:p>
+          <a:p>
+            <a:pPr algn="just"/>
+            <a:r>
               <a:rPr lang="tr-TR" dirty="0" err="1"/>
-              <a:t>Map</a:t>
+              <a:t>Map'in</a:t>
             </a:r>
             <a:r>
               <a:rPr lang="tr-TR" dirty="0"/>
-              <a:t> boş ise </a:t>
-            </a:r>
-            <a:r>
-              <a:rPr lang="tr-TR" dirty="0" err="1"/>
-              <a:t>true</a:t>
-            </a:r>
-            <a:r>
-              <a:rPr lang="tr-TR" dirty="0"/>
-              <a:t> verir.</a:t>
+              <a:t> uzunluğunu verir.</a:t>
             </a:r>
           </a:p>
           <a:p>
             <a:pPr algn="just"/>
             <a:endParaRPr lang="tr-TR" dirty="0"/>
-          </a:p>
-          <a:p>
-            <a:pPr algn="just"/>
-            <a:endParaRPr lang="tr-TR" dirty="0"/>
-          </a:p>
-          <a:p>
-            <a:pPr algn="just"/>
-            <a:r>
-              <a:rPr lang="tr-TR" b="1" dirty="0" err="1"/>
-              <a:t>isNotEmpty</a:t>
-            </a:r>
-            <a:endParaRPr lang="tr-TR" b="1" dirty="0"/>
-          </a:p>
-          <a:p>
-            <a:pPr algn="just"/>
-            <a:r>
-              <a:rPr lang="tr-TR" dirty="0" err="1"/>
-              <a:t>Map</a:t>
-            </a:r>
-            <a:r>
-              <a:rPr lang="tr-TR" dirty="0"/>
-              <a:t> boş değilse </a:t>
-            </a:r>
-            <a:r>
-              <a:rPr lang="tr-TR" dirty="0" err="1"/>
-              <a:t>true</a:t>
-            </a:r>
-            <a:r>
-              <a:rPr lang="tr-TR" dirty="0"/>
-              <a:t> verir.</a:t>
-            </a:r>
           </a:p>
           <a:p>
             <a:pPr algn="just"/>
@@ -12810,8 +12778,8 @@
         </p:blipFill>
         <p:spPr>
           <a:xfrm>
-            <a:off x="2916864" y="2402958"/>
-            <a:ext cx="5509730" cy="807817"/>
+            <a:off x="3281587" y="2445489"/>
+            <a:ext cx="5388800" cy="739257"/>
           </a:xfrm>
           <a:prstGeom prst="rect">
             <a:avLst/>
@@ -12834,8 +12802,8 @@
         </p:blipFill>
         <p:spPr>
           <a:xfrm>
-            <a:off x="3206464" y="4742121"/>
-            <a:ext cx="4930530" cy="670698"/>
+            <a:off x="3678568" y="4848446"/>
+            <a:ext cx="4834864" cy="812582"/>
           </a:xfrm>
           <a:prstGeom prst="rect">
             <a:avLst/>
@@ -12847,7 +12815,7 @@
           <p:cNvPr id="6" name="Picture 6" descr="Building Basic Backend Servers with Dart's Core Library - Dart Tutorial  Part 4 — Steemit">
             <a:extLst>
               <a:ext uri="{FF2B5EF4-FFF2-40B4-BE49-F238E27FC236}">
-                <a16:creationId xmlns:a16="http://schemas.microsoft.com/office/drawing/2014/main" id="{C50E1483-70CA-4779-B29C-0F33B3DBCF3F}"/>
+                <a16:creationId xmlns:a16="http://schemas.microsoft.com/office/drawing/2014/main" id="{41197453-868C-4D6A-9EC1-33D1F8A4B038}"/>
               </a:ext>
             </a:extLst>
           </p:cNvPr>
@@ -12892,7 +12860,7 @@
     </p:spTree>
     <p:extLst>
       <p:ext uri="{BB962C8B-B14F-4D97-AF65-F5344CB8AC3E}">
-        <p14:creationId xmlns:p14="http://schemas.microsoft.com/office/powerpoint/2010/main" val="862648534"/>
+        <p14:creationId xmlns:p14="http://schemas.microsoft.com/office/powerpoint/2010/main" val="3876623367"/>
       </p:ext>
     </p:extLst>
   </p:cSld>
@@ -12973,15 +12941,19 @@
             <a:pPr algn="just"/>
             <a:r>
               <a:rPr lang="tr-TR" b="1" dirty="0" err="1"/>
-              <a:t>keys</a:t>
-            </a:r>
-            <a:endParaRPr lang="tr-TR" b="1" dirty="0"/>
-          </a:p>
-          <a:p>
-            <a:pPr algn="just"/>
+              <a:t>Values</a:t>
+            </a:r>
+            <a:r>
+              <a:rPr lang="tr-TR" b="1" dirty="0"/>
+              <a:t> : </a:t>
+            </a:r>
+            <a:r>
+              <a:rPr lang="tr-TR" dirty="0" err="1"/>
+              <a:t>keys'in</a:t>
+            </a:r>
             <a:r>
               <a:rPr lang="tr-TR" dirty="0"/>
-              <a:t>Anahtarları listeler.</a:t>
+              <a:t> tersi olarak değerleri listeler.</a:t>
             </a:r>
           </a:p>
           <a:p>
@@ -12996,24 +12968,24 @@
             <a:pPr algn="just"/>
             <a:r>
               <a:rPr lang="tr-TR" b="1" dirty="0" err="1"/>
-              <a:t>lenght</a:t>
-            </a:r>
-            <a:endParaRPr lang="tr-TR" b="1" dirty="0"/>
-          </a:p>
-          <a:p>
-            <a:pPr algn="just"/>
+              <a:t>addAll</a:t>
+            </a:r>
+            <a:r>
+              <a:rPr lang="tr-TR" b="1" dirty="0"/>
+              <a:t> : </a:t>
+            </a:r>
+            <a:r>
+              <a:rPr lang="tr-TR" dirty="0"/>
+              <a:t>Başka bir </a:t>
+            </a:r>
             <a:r>
               <a:rPr lang="tr-TR" dirty="0" err="1"/>
-              <a:t>Map'in</a:t>
+              <a:t>Map'i</a:t>
             </a:r>
             <a:r>
               <a:rPr lang="tr-TR" dirty="0"/>
-              <a:t> uzunluğunu verir.</a:t>
-            </a:r>
-          </a:p>
-          <a:p>
-            <a:pPr algn="just"/>
-            <a:endParaRPr lang="tr-TR" dirty="0"/>
+              <a:t> ekler. Aynı değerler var ise üzerine yazar.</a:t>
+            </a:r>
           </a:p>
           <a:p>
             <a:pPr algn="just"/>
@@ -13037,32 +13009,8 @@
         </p:blipFill>
         <p:spPr>
           <a:xfrm>
-            <a:off x="3281587" y="2445489"/>
-            <a:ext cx="5388800" cy="739257"/>
-          </a:xfrm>
-          <a:prstGeom prst="rect">
-            <a:avLst/>
-          </a:prstGeom>
-        </p:spPr>
-      </p:pic>
-      <p:pic>
-        <p:nvPicPr>
-          <p:cNvPr id="5" name="Resim 4"/>
-          <p:cNvPicPr>
-            <a:picLocks noChangeAspect="1"/>
-          </p:cNvPicPr>
-          <p:nvPr/>
-        </p:nvPicPr>
-        <p:blipFill>
-          <a:blip r:embed="rId3"/>
-          <a:stretch>
-            <a:fillRect/>
-          </a:stretch>
-        </p:blipFill>
-        <p:spPr>
-          <a:xfrm>
-            <a:off x="3678568" y="4848446"/>
-            <a:ext cx="4834864" cy="812582"/>
+            <a:off x="3688207" y="1954844"/>
+            <a:ext cx="4108673" cy="800496"/>
           </a:xfrm>
           <a:prstGeom prst="rect">
             <a:avLst/>
@@ -13074,7 +13022,7 @@
           <p:cNvPr id="6" name="Picture 6" descr="Building Basic Backend Servers with Dart's Core Library - Dart Tutorial  Part 4 — Steemit">
             <a:extLst>
               <a:ext uri="{FF2B5EF4-FFF2-40B4-BE49-F238E27FC236}">
-                <a16:creationId xmlns:a16="http://schemas.microsoft.com/office/drawing/2014/main" id="{41197453-868C-4D6A-9EC1-33D1F8A4B038}"/>
+                <a16:creationId xmlns:a16="http://schemas.microsoft.com/office/drawing/2014/main" id="{F6F91B87-00AD-44DE-844A-7DC4F495D843}"/>
               </a:ext>
             </a:extLst>
           </p:cNvPr>
@@ -13084,7 +13032,7 @@
           <p:nvPr/>
         </p:nvPicPr>
         <p:blipFill>
-          <a:blip r:embed="rId4">
+          <a:blip r:embed="rId3">
             <a:extLst>
               <a:ext uri="{28A0092B-C50C-407E-A947-70E740481C1C}">
                 <a14:useLocalDpi xmlns:a14="http://schemas.microsoft.com/office/drawing/2010/main" val="0"/>
@@ -13116,10 +13064,40 @@
           </a:extLst>
         </p:spPr>
       </p:pic>
+      <p:pic>
+        <p:nvPicPr>
+          <p:cNvPr id="8" name="Resim 7">
+            <a:extLst>
+              <a:ext uri="{FF2B5EF4-FFF2-40B4-BE49-F238E27FC236}">
+                <a16:creationId xmlns:a16="http://schemas.microsoft.com/office/drawing/2014/main" id="{7E4582E3-3C8D-46EF-90A2-B42AE0FA8C06}"/>
+              </a:ext>
+            </a:extLst>
+          </p:cNvPr>
+          <p:cNvPicPr>
+            <a:picLocks noChangeAspect="1"/>
+          </p:cNvPicPr>
+          <p:nvPr/>
+        </p:nvPicPr>
+        <p:blipFill>
+          <a:blip r:embed="rId4"/>
+          <a:stretch>
+            <a:fillRect/>
+          </a:stretch>
+        </p:blipFill>
+        <p:spPr>
+          <a:xfrm>
+            <a:off x="0" y="3603728"/>
+            <a:ext cx="12192000" cy="2508044"/>
+          </a:xfrm>
+          <a:prstGeom prst="rect">
+            <a:avLst/>
+          </a:prstGeom>
+        </p:spPr>
+      </p:pic>
     </p:spTree>
     <p:extLst>
       <p:ext uri="{BB962C8B-B14F-4D97-AF65-F5344CB8AC3E}">
-        <p14:creationId xmlns:p14="http://schemas.microsoft.com/office/powerpoint/2010/main" val="3876623367"/>
+        <p14:creationId xmlns:p14="http://schemas.microsoft.com/office/powerpoint/2010/main" val="791934298"/>
       </p:ext>
     </p:extLst>
   </p:cSld>
@@ -13200,19 +13178,19 @@
             <a:pPr algn="just"/>
             <a:r>
               <a:rPr lang="tr-TR" b="1" dirty="0" err="1"/>
-              <a:t>Values</a:t>
-            </a:r>
-            <a:r>
-              <a:rPr lang="tr-TR" b="1" dirty="0"/>
-              <a:t> : </a:t>
-            </a:r>
+              <a:t>clear</a:t>
+            </a:r>
+            <a:endParaRPr lang="tr-TR" b="1" dirty="0"/>
+          </a:p>
+          <a:p>
+            <a:pPr algn="just"/>
             <a:r>
               <a:rPr lang="tr-TR" dirty="0" err="1"/>
-              <a:t>keys'in</a:t>
+              <a:t>Map'in</a:t>
             </a:r>
             <a:r>
               <a:rPr lang="tr-TR" dirty="0"/>
-              <a:t> tersi olarak değerleri listeler.</a:t>
+              <a:t> içini boşaltır.</a:t>
             </a:r>
           </a:p>
           <a:p>
@@ -13227,24 +13205,20 @@
             <a:pPr algn="just"/>
             <a:r>
               <a:rPr lang="tr-TR" b="1" dirty="0" err="1"/>
-              <a:t>addAll</a:t>
-            </a:r>
-            <a:r>
-              <a:rPr lang="tr-TR" b="1" dirty="0"/>
-              <a:t> : </a:t>
-            </a:r>
+              <a:t>containsKey</a:t>
+            </a:r>
+            <a:endParaRPr lang="tr-TR" b="1" dirty="0"/>
+          </a:p>
+          <a:p>
+            <a:pPr algn="just"/>
             <a:r>
               <a:rPr lang="tr-TR" dirty="0"/>
-              <a:t>Başka bir </a:t>
-            </a:r>
-            <a:r>
-              <a:rPr lang="tr-TR" dirty="0" err="1"/>
-              <a:t>Map'i</a:t>
-            </a:r>
-            <a:r>
-              <a:rPr lang="tr-TR" dirty="0"/>
-              <a:t> ekler. Aynı değerler var ise üzerine yazar.</a:t>
-            </a:r>
+              <a:t>Anahtarı içerip içermediğini kontrol eder.</a:t>
+            </a:r>
+          </a:p>
+          <a:p>
+            <a:pPr algn="just"/>
+            <a:endParaRPr lang="tr-TR" dirty="0"/>
           </a:p>
           <a:p>
             <a:pPr algn="just"/>
@@ -13268,8 +13242,32 @@
         </p:blipFill>
         <p:spPr>
           <a:xfrm>
-            <a:off x="3688207" y="1954844"/>
-            <a:ext cx="4108673" cy="800496"/>
+            <a:off x="3746739" y="2445489"/>
+            <a:ext cx="2349261" cy="665933"/>
+          </a:xfrm>
+          <a:prstGeom prst="rect">
+            <a:avLst/>
+          </a:prstGeom>
+        </p:spPr>
+      </p:pic>
+      <p:pic>
+        <p:nvPicPr>
+          <p:cNvPr id="5" name="Resim 4"/>
+          <p:cNvPicPr>
+            <a:picLocks noChangeAspect="1"/>
+          </p:cNvPicPr>
+          <p:nvPr/>
+        </p:nvPicPr>
+        <p:blipFill>
+          <a:blip r:embed="rId3"/>
+          <a:stretch>
+            <a:fillRect/>
+          </a:stretch>
+        </p:blipFill>
+        <p:spPr>
+          <a:xfrm>
+            <a:off x="3007143" y="4856779"/>
+            <a:ext cx="6177713" cy="693416"/>
           </a:xfrm>
           <a:prstGeom prst="rect">
             <a:avLst/>
@@ -13281,7 +13279,7 @@
           <p:cNvPr id="6" name="Picture 6" descr="Building Basic Backend Servers with Dart's Core Library - Dart Tutorial  Part 4 — Steemit">
             <a:extLst>
               <a:ext uri="{FF2B5EF4-FFF2-40B4-BE49-F238E27FC236}">
-                <a16:creationId xmlns:a16="http://schemas.microsoft.com/office/drawing/2014/main" id="{F6F91B87-00AD-44DE-844A-7DC4F495D843}"/>
+                <a16:creationId xmlns:a16="http://schemas.microsoft.com/office/drawing/2014/main" id="{F38297B6-A488-41EF-AF73-E2C62014D939}"/>
               </a:ext>
             </a:extLst>
           </p:cNvPr>
@@ -13291,7 +13289,7 @@
           <p:nvPr/>
         </p:nvPicPr>
         <p:blipFill>
-          <a:blip r:embed="rId3">
+          <a:blip r:embed="rId4">
             <a:extLst>
               <a:ext uri="{28A0092B-C50C-407E-A947-70E740481C1C}">
                 <a14:useLocalDpi xmlns:a14="http://schemas.microsoft.com/office/drawing/2010/main" val="0"/>
@@ -13323,40 +13321,10 @@
           </a:extLst>
         </p:spPr>
       </p:pic>
-      <p:pic>
-        <p:nvPicPr>
-          <p:cNvPr id="8" name="Resim 7">
-            <a:extLst>
-              <a:ext uri="{FF2B5EF4-FFF2-40B4-BE49-F238E27FC236}">
-                <a16:creationId xmlns:a16="http://schemas.microsoft.com/office/drawing/2014/main" id="{7E4582E3-3C8D-46EF-90A2-B42AE0FA8C06}"/>
-              </a:ext>
-            </a:extLst>
-          </p:cNvPr>
-          <p:cNvPicPr>
-            <a:picLocks noChangeAspect="1"/>
-          </p:cNvPicPr>
-          <p:nvPr/>
-        </p:nvPicPr>
-        <p:blipFill>
-          <a:blip r:embed="rId4"/>
-          <a:stretch>
-            <a:fillRect/>
-          </a:stretch>
-        </p:blipFill>
-        <p:spPr>
-          <a:xfrm>
-            <a:off x="0" y="3603728"/>
-            <a:ext cx="12192000" cy="2508044"/>
-          </a:xfrm>
-          <a:prstGeom prst="rect">
-            <a:avLst/>
-          </a:prstGeom>
-        </p:spPr>
-      </p:pic>
     </p:spTree>
     <p:extLst>
       <p:ext uri="{BB962C8B-B14F-4D97-AF65-F5344CB8AC3E}">
-        <p14:creationId xmlns:p14="http://schemas.microsoft.com/office/powerpoint/2010/main" val="791934298"/>
+        <p14:creationId xmlns:p14="http://schemas.microsoft.com/office/powerpoint/2010/main" val="722228955"/>
       </p:ext>
     </p:extLst>
   </p:cSld>
@@ -13431,114 +13399,88 @@
           </a:xfrm>
         </p:spPr>
         <p:txBody>
-          <a:bodyPr/>
-          <a:lstStyle/>
-          <a:p>
-            <a:pPr algn="just"/>
-            <a:r>
-              <a:rPr lang="tr-TR" b="1" dirty="0" err="1"/>
-              <a:t>clear</a:t>
-            </a:r>
-            <a:endParaRPr lang="tr-TR" b="1" dirty="0"/>
-          </a:p>
-          <a:p>
-            <a:pPr algn="just"/>
-            <a:r>
-              <a:rPr lang="tr-TR" dirty="0" err="1"/>
+          <a:bodyPr>
+            <a:normAutofit/>
+          </a:bodyPr>
+          <a:lstStyle/>
+          <a:p>
+            <a:pPr algn="just"/>
+            <a:r>
+              <a:rPr lang="tr-TR" sz="2400" b="1" dirty="0" err="1"/>
+              <a:t>containsValue</a:t>
+            </a:r>
+            <a:r>
+              <a:rPr lang="tr-TR" sz="2400" b="1" dirty="0"/>
+              <a:t> : </a:t>
+            </a:r>
+            <a:r>
+              <a:rPr lang="tr-TR" sz="2400" dirty="0"/>
+              <a:t>Değeri içerip içermediğini kontrol eder.</a:t>
+            </a:r>
+          </a:p>
+          <a:p>
+            <a:pPr algn="just"/>
+            <a:endParaRPr lang="tr-TR" sz="2400" dirty="0"/>
+          </a:p>
+          <a:p>
+            <a:pPr algn="just"/>
+            <a:endParaRPr lang="tr-TR" sz="2400" dirty="0"/>
+          </a:p>
+          <a:p>
+            <a:pPr algn="just"/>
+            <a:endParaRPr lang="tr-TR" sz="2400" dirty="0"/>
+          </a:p>
+          <a:p>
+            <a:pPr algn="just"/>
+            <a:endParaRPr lang="tr-TR" sz="2400" dirty="0"/>
+          </a:p>
+          <a:p>
+            <a:pPr algn="just"/>
+            <a:r>
+              <a:rPr lang="tr-TR" sz="2400" b="1" dirty="0" err="1"/>
+              <a:t>forEach</a:t>
+            </a:r>
+            <a:r>
+              <a:rPr lang="tr-TR" sz="2400" b="1" dirty="0"/>
+              <a:t> : </a:t>
+            </a:r>
+            <a:r>
+              <a:rPr lang="tr-TR" sz="2400" dirty="0" err="1"/>
               <a:t>Map'in</a:t>
             </a:r>
             <a:r>
-              <a:rPr lang="tr-TR" dirty="0"/>
-              <a:t> içini boşaltır.</a:t>
-            </a:r>
-          </a:p>
-          <a:p>
-            <a:pPr algn="just"/>
-            <a:endParaRPr lang="tr-TR" dirty="0"/>
-          </a:p>
-          <a:p>
-            <a:pPr algn="just"/>
-            <a:endParaRPr lang="tr-TR" dirty="0"/>
-          </a:p>
-          <a:p>
-            <a:pPr algn="just"/>
-            <a:r>
-              <a:rPr lang="tr-TR" b="1" dirty="0" err="1"/>
-              <a:t>containsKey</a:t>
-            </a:r>
-            <a:endParaRPr lang="tr-TR" b="1" dirty="0"/>
-          </a:p>
-          <a:p>
-            <a:pPr algn="just"/>
-            <a:r>
-              <a:rPr lang="tr-TR" dirty="0"/>
-              <a:t>Anahtarı içerip içermediğini kontrol eder.</a:t>
-            </a:r>
-          </a:p>
-          <a:p>
-            <a:pPr algn="just"/>
-            <a:endParaRPr lang="tr-TR" dirty="0"/>
-          </a:p>
-          <a:p>
-            <a:pPr algn="just"/>
-            <a:endParaRPr lang="tr-TR" dirty="0"/>
-          </a:p>
-        </p:txBody>
-      </p:sp>
-      <p:pic>
-        <p:nvPicPr>
-          <p:cNvPr id="4" name="Resim 3"/>
-          <p:cNvPicPr>
-            <a:picLocks noChangeAspect="1"/>
-          </p:cNvPicPr>
-          <p:nvPr/>
-        </p:nvPicPr>
-        <p:blipFill>
-          <a:blip r:embed="rId2"/>
-          <a:stretch>
-            <a:fillRect/>
-          </a:stretch>
-        </p:blipFill>
-        <p:spPr>
-          <a:xfrm>
-            <a:off x="3746739" y="2445489"/>
-            <a:ext cx="2349261" cy="665933"/>
-          </a:xfrm>
-          <a:prstGeom prst="rect">
-            <a:avLst/>
-          </a:prstGeom>
-        </p:spPr>
-      </p:pic>
-      <p:pic>
-        <p:nvPicPr>
-          <p:cNvPr id="5" name="Resim 4"/>
-          <p:cNvPicPr>
-            <a:picLocks noChangeAspect="1"/>
-          </p:cNvPicPr>
-          <p:nvPr/>
-        </p:nvPicPr>
-        <p:blipFill>
-          <a:blip r:embed="rId3"/>
-          <a:stretch>
-            <a:fillRect/>
-          </a:stretch>
-        </p:blipFill>
-        <p:spPr>
-          <a:xfrm>
-            <a:off x="3007143" y="4856779"/>
-            <a:ext cx="6177713" cy="693416"/>
-          </a:xfrm>
-          <a:prstGeom prst="rect">
-            <a:avLst/>
-          </a:prstGeom>
-        </p:spPr>
-      </p:pic>
+              <a:rPr lang="tr-TR" sz="2400" dirty="0"/>
+              <a:t> eleman sayısına </a:t>
+            </a:r>
+            <a:r>
+              <a:rPr lang="tr-TR" sz="2400"/>
+              <a:t>göre döngü </a:t>
+            </a:r>
+            <a:r>
+              <a:rPr lang="tr-TR" sz="2400" dirty="0"/>
+              <a:t>işlemi yapar. </a:t>
+            </a:r>
+            <a:r>
+              <a:rPr lang="tr-TR" sz="2400" dirty="0" err="1"/>
+              <a:t>forEach</a:t>
+            </a:r>
+            <a:r>
+              <a:rPr lang="tr-TR" sz="2400" dirty="0"/>
+              <a:t> fonksiyonu 2 parametre alır. 1. anahtar parametresi, 2. değer parametresidir.</a:t>
+            </a:r>
+          </a:p>
+          <a:p>
+            <a:pPr algn="just"/>
+            <a:endParaRPr lang="tr-TR" sz="2400" dirty="0"/>
+          </a:p>
+        </p:txBody>
+      </p:sp>
       <p:pic>
         <p:nvPicPr>
           <p:cNvPr id="6" name="Picture 6" descr="Building Basic Backend Servers with Dart's Core Library - Dart Tutorial  Part 4 — Steemit">
             <a:extLst>
               <a:ext uri="{FF2B5EF4-FFF2-40B4-BE49-F238E27FC236}">
-                <a16:creationId xmlns:a16="http://schemas.microsoft.com/office/drawing/2014/main" id="{F38297B6-A488-41EF-AF73-E2C62014D939}"/>
+                <a16:creationId xmlns:a16="http://schemas.microsoft.com/office/drawing/2014/main" id="{F66EC078-5F82-4737-AB61-1FF12821400E}"/>
               </a:ext>
             </a:extLst>
           </p:cNvPr>
@@ -13548,7 +13490,7 @@
           <p:nvPr/>
         </p:nvPicPr>
         <p:blipFill>
-          <a:blip r:embed="rId4">
+          <a:blip r:embed="rId2">
             <a:extLst>
               <a:ext uri="{28A0092B-C50C-407E-A947-70E740481C1C}">
                 <a14:useLocalDpi xmlns:a14="http://schemas.microsoft.com/office/drawing/2010/main" val="0"/>
@@ -13580,10 +13522,70 @@
           </a:extLst>
         </p:spPr>
       </p:pic>
+      <p:pic>
+        <p:nvPicPr>
+          <p:cNvPr id="8" name="Resim 7">
+            <a:extLst>
+              <a:ext uri="{FF2B5EF4-FFF2-40B4-BE49-F238E27FC236}">
+                <a16:creationId xmlns:a16="http://schemas.microsoft.com/office/drawing/2014/main" id="{050FBA58-5923-4903-9B33-27F3465ED402}"/>
+              </a:ext>
+            </a:extLst>
+          </p:cNvPr>
+          <p:cNvPicPr>
+            <a:picLocks noChangeAspect="1"/>
+          </p:cNvPicPr>
+          <p:nvPr/>
+        </p:nvPicPr>
+        <p:blipFill>
+          <a:blip r:embed="rId3"/>
+          <a:stretch>
+            <a:fillRect/>
+          </a:stretch>
+        </p:blipFill>
+        <p:spPr>
+          <a:xfrm>
+            <a:off x="2942785" y="1684196"/>
+            <a:ext cx="6306430" cy="2029108"/>
+          </a:xfrm>
+          <a:prstGeom prst="rect">
+            <a:avLst/>
+          </a:prstGeom>
+        </p:spPr>
+      </p:pic>
+      <p:pic>
+        <p:nvPicPr>
+          <p:cNvPr id="10" name="Resim 9">
+            <a:extLst>
+              <a:ext uri="{FF2B5EF4-FFF2-40B4-BE49-F238E27FC236}">
+                <a16:creationId xmlns:a16="http://schemas.microsoft.com/office/drawing/2014/main" id="{CF550EB1-6F5E-4570-99F6-DAA8DC1D0FA1}"/>
+              </a:ext>
+            </a:extLst>
+          </p:cNvPr>
+          <p:cNvPicPr>
+            <a:picLocks noChangeAspect="1"/>
+          </p:cNvPicPr>
+          <p:nvPr/>
+        </p:nvPicPr>
+        <p:blipFill>
+          <a:blip r:embed="rId4"/>
+          <a:stretch>
+            <a:fillRect/>
+          </a:stretch>
+        </p:blipFill>
+        <p:spPr>
+          <a:xfrm>
+            <a:off x="985124" y="4398009"/>
+            <a:ext cx="10221751" cy="2291082"/>
+          </a:xfrm>
+          <a:prstGeom prst="rect">
+            <a:avLst/>
+          </a:prstGeom>
+        </p:spPr>
+      </p:pic>
     </p:spTree>
     <p:extLst>
       <p:ext uri="{BB962C8B-B14F-4D97-AF65-F5344CB8AC3E}">
-        <p14:creationId xmlns:p14="http://schemas.microsoft.com/office/powerpoint/2010/main" val="722228955"/>
+        <p14:creationId xmlns:p14="http://schemas.microsoft.com/office/powerpoint/2010/main" val="1085312499"/>
       </p:ext>
     </p:extLst>
   </p:cSld>
@@ -13666,267 +13668,6 @@
             <a:pPr algn="just"/>
             <a:r>
               <a:rPr lang="tr-TR" sz="2400" b="1" dirty="0" err="1"/>
-              <a:t>containsValue</a:t>
-            </a:r>
-            <a:r>
-              <a:rPr lang="tr-TR" sz="2400" b="1" dirty="0"/>
-              <a:t> : </a:t>
-            </a:r>
-            <a:r>
-              <a:rPr lang="tr-TR" sz="2400" dirty="0"/>
-              <a:t>Değeri içerip içermediğini kontrol eder.</a:t>
-            </a:r>
-          </a:p>
-          <a:p>
-            <a:pPr algn="just"/>
-            <a:endParaRPr lang="tr-TR" sz="2400" dirty="0"/>
-          </a:p>
-          <a:p>
-            <a:pPr algn="just"/>
-            <a:endParaRPr lang="tr-TR" sz="2400" dirty="0"/>
-          </a:p>
-          <a:p>
-            <a:pPr algn="just"/>
-            <a:endParaRPr lang="tr-TR" sz="2400" dirty="0"/>
-          </a:p>
-          <a:p>
-            <a:pPr algn="just"/>
-            <a:endParaRPr lang="tr-TR" sz="2400" dirty="0"/>
-          </a:p>
-          <a:p>
-            <a:pPr algn="just"/>
-            <a:r>
-              <a:rPr lang="tr-TR" sz="2400" b="1" dirty="0" err="1"/>
-              <a:t>forEach</a:t>
-            </a:r>
-            <a:r>
-              <a:rPr lang="tr-TR" sz="2400" b="1" dirty="0"/>
-              <a:t> : </a:t>
-            </a:r>
-            <a:r>
-              <a:rPr lang="tr-TR" sz="2400" dirty="0" err="1"/>
-              <a:t>Map'in</a:t>
-            </a:r>
-            <a:r>
-              <a:rPr lang="tr-TR" sz="2400" dirty="0"/>
-              <a:t> eleman sayısına </a:t>
-            </a:r>
-            <a:r>
-              <a:rPr lang="tr-TR" sz="2400"/>
-              <a:t>göre döngü </a:t>
-            </a:r>
-            <a:r>
-              <a:rPr lang="tr-TR" sz="2400" dirty="0"/>
-              <a:t>işlemi yapar. </a:t>
-            </a:r>
-            <a:r>
-              <a:rPr lang="tr-TR" sz="2400" dirty="0" err="1"/>
-              <a:t>forEach</a:t>
-            </a:r>
-            <a:r>
-              <a:rPr lang="tr-TR" sz="2400" dirty="0"/>
-              <a:t> fonksiyonu 2 parametre alır. 1. anahtar parametresi, 2. değer parametresidir.</a:t>
-            </a:r>
-          </a:p>
-          <a:p>
-            <a:pPr algn="just"/>
-            <a:endParaRPr lang="tr-TR" sz="2400" dirty="0"/>
-          </a:p>
-        </p:txBody>
-      </p:sp>
-      <p:pic>
-        <p:nvPicPr>
-          <p:cNvPr id="6" name="Picture 6" descr="Building Basic Backend Servers with Dart's Core Library - Dart Tutorial  Part 4 — Steemit">
-            <a:extLst>
-              <a:ext uri="{FF2B5EF4-FFF2-40B4-BE49-F238E27FC236}">
-                <a16:creationId xmlns:a16="http://schemas.microsoft.com/office/drawing/2014/main" id="{F66EC078-5F82-4737-AB61-1FF12821400E}"/>
-              </a:ext>
-            </a:extLst>
-          </p:cNvPr>
-          <p:cNvPicPr>
-            <a:picLocks noChangeAspect="1" noChangeArrowheads="1"/>
-          </p:cNvPicPr>
-          <p:nvPr/>
-        </p:nvPicPr>
-        <p:blipFill>
-          <a:blip r:embed="rId2">
-            <a:extLst>
-              <a:ext uri="{28A0092B-C50C-407E-A947-70E740481C1C}">
-                <a14:useLocalDpi xmlns:a14="http://schemas.microsoft.com/office/drawing/2010/main" val="0"/>
-              </a:ext>
-            </a:extLst>
-          </a:blip>
-          <a:srcRect/>
-          <a:stretch>
-            <a:fillRect/>
-          </a:stretch>
-        </p:blipFill>
-        <p:spPr bwMode="auto">
-          <a:xfrm>
-            <a:off x="10668000" y="55439"/>
-            <a:ext cx="1348086" cy="754928"/>
-          </a:xfrm>
-          <a:prstGeom prst="rect">
-            <a:avLst/>
-          </a:prstGeom>
-          <a:noFill/>
-          <a:extLst>
-            <a:ext uri="{909E8E84-426E-40DD-AFC4-6F175D3DCCD1}">
-              <a14:hiddenFill xmlns:a14="http://schemas.microsoft.com/office/drawing/2010/main">
-                <a:solidFill>
-                  <a:srgbClr val="FFFFFF"/>
-                </a:solidFill>
-              </a14:hiddenFill>
-            </a:ext>
-          </a:extLst>
-        </p:spPr>
-      </p:pic>
-      <p:pic>
-        <p:nvPicPr>
-          <p:cNvPr id="8" name="Resim 7">
-            <a:extLst>
-              <a:ext uri="{FF2B5EF4-FFF2-40B4-BE49-F238E27FC236}">
-                <a16:creationId xmlns:a16="http://schemas.microsoft.com/office/drawing/2014/main" id="{050FBA58-5923-4903-9B33-27F3465ED402}"/>
-              </a:ext>
-            </a:extLst>
-          </p:cNvPr>
-          <p:cNvPicPr>
-            <a:picLocks noChangeAspect="1"/>
-          </p:cNvPicPr>
-          <p:nvPr/>
-        </p:nvPicPr>
-        <p:blipFill>
-          <a:blip r:embed="rId3"/>
-          <a:stretch>
-            <a:fillRect/>
-          </a:stretch>
-        </p:blipFill>
-        <p:spPr>
-          <a:xfrm>
-            <a:off x="2942785" y="1684196"/>
-            <a:ext cx="6306430" cy="2029108"/>
-          </a:xfrm>
-          <a:prstGeom prst="rect">
-            <a:avLst/>
-          </a:prstGeom>
-        </p:spPr>
-      </p:pic>
-      <p:pic>
-        <p:nvPicPr>
-          <p:cNvPr id="10" name="Resim 9">
-            <a:extLst>
-              <a:ext uri="{FF2B5EF4-FFF2-40B4-BE49-F238E27FC236}">
-                <a16:creationId xmlns:a16="http://schemas.microsoft.com/office/drawing/2014/main" id="{CF550EB1-6F5E-4570-99F6-DAA8DC1D0FA1}"/>
-              </a:ext>
-            </a:extLst>
-          </p:cNvPr>
-          <p:cNvPicPr>
-            <a:picLocks noChangeAspect="1"/>
-          </p:cNvPicPr>
-          <p:nvPr/>
-        </p:nvPicPr>
-        <p:blipFill>
-          <a:blip r:embed="rId4"/>
-          <a:stretch>
-            <a:fillRect/>
-          </a:stretch>
-        </p:blipFill>
-        <p:spPr>
-          <a:xfrm>
-            <a:off x="985124" y="4398009"/>
-            <a:ext cx="10221751" cy="2291082"/>
-          </a:xfrm>
-          <a:prstGeom prst="rect">
-            <a:avLst/>
-          </a:prstGeom>
-        </p:spPr>
-      </p:pic>
-    </p:spTree>
-    <p:extLst>
-      <p:ext uri="{BB962C8B-B14F-4D97-AF65-F5344CB8AC3E}">
-        <p14:creationId xmlns:p14="http://schemas.microsoft.com/office/powerpoint/2010/main" val="1085312499"/>
-      </p:ext>
-    </p:extLst>
-  </p:cSld>
-  <p:clrMapOvr>
-    <a:masterClrMapping/>
-  </p:clrMapOvr>
-</p:sld>
-</file>
-
-<file path=ppt/slides/slide55.xml><?xml version="1.0" encoding="utf-8"?>
-<p:sld xmlns:a="http://schemas.openxmlformats.org/drawingml/2006/main" xmlns:r="http://schemas.openxmlformats.org/officeDocument/2006/relationships" xmlns:p="http://schemas.openxmlformats.org/presentationml/2006/main">
-  <p:cSld>
-    <p:spTree>
-      <p:nvGrpSpPr>
-        <p:cNvPr id="1" name=""/>
-        <p:cNvGrpSpPr/>
-        <p:nvPr/>
-      </p:nvGrpSpPr>
-      <p:grpSpPr>
-        <a:xfrm>
-          <a:off x="0" y="0"/>
-          <a:ext cx="0" cy="0"/>
-          <a:chOff x="0" y="0"/>
-          <a:chExt cx="0" cy="0"/>
-        </a:xfrm>
-      </p:grpSpPr>
-      <p:sp>
-        <p:nvSpPr>
-          <p:cNvPr id="2" name="Unvan 1"/>
-          <p:cNvSpPr>
-            <a:spLocks noGrp="1"/>
-          </p:cNvSpPr>
-          <p:nvPr>
-            <p:ph type="title"/>
-          </p:nvPr>
-        </p:nvSpPr>
-        <p:spPr>
-          <a:xfrm>
-            <a:off x="838200" y="365125"/>
-            <a:ext cx="10515600" cy="848213"/>
-          </a:xfrm>
-        </p:spPr>
-        <p:txBody>
-          <a:bodyPr/>
-          <a:lstStyle/>
-          <a:p>
-            <a:r>
-              <a:rPr lang="tr-TR" b="1" dirty="0" err="1"/>
-              <a:t>Map</a:t>
-            </a:r>
-            <a:r>
-              <a:rPr lang="tr-TR" b="1" dirty="0"/>
-              <a:t> Fonksiyonları</a:t>
-            </a:r>
-          </a:p>
-        </p:txBody>
-      </p:sp>
-      <p:sp>
-        <p:nvSpPr>
-          <p:cNvPr id="3" name="İçerik Yer Tutucusu 2"/>
-          <p:cNvSpPr>
-            <a:spLocks noGrp="1"/>
-          </p:cNvSpPr>
-          <p:nvPr>
-            <p:ph idx="1"/>
-          </p:nvPr>
-        </p:nvSpPr>
-        <p:spPr>
-          <a:xfrm>
-            <a:off x="838200" y="1354015"/>
-            <a:ext cx="10515600" cy="4822948"/>
-          </a:xfrm>
-        </p:spPr>
-        <p:txBody>
-          <a:bodyPr>
-            <a:normAutofit/>
-          </a:bodyPr>
-          <a:lstStyle/>
-          <a:p>
-            <a:pPr algn="just"/>
-            <a:r>
-              <a:rPr lang="tr-TR" sz="2400" b="1" dirty="0" err="1"/>
               <a:t>Remove</a:t>
             </a:r>
             <a:r>
@@ -14101,7 +13842,7 @@
 </p:sld>
 </file>
 
-<file path=ppt/slides/slide56.xml><?xml version="1.0" encoding="utf-8"?>
+<file path=ppt/slides/slide55.xml><?xml version="1.0" encoding="utf-8"?>
 <p:sld xmlns:a="http://schemas.openxmlformats.org/drawingml/2006/main" xmlns:r="http://schemas.openxmlformats.org/officeDocument/2006/relationships" xmlns:p="http://schemas.openxmlformats.org/presentationml/2006/main">
   <p:cSld>
     <p:spTree>
@@ -14200,7 +13941,7 @@
           <a:p>
             <a:r>
               <a:rPr lang="tr-TR" b="1" dirty="0"/>
-              <a:t>Aritmetik Operatörler</a:t>
+              <a:t>İlişkisel Operatörler</a:t>
             </a:r>
           </a:p>
         </p:txBody>
@@ -14225,25 +13966,33 @@
           <a:bodyPr/>
           <a:lstStyle/>
           <a:p>
+            <a:pPr algn="just"/>
             <a:r>
               <a:rPr lang="tr-TR" dirty="0"/>
-              <a:t>Aritmetik operatörler programlamada matematiksel işlemler yapabilmemize olanak sağlar.</a:t>
-            </a:r>
-          </a:p>
-          <a:p>
-            <a:pPr marL="0" indent="0" algn="just">
-              <a:buNone/>
-            </a:pPr>
-            <a:br>
+              <a:t>İlişkisel operatörler programlamada iki veriyi birbiriyle karşılaştırabilmemize olanak sağlar. Karşılaştırma doğrulanıyorsa </a:t>
+            </a:r>
+            <a:r>
+              <a:rPr lang="tr-TR" b="1" dirty="0" err="1"/>
+              <a:t>true</a:t>
+            </a:r>
+            <a:r>
               <a:rPr lang="tr-TR" dirty="0"/>
-            </a:br>
-            <a:endParaRPr lang="tr-TR" dirty="0"/>
+              <a:t> değer, doğrulanmıyorsa </a:t>
+            </a:r>
+            <a:r>
+              <a:rPr lang="tr-TR" b="1" dirty="0" err="1"/>
+              <a:t>false</a:t>
+            </a:r>
+            <a:r>
+              <a:rPr lang="tr-TR" dirty="0"/>
+              <a:t> değer alır.</a:t>
+            </a:r>
           </a:p>
         </p:txBody>
       </p:sp>
       <p:pic>
         <p:nvPicPr>
-          <p:cNvPr id="5" name="Resim 4"/>
+          <p:cNvPr id="4" name="Resim 3"/>
           <p:cNvPicPr>
             <a:picLocks noChangeAspect="1"/>
           </p:cNvPicPr>
@@ -14257,8 +14006,8 @@
         </p:blipFill>
         <p:spPr>
           <a:xfrm>
-            <a:off x="3296123" y="2379109"/>
-            <a:ext cx="5599753" cy="4185954"/>
+            <a:off x="3371442" y="2797625"/>
+            <a:ext cx="5449116" cy="3695250"/>
           </a:xfrm>
           <a:prstGeom prst="rect">
             <a:avLst/>
@@ -14267,10 +14016,10 @@
       </p:pic>
       <p:pic>
         <p:nvPicPr>
-          <p:cNvPr id="6" name="Picture 6" descr="Building Basic Backend Servers with Dart's Core Library - Dart Tutorial  Part 4 — Steemit">
+          <p:cNvPr id="5" name="Picture 6" descr="Building Basic Backend Servers with Dart's Core Library - Dart Tutorial  Part 4 — Steemit">
             <a:extLst>
               <a:ext uri="{FF2B5EF4-FFF2-40B4-BE49-F238E27FC236}">
-                <a16:creationId xmlns:a16="http://schemas.microsoft.com/office/drawing/2014/main" id="{08B96C2A-068A-4FE5-A240-C13827DBCF3D}"/>
+                <a16:creationId xmlns:a16="http://schemas.microsoft.com/office/drawing/2014/main" id="{DF47FE94-958E-4A5A-A81C-B69BAB274EFB}"/>
               </a:ext>
             </a:extLst>
           </p:cNvPr>
@@ -14315,7 +14064,7 @@
     </p:spTree>
     <p:extLst>
       <p:ext uri="{BB962C8B-B14F-4D97-AF65-F5344CB8AC3E}">
-        <p14:creationId xmlns:p14="http://schemas.microsoft.com/office/powerpoint/2010/main" val="2963431321"/>
+        <p14:creationId xmlns:p14="http://schemas.microsoft.com/office/powerpoint/2010/main" val="4217812913"/>
       </p:ext>
     </p:extLst>
   </p:cSld>
@@ -14364,7 +14113,7 @@
           <a:p>
             <a:r>
               <a:rPr lang="tr-TR" b="1" dirty="0"/>
-              <a:t>İlişkisel Operatörler</a:t>
+              <a:t>Mantıksal Operatörler</a:t>
             </a:r>
           </a:p>
         </p:txBody>
@@ -14392,23 +14141,7 @@
             <a:pPr algn="just"/>
             <a:r>
               <a:rPr lang="tr-TR" dirty="0"/>
-              <a:t>İlişkisel operatörler programlamada iki veriyi birbiriyle karşılaştırabilmemize olanak sağlar. Karşılaştırma doğrulanıyorsa </a:t>
-            </a:r>
-            <a:r>
-              <a:rPr lang="tr-TR" b="1" dirty="0" err="1"/>
-              <a:t>true</a:t>
-            </a:r>
-            <a:r>
-              <a:rPr lang="tr-TR" dirty="0"/>
-              <a:t> değer, doğrulanmıyorsa </a:t>
-            </a:r>
-            <a:r>
-              <a:rPr lang="tr-TR" b="1" dirty="0" err="1"/>
-              <a:t>false</a:t>
-            </a:r>
-            <a:r>
-              <a:rPr lang="tr-TR" dirty="0"/>
-              <a:t> değer alır.</a:t>
+              <a:t>Mantıksal operatörler birden fazla mantıksal veriyi kontrol eder ve kullandığımız operatöre göre mantıksal değer döndürür.</a:t>
             </a:r>
           </a:p>
         </p:txBody>
@@ -14429,8 +14162,8 @@
         </p:blipFill>
         <p:spPr>
           <a:xfrm>
-            <a:off x="3371442" y="2797625"/>
-            <a:ext cx="5449116" cy="3695250"/>
+            <a:off x="2371161" y="2907463"/>
+            <a:ext cx="7449678" cy="3013498"/>
           </a:xfrm>
           <a:prstGeom prst="rect">
             <a:avLst/>
@@ -14442,7 +14175,7 @@
           <p:cNvPr id="5" name="Picture 6" descr="Building Basic Backend Servers with Dart's Core Library - Dart Tutorial  Part 4 — Steemit">
             <a:extLst>
               <a:ext uri="{FF2B5EF4-FFF2-40B4-BE49-F238E27FC236}">
-                <a16:creationId xmlns:a16="http://schemas.microsoft.com/office/drawing/2014/main" id="{DF47FE94-958E-4A5A-A81C-B69BAB274EFB}"/>
+                <a16:creationId xmlns:a16="http://schemas.microsoft.com/office/drawing/2014/main" id="{7476D80C-21B9-4404-AF9C-BD56F83FEF1C}"/>
               </a:ext>
             </a:extLst>
           </p:cNvPr>
@@ -14487,7 +14220,7 @@
     </p:spTree>
     <p:extLst>
       <p:ext uri="{BB962C8B-B14F-4D97-AF65-F5344CB8AC3E}">
-        <p14:creationId xmlns:p14="http://schemas.microsoft.com/office/powerpoint/2010/main" val="4217812913"/>
+        <p14:creationId xmlns:p14="http://schemas.microsoft.com/office/powerpoint/2010/main" val="2478339165"/>
       </p:ext>
     </p:extLst>
   </p:cSld>
@@ -14536,7 +14269,7 @@
           <a:p>
             <a:r>
               <a:rPr lang="tr-TR" b="1" dirty="0"/>
-              <a:t>Mantıksal Operatörler</a:t>
+              <a:t>Atama Operatörleri</a:t>
             </a:r>
           </a:p>
         </p:txBody>
@@ -14564,7 +14297,7 @@
             <a:pPr algn="just"/>
             <a:r>
               <a:rPr lang="tr-TR" dirty="0"/>
-              <a:t>Mantıksal operatörler birden fazla mantıksal veriyi kontrol eder ve kullandığımız operatöre göre mantıksal değer döndürür.</a:t>
+              <a:t>Atama operatörleri değişkenlere ve sabitlere değer atamak için kullanılır.</a:t>
             </a:r>
           </a:p>
         </p:txBody>
@@ -14585,8 +14318,8 @@
         </p:blipFill>
         <p:spPr>
           <a:xfrm>
-            <a:off x="2371161" y="2907463"/>
-            <a:ext cx="7449678" cy="3013498"/>
+            <a:off x="2893045" y="2515144"/>
+            <a:ext cx="6430293" cy="4007718"/>
           </a:xfrm>
           <a:prstGeom prst="rect">
             <a:avLst/>
@@ -14598,7 +14331,7 @@
           <p:cNvPr id="5" name="Picture 6" descr="Building Basic Backend Servers with Dart's Core Library - Dart Tutorial  Part 4 — Steemit">
             <a:extLst>
               <a:ext uri="{FF2B5EF4-FFF2-40B4-BE49-F238E27FC236}">
-                <a16:creationId xmlns:a16="http://schemas.microsoft.com/office/drawing/2014/main" id="{7476D80C-21B9-4404-AF9C-BD56F83FEF1C}"/>
+                <a16:creationId xmlns:a16="http://schemas.microsoft.com/office/drawing/2014/main" id="{38AA2549-9DEC-4413-82FA-B15C6767B6BC}"/>
               </a:ext>
             </a:extLst>
           </p:cNvPr>
@@ -14643,7 +14376,7 @@
     </p:spTree>
     <p:extLst>
       <p:ext uri="{BB962C8B-B14F-4D97-AF65-F5344CB8AC3E}">
-        <p14:creationId xmlns:p14="http://schemas.microsoft.com/office/powerpoint/2010/main" val="2478339165"/>
+        <p14:creationId xmlns:p14="http://schemas.microsoft.com/office/powerpoint/2010/main" val="1653119125"/>
       </p:ext>
     </p:extLst>
   </p:cSld>
@@ -14692,7 +14425,7 @@
           <a:p>
             <a:r>
               <a:rPr lang="tr-TR" b="1" dirty="0"/>
-              <a:t>Atama Operatörleri</a:t>
+              <a:t>Sabitler</a:t>
             </a:r>
           </a:p>
         </p:txBody>
@@ -14720,14 +14453,86 @@
             <a:pPr algn="just"/>
             <a:r>
               <a:rPr lang="tr-TR" dirty="0"/>
-              <a:t>Atama operatörleri değişkenlere ve sabitlere değer atamak için kullanılır.</a:t>
-            </a:r>
+              <a:t>Sabitler bir kere tanımlandıktan sonra değiştirilemeyen verilerdir.</a:t>
+            </a:r>
+          </a:p>
+          <a:p>
+            <a:pPr algn="just"/>
+            <a:r>
+              <a:rPr lang="tr-TR" b="1" dirty="0" err="1"/>
+              <a:t>const</a:t>
+            </a:r>
+            <a:r>
+              <a:rPr lang="tr-TR" dirty="0"/>
+              <a:t> terimi ile kullanılırlar.</a:t>
+            </a:r>
+          </a:p>
+          <a:p>
+            <a:pPr algn="just"/>
+            <a:r>
+              <a:rPr lang="tr-TR" dirty="0"/>
+              <a:t>İki adet tanımlama yöntemi vardır.</a:t>
+            </a:r>
+          </a:p>
+          <a:p>
+            <a:pPr algn="just"/>
+            <a:r>
+              <a:rPr lang="tr-TR" b="1" dirty="0"/>
+              <a:t>1. Sadece </a:t>
+            </a:r>
+            <a:r>
+              <a:rPr lang="tr-TR" b="1" dirty="0" err="1"/>
+              <a:t>const</a:t>
+            </a:r>
+            <a:r>
+              <a:rPr lang="tr-TR" b="1" dirty="0"/>
+              <a:t> ile</a:t>
+            </a:r>
+          </a:p>
+          <a:p>
+            <a:pPr algn="just"/>
+            <a:endParaRPr lang="tr-TR" b="1" dirty="0"/>
+          </a:p>
+          <a:p>
+            <a:pPr algn="just"/>
+            <a:endParaRPr lang="tr-TR" b="1" dirty="0"/>
+          </a:p>
+          <a:p>
+            <a:pPr algn="just"/>
+            <a:endParaRPr lang="tr-TR" b="1" dirty="0"/>
+          </a:p>
+          <a:p>
+            <a:pPr algn="just"/>
+            <a:r>
+              <a:rPr lang="tr-TR" dirty="0" err="1"/>
+              <a:t>piSayisi'nın</a:t>
+            </a:r>
+            <a:r>
+              <a:rPr lang="tr-TR" dirty="0"/>
+              <a:t> tipini belirtmedik sadece </a:t>
+            </a:r>
+            <a:r>
+              <a:rPr lang="tr-TR" dirty="0" err="1"/>
+              <a:t>const</a:t>
+            </a:r>
+            <a:r>
+              <a:rPr lang="tr-TR" dirty="0"/>
+              <a:t> terimini kullandık.</a:t>
+            </a:r>
+          </a:p>
+          <a:p>
+            <a:pPr algn="just"/>
+            <a:endParaRPr lang="tr-TR" b="1" dirty="0"/>
+          </a:p>
+          <a:p>
+            <a:pPr algn="just"/>
+            <a:endParaRPr lang="tr-TR" b="1" dirty="0"/>
           </a:p>
         </p:txBody>
       </p:sp>
       <p:pic>
         <p:nvPicPr>
-          <p:cNvPr id="4" name="Resim 3"/>
+          <p:cNvPr id="5" name="Resim 4"/>
           <p:cNvPicPr>
             <a:picLocks noChangeAspect="1"/>
           </p:cNvPicPr>
@@ -14741,8 +14546,8 @@
         </p:blipFill>
         <p:spPr>
           <a:xfrm>
-            <a:off x="2893045" y="2515144"/>
-            <a:ext cx="6430293" cy="4007718"/>
+            <a:off x="3945732" y="3649356"/>
+            <a:ext cx="4591896" cy="860980"/>
           </a:xfrm>
           <a:prstGeom prst="rect">
             <a:avLst/>
@@ -14751,10 +14556,10 @@
       </p:pic>
       <p:pic>
         <p:nvPicPr>
-          <p:cNvPr id="5" name="Picture 6" descr="Building Basic Backend Servers with Dart's Core Library - Dart Tutorial  Part 4 — Steemit">
+          <p:cNvPr id="6" name="Picture 6" descr="Building Basic Backend Servers with Dart's Core Library - Dart Tutorial  Part 4 — Steemit">
             <a:extLst>
               <a:ext uri="{FF2B5EF4-FFF2-40B4-BE49-F238E27FC236}">
-                <a16:creationId xmlns:a16="http://schemas.microsoft.com/office/drawing/2014/main" id="{38AA2549-9DEC-4413-82FA-B15C6767B6BC}"/>
+                <a16:creationId xmlns:a16="http://schemas.microsoft.com/office/drawing/2014/main" id="{BE623D2A-2AEC-4F2B-95F3-0E9F425D9FD7}"/>
               </a:ext>
             </a:extLst>
           </p:cNvPr>
@@ -14799,7 +14604,7 @@
     </p:spTree>
     <p:extLst>
       <p:ext uri="{BB962C8B-B14F-4D97-AF65-F5344CB8AC3E}">
-        <p14:creationId xmlns:p14="http://schemas.microsoft.com/office/powerpoint/2010/main" val="1653119125"/>
+        <p14:creationId xmlns:p14="http://schemas.microsoft.com/office/powerpoint/2010/main" val="2645092961"/>
       </p:ext>
     </p:extLst>
   </p:cSld>
